--- a/Examination System presentation.pptx
+++ b/Examination System presentation.pptx
@@ -5,7 +5,7 @@
     <p:sldMasterId id="2147483648" r:id="rId1"/>
   </p:sldMasterIdLst>
   <p:notesMasterIdLst>
-    <p:notesMasterId r:id="rId41"/>
+    <p:notesMasterId r:id="rId37"/>
   </p:notesMasterIdLst>
   <p:sldIdLst>
     <p:sldId id="256" r:id="rId2"/>
@@ -20,33 +20,29 @@
     <p:sldId id="323" r:id="rId11"/>
     <p:sldId id="316" r:id="rId12"/>
     <p:sldId id="296" r:id="rId13"/>
-    <p:sldId id="318" r:id="rId14"/>
-    <p:sldId id="319" r:id="rId15"/>
-    <p:sldId id="320" r:id="rId16"/>
-    <p:sldId id="321" r:id="rId17"/>
-    <p:sldId id="322" r:id="rId18"/>
-    <p:sldId id="324" r:id="rId19"/>
-    <p:sldId id="325" r:id="rId20"/>
-    <p:sldId id="326" r:id="rId21"/>
-    <p:sldId id="327" r:id="rId22"/>
-    <p:sldId id="328" r:id="rId23"/>
-    <p:sldId id="329" r:id="rId24"/>
-    <p:sldId id="330" r:id="rId25"/>
-    <p:sldId id="331" r:id="rId26"/>
-    <p:sldId id="332" r:id="rId27"/>
-    <p:sldId id="333" r:id="rId28"/>
-    <p:sldId id="334" r:id="rId29"/>
-    <p:sldId id="335" r:id="rId30"/>
-    <p:sldId id="336" r:id="rId31"/>
-    <p:sldId id="337" r:id="rId32"/>
-    <p:sldId id="338" r:id="rId33"/>
-    <p:sldId id="339" r:id="rId34"/>
-    <p:sldId id="340" r:id="rId35"/>
-    <p:sldId id="341" r:id="rId36"/>
-    <p:sldId id="342" r:id="rId37"/>
-    <p:sldId id="343" r:id="rId38"/>
-    <p:sldId id="344" r:id="rId39"/>
-    <p:sldId id="284" r:id="rId40"/>
+    <p:sldId id="345" r:id="rId14"/>
+    <p:sldId id="346" r:id="rId15"/>
+    <p:sldId id="347" r:id="rId16"/>
+    <p:sldId id="348" r:id="rId17"/>
+    <p:sldId id="349" r:id="rId18"/>
+    <p:sldId id="340" r:id="rId19"/>
+    <p:sldId id="341" r:id="rId20"/>
+    <p:sldId id="342" r:id="rId21"/>
+    <p:sldId id="350" r:id="rId22"/>
+    <p:sldId id="351" r:id="rId23"/>
+    <p:sldId id="352" r:id="rId24"/>
+    <p:sldId id="353" r:id="rId25"/>
+    <p:sldId id="354" r:id="rId26"/>
+    <p:sldId id="355" r:id="rId27"/>
+    <p:sldId id="356" r:id="rId28"/>
+    <p:sldId id="357" r:id="rId29"/>
+    <p:sldId id="358" r:id="rId30"/>
+    <p:sldId id="359" r:id="rId31"/>
+    <p:sldId id="360" r:id="rId32"/>
+    <p:sldId id="361" r:id="rId33"/>
+    <p:sldId id="321" r:id="rId34"/>
+    <p:sldId id="322" r:id="rId35"/>
+    <p:sldId id="284" r:id="rId36"/>
   </p:sldIdLst>
   <p:sldSz cx="12192000" cy="6858000"/>
   <p:notesSz cx="6858000" cy="9144000"/>
@@ -4524,6 +4520,42 @@
           </a:p>
         </p:txBody>
       </p:sp>
+      <p:pic>
+        <p:nvPicPr>
+          <p:cNvPr id="2" name="Picture 1">
+            <a:extLst>
+              <a:ext uri="{FF2B5EF4-FFF2-40B4-BE49-F238E27FC236}">
+                <a16:creationId xmlns:a16="http://schemas.microsoft.com/office/drawing/2014/main" id="{54DAA245-E7BC-3061-F711-9FA152681B6F}"/>
+              </a:ext>
+            </a:extLst>
+          </p:cNvPr>
+          <p:cNvPicPr>
+            <a:picLocks noChangeAspect="1"/>
+          </p:cNvPicPr>
+          <p:nvPr/>
+        </p:nvPicPr>
+        <p:blipFill>
+          <a:blip r:embed="rId2">
+            <a:extLst>
+              <a:ext uri="{28A0092B-C50C-407E-A947-70E740481C1C}">
+                <a14:useLocalDpi xmlns:a14="http://schemas.microsoft.com/office/drawing/2010/main" val="0"/>
+              </a:ext>
+            </a:extLst>
+          </a:blip>
+          <a:stretch>
+            <a:fillRect/>
+          </a:stretch>
+        </p:blipFill>
+        <p:spPr>
+          <a:xfrm>
+            <a:off x="99096" y="1628437"/>
+            <a:ext cx="11627892" cy="5244322"/>
+          </a:xfrm>
+          <a:prstGeom prst="rect">
+            <a:avLst/>
+          </a:prstGeom>
+        </p:spPr>
+      </p:pic>
     </p:spTree>
   </p:cSld>
   <p:clrMapOvr>
@@ -4844,10 +4876,46 @@
           </a:p>
         </p:txBody>
       </p:sp>
+      <p:pic>
+        <p:nvPicPr>
+          <p:cNvPr id="2" name="Picture 1">
+            <a:extLst>
+              <a:ext uri="{FF2B5EF4-FFF2-40B4-BE49-F238E27FC236}">
+                <a16:creationId xmlns:a16="http://schemas.microsoft.com/office/drawing/2014/main" id="{75B94C3F-0700-57EB-BFD7-5E966EC72C77}"/>
+              </a:ext>
+            </a:extLst>
+          </p:cNvPr>
+          <p:cNvPicPr>
+            <a:picLocks noChangeAspect="1"/>
+          </p:cNvPicPr>
+          <p:nvPr/>
+        </p:nvPicPr>
+        <p:blipFill>
+          <a:blip r:embed="rId2">
+            <a:extLst>
+              <a:ext uri="{28A0092B-C50C-407E-A947-70E740481C1C}">
+                <a14:useLocalDpi xmlns:a14="http://schemas.microsoft.com/office/drawing/2010/main" val="0"/>
+              </a:ext>
+            </a:extLst>
+          </a:blip>
+          <a:stretch>
+            <a:fillRect/>
+          </a:stretch>
+        </p:blipFill>
+        <p:spPr>
+          <a:xfrm>
+            <a:off x="2072536" y="1628437"/>
+            <a:ext cx="8046927" cy="5116920"/>
+          </a:xfrm>
+          <a:prstGeom prst="rect">
+            <a:avLst/>
+          </a:prstGeom>
+        </p:spPr>
+      </p:pic>
     </p:spTree>
     <p:extLst>
       <p:ext uri="{BB962C8B-B14F-4D97-AF65-F5344CB8AC3E}">
-        <p14:creationId xmlns:p14="http://schemas.microsoft.com/office/powerpoint/2010/main" val="3258122476"/>
+        <p14:creationId xmlns:p14="http://schemas.microsoft.com/office/powerpoint/2010/main" val="2456531340"/>
       </p:ext>
     </p:extLst>
   </p:cSld>
@@ -5169,10 +5237,46 @@
           </a:p>
         </p:txBody>
       </p:sp>
+      <p:pic>
+        <p:nvPicPr>
+          <p:cNvPr id="2" name="Picture 1">
+            <a:extLst>
+              <a:ext uri="{FF2B5EF4-FFF2-40B4-BE49-F238E27FC236}">
+                <a16:creationId xmlns:a16="http://schemas.microsoft.com/office/drawing/2014/main" id="{43C3538E-32C4-C3F0-FD9F-4B1DA2561906}"/>
+              </a:ext>
+            </a:extLst>
+          </p:cNvPr>
+          <p:cNvPicPr>
+            <a:picLocks noChangeAspect="1"/>
+          </p:cNvPicPr>
+          <p:nvPr/>
+        </p:nvPicPr>
+        <p:blipFill>
+          <a:blip r:embed="rId2">
+            <a:extLst>
+              <a:ext uri="{28A0092B-C50C-407E-A947-70E740481C1C}">
+                <a14:useLocalDpi xmlns:a14="http://schemas.microsoft.com/office/drawing/2010/main" val="0"/>
+              </a:ext>
+            </a:extLst>
+          </a:blip>
+          <a:stretch>
+            <a:fillRect/>
+          </a:stretch>
+        </p:blipFill>
+        <p:spPr>
+          <a:xfrm>
+            <a:off x="2271591" y="1628437"/>
+            <a:ext cx="7648818" cy="5220423"/>
+          </a:xfrm>
+          <a:prstGeom prst="rect">
+            <a:avLst/>
+          </a:prstGeom>
+        </p:spPr>
+      </p:pic>
     </p:spTree>
     <p:extLst>
       <p:ext uri="{BB962C8B-B14F-4D97-AF65-F5344CB8AC3E}">
-        <p14:creationId xmlns:p14="http://schemas.microsoft.com/office/powerpoint/2010/main" val="2284989384"/>
+        <p14:creationId xmlns:p14="http://schemas.microsoft.com/office/powerpoint/2010/main" val="2527185868"/>
       </p:ext>
     </p:extLst>
   </p:cSld>
@@ -5494,10 +5598,46 @@
           </a:p>
         </p:txBody>
       </p:sp>
+      <p:pic>
+        <p:nvPicPr>
+          <p:cNvPr id="2" name="Picture 1">
+            <a:extLst>
+              <a:ext uri="{FF2B5EF4-FFF2-40B4-BE49-F238E27FC236}">
+                <a16:creationId xmlns:a16="http://schemas.microsoft.com/office/drawing/2014/main" id="{82EF21C7-E271-B943-A149-C4FAFF8B2D9A}"/>
+              </a:ext>
+            </a:extLst>
+          </p:cNvPr>
+          <p:cNvPicPr>
+            <a:picLocks noChangeAspect="1"/>
+          </p:cNvPicPr>
+          <p:nvPr/>
+        </p:nvPicPr>
+        <p:blipFill>
+          <a:blip r:embed="rId2">
+            <a:extLst>
+              <a:ext uri="{28A0092B-C50C-407E-A947-70E740481C1C}">
+                <a14:useLocalDpi xmlns:a14="http://schemas.microsoft.com/office/drawing/2010/main" val="0"/>
+              </a:ext>
+            </a:extLst>
+          </a:blip>
+          <a:stretch>
+            <a:fillRect/>
+          </a:stretch>
+        </p:blipFill>
+        <p:spPr>
+          <a:xfrm>
+            <a:off x="2099071" y="1529293"/>
+            <a:ext cx="7993858" cy="5048256"/>
+          </a:xfrm>
+          <a:prstGeom prst="rect">
+            <a:avLst/>
+          </a:prstGeom>
+        </p:spPr>
+      </p:pic>
     </p:spTree>
     <p:extLst>
       <p:ext uri="{BB962C8B-B14F-4D97-AF65-F5344CB8AC3E}">
-        <p14:creationId xmlns:p14="http://schemas.microsoft.com/office/powerpoint/2010/main" val="2590548996"/>
+        <p14:creationId xmlns:p14="http://schemas.microsoft.com/office/powerpoint/2010/main" val="2976630513"/>
       </p:ext>
     </p:extLst>
   </p:cSld>
@@ -5733,7 +5873,7 @@
           <p:cNvPr id="3" name="Rectangle 2">
             <a:extLst>
               <a:ext uri="{FF2B5EF4-FFF2-40B4-BE49-F238E27FC236}">
-                <a16:creationId xmlns:a16="http://schemas.microsoft.com/office/drawing/2014/main" id="{19CC5414-48E7-69BB-606B-7E7A98287C0C}"/>
+                <a16:creationId xmlns:a16="http://schemas.microsoft.com/office/drawing/2014/main" id="{D1635BBB-7E65-7080-87CB-3D44D6CB129E}"/>
               </a:ext>
             </a:extLst>
           </p:cNvPr>
@@ -5785,7 +5925,7 @@
           <p:cNvPr id="5" name="TextBox 4">
             <a:extLst>
               <a:ext uri="{FF2B5EF4-FFF2-40B4-BE49-F238E27FC236}">
-                <a16:creationId xmlns:a16="http://schemas.microsoft.com/office/drawing/2014/main" id="{A8CF9BDC-9BED-3224-30ED-092041184F9F}"/>
+                <a16:creationId xmlns:a16="http://schemas.microsoft.com/office/drawing/2014/main" id="{CF2D90E8-A51F-EC92-E3F2-6D83788CE04E}"/>
               </a:ext>
             </a:extLst>
           </p:cNvPr>
@@ -5795,7 +5935,7 @@
         <p:spPr>
           <a:xfrm>
             <a:off x="566901" y="452780"/>
-            <a:ext cx="6370928" cy="830997"/>
+            <a:ext cx="3641397" cy="830997"/>
           </a:xfrm>
           <a:prstGeom prst="rect">
             <a:avLst/>
@@ -5814,169 +5954,17 @@
                   <a:schemeClr val="bg1"/>
                 </a:solidFill>
               </a:rPr>
-              <a:t>Dashboard</a:t>
+              <a:t>SSRS</a:t>
             </a:r>
-          </a:p>
-        </p:txBody>
-      </p:sp>
-      <p:sp>
-        <p:nvSpPr>
-          <p:cNvPr id="10" name="Google Shape;369;p26">
-            <a:extLst>
-              <a:ext uri="{FF2B5EF4-FFF2-40B4-BE49-F238E27FC236}">
-                <a16:creationId xmlns:a16="http://schemas.microsoft.com/office/drawing/2014/main" id="{2DECC99E-2DE3-5658-E0D5-EE6CB62020ED}"/>
-              </a:ext>
-            </a:extLst>
-          </p:cNvPr>
-          <p:cNvSpPr/>
-          <p:nvPr/>
-        </p:nvSpPr>
-        <p:spPr>
-          <a:xfrm>
-            <a:off x="10904023" y="0"/>
-            <a:ext cx="1287977" cy="685011"/>
-          </a:xfrm>
-          <a:custGeom>
-            <a:avLst/>
-            <a:gdLst/>
-            <a:ahLst/>
-            <a:cxnLst/>
-            <a:rect l="l" t="t" r="r" b="b"/>
-            <a:pathLst>
-              <a:path w="30174" h="16049" extrusionOk="0">
-                <a:moveTo>
-                  <a:pt x="1" y="1"/>
-                </a:moveTo>
-                <a:cubicBezTo>
-                  <a:pt x="7986" y="12278"/>
-                  <a:pt x="19203" y="16049"/>
-                  <a:pt x="28402" y="16049"/>
-                </a:cubicBezTo>
-                <a:cubicBezTo>
-                  <a:pt x="29002" y="16049"/>
-                  <a:pt x="29593" y="16033"/>
-                  <a:pt x="30174" y="16002"/>
-                </a:cubicBezTo>
-                <a:lnTo>
-                  <a:pt x="30174" y="2248"/>
-                </a:lnTo>
-                <a:cubicBezTo>
-                  <a:pt x="30174" y="1007"/>
-                  <a:pt x="29168" y="1"/>
-                  <a:pt x="27927" y="1"/>
-                </a:cubicBezTo>
-                <a:close/>
-              </a:path>
-            </a:pathLst>
-          </a:custGeom>
-          <a:solidFill>
-            <a:schemeClr val="lt2"/>
-          </a:solidFill>
-          <a:ln>
-            <a:noFill/>
-          </a:ln>
-        </p:spPr>
-        <p:txBody>
-          <a:bodyPr spcFirstLastPara="1" wrap="square" lIns="91425" tIns="91425" rIns="91425" bIns="91425" anchor="ctr" anchorCtr="0">
-            <a:noAutofit/>
-          </a:bodyPr>
-          <a:lstStyle/>
-          <a:p>
-            <a:pPr marL="0" lvl="0" indent="0" algn="l" rtl="0">
-              <a:spcBef>
-                <a:spcPts val="0"/>
-              </a:spcBef>
-              <a:spcAft>
-                <a:spcPts val="0"/>
-              </a:spcAft>
-              <a:buNone/>
-            </a:pPr>
-            <a:endParaRPr/>
-          </a:p>
-        </p:txBody>
-      </p:sp>
-      <p:sp>
-        <p:nvSpPr>
-          <p:cNvPr id="11" name="Google Shape;368;p26">
-            <a:extLst>
-              <a:ext uri="{FF2B5EF4-FFF2-40B4-BE49-F238E27FC236}">
-                <a16:creationId xmlns:a16="http://schemas.microsoft.com/office/drawing/2014/main" id="{6C0FDBB5-4042-FC60-4C3E-70C70F59B501}"/>
-              </a:ext>
-            </a:extLst>
-          </p:cNvPr>
-          <p:cNvSpPr/>
-          <p:nvPr/>
-        </p:nvSpPr>
-        <p:spPr>
-          <a:xfrm rot="10800000">
-            <a:off x="0" y="6172989"/>
-            <a:ext cx="1287977" cy="685011"/>
-          </a:xfrm>
-          <a:custGeom>
-            <a:avLst/>
-            <a:gdLst/>
-            <a:ahLst/>
-            <a:cxnLst/>
-            <a:rect l="l" t="t" r="r" b="b"/>
-            <a:pathLst>
-              <a:path w="30174" h="16049" extrusionOk="0">
-                <a:moveTo>
-                  <a:pt x="1" y="1"/>
-                </a:moveTo>
-                <a:cubicBezTo>
-                  <a:pt x="7986" y="12278"/>
-                  <a:pt x="19203" y="16049"/>
-                  <a:pt x="28402" y="16049"/>
-                </a:cubicBezTo>
-                <a:cubicBezTo>
-                  <a:pt x="29002" y="16049"/>
-                  <a:pt x="29593" y="16033"/>
-                  <a:pt x="30174" y="16002"/>
-                </a:cubicBezTo>
-                <a:lnTo>
-                  <a:pt x="30174" y="2248"/>
-                </a:lnTo>
-                <a:cubicBezTo>
-                  <a:pt x="30174" y="1007"/>
-                  <a:pt x="29168" y="1"/>
-                  <a:pt x="27927" y="1"/>
-                </a:cubicBezTo>
-                <a:close/>
-              </a:path>
-            </a:pathLst>
-          </a:custGeom>
-          <a:solidFill>
-            <a:schemeClr val="lt2"/>
-          </a:solidFill>
-          <a:ln>
-            <a:noFill/>
-          </a:ln>
-        </p:spPr>
-        <p:txBody>
-          <a:bodyPr spcFirstLastPara="1" wrap="square" lIns="91425" tIns="91425" rIns="91425" bIns="91425" anchor="ctr" anchorCtr="0">
-            <a:noAutofit/>
-          </a:bodyPr>
-          <a:lstStyle/>
-          <a:p>
-            <a:pPr marL="0" lvl="0" indent="0" algn="l" rtl="0">
-              <a:spcBef>
-                <a:spcPts val="0"/>
-              </a:spcBef>
-              <a:spcAft>
-                <a:spcPts val="0"/>
-              </a:spcAft>
-              <a:buNone/>
-            </a:pPr>
-            <a:endParaRPr dirty="0"/>
           </a:p>
         </p:txBody>
       </p:sp>
       <p:pic>
         <p:nvPicPr>
-          <p:cNvPr id="4" name="Picture 3">
+          <p:cNvPr id="2" name="Picture 1">
             <a:extLst>
               <a:ext uri="{FF2B5EF4-FFF2-40B4-BE49-F238E27FC236}">
-                <a16:creationId xmlns:a16="http://schemas.microsoft.com/office/drawing/2014/main" id="{11D5F353-75DE-EBED-46EC-0B9D6ABB0F16}"/>
+                <a16:creationId xmlns:a16="http://schemas.microsoft.com/office/drawing/2014/main" id="{BBD7BFA9-BA9F-A176-A684-4500C3D765AE}"/>
               </a:ext>
             </a:extLst>
           </p:cNvPr>
@@ -5999,8 +5987,8 @@
         </p:blipFill>
         <p:spPr>
           <a:xfrm>
-            <a:off x="1534721" y="61686"/>
-            <a:ext cx="9538835" cy="7158259"/>
+            <a:off x="2293236" y="1596566"/>
+            <a:ext cx="7605527" cy="5229563"/>
           </a:xfrm>
           <a:prstGeom prst="rect">
             <a:avLst/>
@@ -6010,7 +5998,7 @@
     </p:spTree>
     <p:extLst>
       <p:ext uri="{BB962C8B-B14F-4D97-AF65-F5344CB8AC3E}">
-        <p14:creationId xmlns:p14="http://schemas.microsoft.com/office/powerpoint/2010/main" val="3319953397"/>
+        <p14:creationId xmlns:p14="http://schemas.microsoft.com/office/powerpoint/2010/main" val="3978062703"/>
       </p:ext>
     </p:extLst>
   </p:cSld>
@@ -6243,10 +6231,62 @@
       </p:grpSpPr>
       <p:sp>
         <p:nvSpPr>
+          <p:cNvPr id="3" name="Rectangle 2">
+            <a:extLst>
+              <a:ext uri="{FF2B5EF4-FFF2-40B4-BE49-F238E27FC236}">
+                <a16:creationId xmlns:a16="http://schemas.microsoft.com/office/drawing/2014/main" id="{D1635BBB-7E65-7080-87CB-3D44D6CB129E}"/>
+              </a:ext>
+            </a:extLst>
+          </p:cNvPr>
+          <p:cNvSpPr/>
+          <p:nvPr/>
+        </p:nvSpPr>
+        <p:spPr>
+          <a:xfrm>
+            <a:off x="0" y="280451"/>
+            <a:ext cx="4775200" cy="1175657"/>
+          </a:xfrm>
+          <a:prstGeom prst="rect">
+            <a:avLst/>
+          </a:prstGeom>
+          <a:solidFill>
+            <a:srgbClr val="A0B7E0"/>
+          </a:solidFill>
+          <a:ln>
+            <a:noFill/>
+          </a:ln>
+        </p:spPr>
+        <p:style>
+          <a:lnRef idx="2">
+            <a:schemeClr val="accent1">
+              <a:shade val="15000"/>
+            </a:schemeClr>
+          </a:lnRef>
+          <a:fillRef idx="1">
+            <a:schemeClr val="accent1"/>
+          </a:fillRef>
+          <a:effectRef idx="0">
+            <a:schemeClr val="accent1"/>
+          </a:effectRef>
+          <a:fontRef idx="minor">
+            <a:schemeClr val="lt1"/>
+          </a:fontRef>
+        </p:style>
+        <p:txBody>
+          <a:bodyPr rtlCol="0" anchor="ctr"/>
+          <a:lstStyle/>
+          <a:p>
+            <a:pPr algn="ctr"/>
+            <a:endParaRPr lang="en-US"/>
+          </a:p>
+        </p:txBody>
+      </p:sp>
+      <p:sp>
+        <p:nvSpPr>
           <p:cNvPr id="5" name="TextBox 4">
             <a:extLst>
               <a:ext uri="{FF2B5EF4-FFF2-40B4-BE49-F238E27FC236}">
-                <a16:creationId xmlns:a16="http://schemas.microsoft.com/office/drawing/2014/main" id="{A8CF9BDC-9BED-3224-30ED-092041184F9F}"/>
+                <a16:creationId xmlns:a16="http://schemas.microsoft.com/office/drawing/2014/main" id="{CF2D90E8-A51F-EC92-E3F2-6D83788CE04E}"/>
               </a:ext>
             </a:extLst>
           </p:cNvPr>
@@ -6256,7 +6296,7 @@
         <p:spPr>
           <a:xfrm>
             <a:off x="566901" y="452780"/>
-            <a:ext cx="6370928" cy="830997"/>
+            <a:ext cx="3641397" cy="830997"/>
           </a:xfrm>
           <a:prstGeom prst="rect">
             <a:avLst/>
@@ -6275,17 +6315,17 @@
                   <a:schemeClr val="bg1"/>
                 </a:solidFill>
               </a:rPr>
-              <a:t>Dashboard</a:t>
+              <a:t>SSRS</a:t>
             </a:r>
           </a:p>
         </p:txBody>
       </p:sp>
       <p:pic>
         <p:nvPicPr>
-          <p:cNvPr id="6" name="Picture 5">
+          <p:cNvPr id="2" name="Picture 1">
             <a:extLst>
               <a:ext uri="{FF2B5EF4-FFF2-40B4-BE49-F238E27FC236}">
-                <a16:creationId xmlns:a16="http://schemas.microsoft.com/office/drawing/2014/main" id="{E216D4FB-97A6-09F4-E5E8-653BCF3FC178}"/>
+                <a16:creationId xmlns:a16="http://schemas.microsoft.com/office/drawing/2014/main" id="{0EE11106-811C-0D61-562D-C47B45612D71}"/>
               </a:ext>
             </a:extLst>
           </p:cNvPr>
@@ -6308,8 +6348,8 @@
         </p:blipFill>
         <p:spPr>
           <a:xfrm>
-            <a:off x="940543" y="0"/>
-            <a:ext cx="10310914" cy="6786808"/>
+            <a:off x="355168" y="1628437"/>
+            <a:ext cx="11481663" cy="5211310"/>
           </a:xfrm>
           <a:prstGeom prst="rect">
             <a:avLst/>
@@ -6319,7 +6359,7 @@
     </p:spTree>
     <p:extLst>
       <p:ext uri="{BB962C8B-B14F-4D97-AF65-F5344CB8AC3E}">
-        <p14:creationId xmlns:p14="http://schemas.microsoft.com/office/powerpoint/2010/main" val="1605177079"/>
+        <p14:creationId xmlns:p14="http://schemas.microsoft.com/office/powerpoint/2010/main" val="2179922851"/>
       </p:ext>
     </p:extLst>
   </p:cSld>
@@ -6366,6 +6406,79 @@
                                           </p:stCondLst>
                                         </p:cTn>
                                         <p:tgtEl>
+                                          <p:spTgt spid="3"/>
+                                        </p:tgtEl>
+                                        <p:attrNameLst>
+                                          <p:attrName>style.visibility</p:attrName>
+                                        </p:attrNameLst>
+                                      </p:cBhvr>
+                                      <p:to>
+                                        <p:strVal val="visible"/>
+                                      </p:to>
+                                    </p:set>
+                                    <p:anim calcmode="lin" valueType="num">
+                                      <p:cBhvr additive="base">
+                                        <p:cTn id="7" dur="800" fill="hold"/>
+                                        <p:tgtEl>
+                                          <p:spTgt spid="3"/>
+                                        </p:tgtEl>
+                                        <p:attrNameLst>
+                                          <p:attrName>ppt_x</p:attrName>
+                                        </p:attrNameLst>
+                                      </p:cBhvr>
+                                      <p:tavLst>
+                                        <p:tav tm="0">
+                                          <p:val>
+                                            <p:strVal val="0-#ppt_w/2"/>
+                                          </p:val>
+                                        </p:tav>
+                                        <p:tav tm="100000">
+                                          <p:val>
+                                            <p:strVal val="#ppt_x"/>
+                                          </p:val>
+                                        </p:tav>
+                                      </p:tavLst>
+                                    </p:anim>
+                                    <p:anim calcmode="lin" valueType="num">
+                                      <p:cBhvr additive="base">
+                                        <p:cTn id="8" dur="800" fill="hold"/>
+                                        <p:tgtEl>
+                                          <p:spTgt spid="3"/>
+                                        </p:tgtEl>
+                                        <p:attrNameLst>
+                                          <p:attrName>ppt_y</p:attrName>
+                                        </p:attrNameLst>
+                                      </p:cBhvr>
+                                      <p:tavLst>
+                                        <p:tav tm="0">
+                                          <p:val>
+                                            <p:strVal val="#ppt_y"/>
+                                          </p:val>
+                                        </p:tav>
+                                        <p:tav tm="100000">
+                                          <p:val>
+                                            <p:strVal val="#ppt_y"/>
+                                          </p:val>
+                                        </p:tav>
+                                      </p:tavLst>
+                                    </p:anim>
+                                  </p:childTnLst>
+                                </p:cTn>
+                              </p:par>
+                              <p:par>
+                                <p:cTn id="9" presetID="2" presetClass="entr" presetSubtype="8" fill="hold" grpId="0" nodeType="withEffect">
+                                  <p:stCondLst>
+                                    <p:cond delay="0"/>
+                                  </p:stCondLst>
+                                  <p:childTnLst>
+                                    <p:set>
+                                      <p:cBhvr>
+                                        <p:cTn id="10" dur="1" fill="hold">
+                                          <p:stCondLst>
+                                            <p:cond delay="0"/>
+                                          </p:stCondLst>
+                                        </p:cTn>
+                                        <p:tgtEl>
                                           <p:spTgt spid="5"/>
                                         </p:tgtEl>
                                         <p:attrNameLst>
@@ -6378,7 +6491,7 @@
                                     </p:set>
                                     <p:anim calcmode="lin" valueType="num">
                                       <p:cBhvr additive="base">
-                                        <p:cTn id="7" dur="800" fill="hold"/>
+                                        <p:cTn id="11" dur="800" fill="hold"/>
                                         <p:tgtEl>
                                           <p:spTgt spid="5"/>
                                         </p:tgtEl>
@@ -6401,7 +6514,7 @@
                                     </p:anim>
                                     <p:anim calcmode="lin" valueType="num">
                                       <p:cBhvr additive="base">
-                                        <p:cTn id="8" dur="800" fill="hold"/>
+                                        <p:cTn id="12" dur="800" fill="hold"/>
                                         <p:tgtEl>
                                           <p:spTgt spid="5"/>
                                         </p:tgtEl>
@@ -6453,6 +6566,7 @@
       </p:par>
     </p:tnLst>
     <p:bldLst>
+      <p:bldP spid="3" grpId="0" animBg="1"/>
       <p:bldP spid="5" grpId="0"/>
     </p:bldLst>
   </p:timing>
@@ -6476,6 +6590,58 @@
           <a:chExt cx="0" cy="0"/>
         </a:xfrm>
       </p:grpSpPr>
+      <p:sp>
+        <p:nvSpPr>
+          <p:cNvPr id="3" name="Rectangle 2">
+            <a:extLst>
+              <a:ext uri="{FF2B5EF4-FFF2-40B4-BE49-F238E27FC236}">
+                <a16:creationId xmlns:a16="http://schemas.microsoft.com/office/drawing/2014/main" id="{19CC5414-48E7-69BB-606B-7E7A98287C0C}"/>
+              </a:ext>
+            </a:extLst>
+          </p:cNvPr>
+          <p:cNvSpPr/>
+          <p:nvPr/>
+        </p:nvSpPr>
+        <p:spPr>
+          <a:xfrm>
+            <a:off x="0" y="280451"/>
+            <a:ext cx="4775200" cy="1175657"/>
+          </a:xfrm>
+          <a:prstGeom prst="rect">
+            <a:avLst/>
+          </a:prstGeom>
+          <a:solidFill>
+            <a:srgbClr val="A0B7E0"/>
+          </a:solidFill>
+          <a:ln>
+            <a:noFill/>
+          </a:ln>
+        </p:spPr>
+        <p:style>
+          <a:lnRef idx="2">
+            <a:schemeClr val="accent1">
+              <a:shade val="15000"/>
+            </a:schemeClr>
+          </a:lnRef>
+          <a:fillRef idx="1">
+            <a:schemeClr val="accent1"/>
+          </a:fillRef>
+          <a:effectRef idx="0">
+            <a:schemeClr val="accent1"/>
+          </a:effectRef>
+          <a:fontRef idx="minor">
+            <a:schemeClr val="lt1"/>
+          </a:fontRef>
+        </p:style>
+        <p:txBody>
+          <a:bodyPr rtlCol="0" anchor="ctr"/>
+          <a:lstStyle/>
+          <a:p>
+            <a:pPr algn="ctr"/>
+            <a:endParaRPr lang="en-US"/>
+          </a:p>
+        </p:txBody>
+      </p:sp>
       <p:sp>
         <p:nvSpPr>
           <p:cNvPr id="5" name="TextBox 4">
@@ -6510,17 +6676,169 @@
                   <a:schemeClr val="bg1"/>
                 </a:solidFill>
               </a:rPr>
-              <a:t>Dashboard</a:t>
+              <a:t>Website</a:t>
             </a:r>
+          </a:p>
+        </p:txBody>
+      </p:sp>
+      <p:sp>
+        <p:nvSpPr>
+          <p:cNvPr id="10" name="Google Shape;369;p26">
+            <a:extLst>
+              <a:ext uri="{FF2B5EF4-FFF2-40B4-BE49-F238E27FC236}">
+                <a16:creationId xmlns:a16="http://schemas.microsoft.com/office/drawing/2014/main" id="{2DECC99E-2DE3-5658-E0D5-EE6CB62020ED}"/>
+              </a:ext>
+            </a:extLst>
+          </p:cNvPr>
+          <p:cNvSpPr/>
+          <p:nvPr/>
+        </p:nvSpPr>
+        <p:spPr>
+          <a:xfrm>
+            <a:off x="10904023" y="0"/>
+            <a:ext cx="1287977" cy="685011"/>
+          </a:xfrm>
+          <a:custGeom>
+            <a:avLst/>
+            <a:gdLst/>
+            <a:ahLst/>
+            <a:cxnLst/>
+            <a:rect l="l" t="t" r="r" b="b"/>
+            <a:pathLst>
+              <a:path w="30174" h="16049" extrusionOk="0">
+                <a:moveTo>
+                  <a:pt x="1" y="1"/>
+                </a:moveTo>
+                <a:cubicBezTo>
+                  <a:pt x="7986" y="12278"/>
+                  <a:pt x="19203" y="16049"/>
+                  <a:pt x="28402" y="16049"/>
+                </a:cubicBezTo>
+                <a:cubicBezTo>
+                  <a:pt x="29002" y="16049"/>
+                  <a:pt x="29593" y="16033"/>
+                  <a:pt x="30174" y="16002"/>
+                </a:cubicBezTo>
+                <a:lnTo>
+                  <a:pt x="30174" y="2248"/>
+                </a:lnTo>
+                <a:cubicBezTo>
+                  <a:pt x="30174" y="1007"/>
+                  <a:pt x="29168" y="1"/>
+                  <a:pt x="27927" y="1"/>
+                </a:cubicBezTo>
+                <a:close/>
+              </a:path>
+            </a:pathLst>
+          </a:custGeom>
+          <a:solidFill>
+            <a:schemeClr val="lt2"/>
+          </a:solidFill>
+          <a:ln>
+            <a:noFill/>
+          </a:ln>
+        </p:spPr>
+        <p:txBody>
+          <a:bodyPr spcFirstLastPara="1" wrap="square" lIns="91425" tIns="91425" rIns="91425" bIns="91425" anchor="ctr" anchorCtr="0">
+            <a:noAutofit/>
+          </a:bodyPr>
+          <a:lstStyle/>
+          <a:p>
+            <a:pPr marL="0" lvl="0" indent="0" algn="l" rtl="0">
+              <a:spcBef>
+                <a:spcPts val="0"/>
+              </a:spcBef>
+              <a:spcAft>
+                <a:spcPts val="0"/>
+              </a:spcAft>
+              <a:buNone/>
+            </a:pPr>
+            <a:endParaRPr/>
+          </a:p>
+        </p:txBody>
+      </p:sp>
+      <p:sp>
+        <p:nvSpPr>
+          <p:cNvPr id="11" name="Google Shape;368;p26">
+            <a:extLst>
+              <a:ext uri="{FF2B5EF4-FFF2-40B4-BE49-F238E27FC236}">
+                <a16:creationId xmlns:a16="http://schemas.microsoft.com/office/drawing/2014/main" id="{6C0FDBB5-4042-FC60-4C3E-70C70F59B501}"/>
+              </a:ext>
+            </a:extLst>
+          </p:cNvPr>
+          <p:cNvSpPr/>
+          <p:nvPr/>
+        </p:nvSpPr>
+        <p:spPr>
+          <a:xfrm rot="10800000">
+            <a:off x="0" y="6172989"/>
+            <a:ext cx="1287977" cy="685011"/>
+          </a:xfrm>
+          <a:custGeom>
+            <a:avLst/>
+            <a:gdLst/>
+            <a:ahLst/>
+            <a:cxnLst/>
+            <a:rect l="l" t="t" r="r" b="b"/>
+            <a:pathLst>
+              <a:path w="30174" h="16049" extrusionOk="0">
+                <a:moveTo>
+                  <a:pt x="1" y="1"/>
+                </a:moveTo>
+                <a:cubicBezTo>
+                  <a:pt x="7986" y="12278"/>
+                  <a:pt x="19203" y="16049"/>
+                  <a:pt x="28402" y="16049"/>
+                </a:cubicBezTo>
+                <a:cubicBezTo>
+                  <a:pt x="29002" y="16049"/>
+                  <a:pt x="29593" y="16033"/>
+                  <a:pt x="30174" y="16002"/>
+                </a:cubicBezTo>
+                <a:lnTo>
+                  <a:pt x="30174" y="2248"/>
+                </a:lnTo>
+                <a:cubicBezTo>
+                  <a:pt x="30174" y="1007"/>
+                  <a:pt x="29168" y="1"/>
+                  <a:pt x="27927" y="1"/>
+                </a:cubicBezTo>
+                <a:close/>
+              </a:path>
+            </a:pathLst>
+          </a:custGeom>
+          <a:solidFill>
+            <a:schemeClr val="lt2"/>
+          </a:solidFill>
+          <a:ln>
+            <a:noFill/>
+          </a:ln>
+        </p:spPr>
+        <p:txBody>
+          <a:bodyPr spcFirstLastPara="1" wrap="square" lIns="91425" tIns="91425" rIns="91425" bIns="91425" anchor="ctr" anchorCtr="0">
+            <a:noAutofit/>
+          </a:bodyPr>
+          <a:lstStyle/>
+          <a:p>
+            <a:pPr marL="0" lvl="0" indent="0" algn="l" rtl="0">
+              <a:spcBef>
+                <a:spcPts val="0"/>
+              </a:spcBef>
+              <a:spcAft>
+                <a:spcPts val="0"/>
+              </a:spcAft>
+              <a:buNone/>
+            </a:pPr>
+            <a:endParaRPr dirty="0"/>
           </a:p>
         </p:txBody>
       </p:sp>
       <p:pic>
         <p:nvPicPr>
-          <p:cNvPr id="3" name="Picture 2">
+          <p:cNvPr id="6" name="Picture 5">
             <a:extLst>
               <a:ext uri="{FF2B5EF4-FFF2-40B4-BE49-F238E27FC236}">
-                <a16:creationId xmlns:a16="http://schemas.microsoft.com/office/drawing/2014/main" id="{D1B2C4A3-9648-9599-64CB-9F58748CA894}"/>
+                <a16:creationId xmlns:a16="http://schemas.microsoft.com/office/drawing/2014/main" id="{CA91995F-A950-C5E6-445A-16647F73C649}"/>
               </a:ext>
             </a:extLst>
           </p:cNvPr>
@@ -6543,8 +6861,8 @@
         </p:blipFill>
         <p:spPr>
           <a:xfrm>
-            <a:off x="114300" y="104775"/>
-            <a:ext cx="11963400" cy="6648450"/>
+            <a:off x="392112" y="1591810"/>
+            <a:ext cx="9985602" cy="4985739"/>
           </a:xfrm>
           <a:prstGeom prst="rect">
             <a:avLst/>
@@ -6554,7 +6872,7 @@
     </p:spTree>
     <p:extLst>
       <p:ext uri="{BB962C8B-B14F-4D97-AF65-F5344CB8AC3E}">
-        <p14:creationId xmlns:p14="http://schemas.microsoft.com/office/powerpoint/2010/main" val="1857202687"/>
+        <p14:creationId xmlns:p14="http://schemas.microsoft.com/office/powerpoint/2010/main" val="3492225487"/>
       </p:ext>
     </p:extLst>
   </p:cSld>
@@ -6601,6 +6919,79 @@
                                           </p:stCondLst>
                                         </p:cTn>
                                         <p:tgtEl>
+                                          <p:spTgt spid="3"/>
+                                        </p:tgtEl>
+                                        <p:attrNameLst>
+                                          <p:attrName>style.visibility</p:attrName>
+                                        </p:attrNameLst>
+                                      </p:cBhvr>
+                                      <p:to>
+                                        <p:strVal val="visible"/>
+                                      </p:to>
+                                    </p:set>
+                                    <p:anim calcmode="lin" valueType="num">
+                                      <p:cBhvr additive="base">
+                                        <p:cTn id="7" dur="800" fill="hold"/>
+                                        <p:tgtEl>
+                                          <p:spTgt spid="3"/>
+                                        </p:tgtEl>
+                                        <p:attrNameLst>
+                                          <p:attrName>ppt_x</p:attrName>
+                                        </p:attrNameLst>
+                                      </p:cBhvr>
+                                      <p:tavLst>
+                                        <p:tav tm="0">
+                                          <p:val>
+                                            <p:strVal val="0-#ppt_w/2"/>
+                                          </p:val>
+                                        </p:tav>
+                                        <p:tav tm="100000">
+                                          <p:val>
+                                            <p:strVal val="#ppt_x"/>
+                                          </p:val>
+                                        </p:tav>
+                                      </p:tavLst>
+                                    </p:anim>
+                                    <p:anim calcmode="lin" valueType="num">
+                                      <p:cBhvr additive="base">
+                                        <p:cTn id="8" dur="800" fill="hold"/>
+                                        <p:tgtEl>
+                                          <p:spTgt spid="3"/>
+                                        </p:tgtEl>
+                                        <p:attrNameLst>
+                                          <p:attrName>ppt_y</p:attrName>
+                                        </p:attrNameLst>
+                                      </p:cBhvr>
+                                      <p:tavLst>
+                                        <p:tav tm="0">
+                                          <p:val>
+                                            <p:strVal val="#ppt_y"/>
+                                          </p:val>
+                                        </p:tav>
+                                        <p:tav tm="100000">
+                                          <p:val>
+                                            <p:strVal val="#ppt_y"/>
+                                          </p:val>
+                                        </p:tav>
+                                      </p:tavLst>
+                                    </p:anim>
+                                  </p:childTnLst>
+                                </p:cTn>
+                              </p:par>
+                              <p:par>
+                                <p:cTn id="9" presetID="2" presetClass="entr" presetSubtype="8" fill="hold" grpId="0" nodeType="withEffect">
+                                  <p:stCondLst>
+                                    <p:cond delay="0"/>
+                                  </p:stCondLst>
+                                  <p:childTnLst>
+                                    <p:set>
+                                      <p:cBhvr>
+                                        <p:cTn id="10" dur="1" fill="hold">
+                                          <p:stCondLst>
+                                            <p:cond delay="0"/>
+                                          </p:stCondLst>
+                                        </p:cTn>
+                                        <p:tgtEl>
                                           <p:spTgt spid="5"/>
                                         </p:tgtEl>
                                         <p:attrNameLst>
@@ -6613,7 +7004,7 @@
                                     </p:set>
                                     <p:anim calcmode="lin" valueType="num">
                                       <p:cBhvr additive="base">
-                                        <p:cTn id="7" dur="800" fill="hold"/>
+                                        <p:cTn id="11" dur="800" fill="hold"/>
                                         <p:tgtEl>
                                           <p:spTgt spid="5"/>
                                         </p:tgtEl>
@@ -6636,7 +7027,7 @@
                                     </p:anim>
                                     <p:anim calcmode="lin" valueType="num">
                                       <p:cBhvr additive="base">
-                                        <p:cTn id="8" dur="800" fill="hold"/>
+                                        <p:cTn id="12" dur="800" fill="hold"/>
                                         <p:tgtEl>
                                           <p:spTgt spid="5"/>
                                         </p:tgtEl>
@@ -6688,6 +7079,7 @@
       </p:par>
     </p:tnLst>
     <p:bldLst>
+      <p:bldP spid="3" grpId="0" animBg="1"/>
       <p:bldP spid="5" grpId="0"/>
     </p:bldLst>
   </p:timing>
@@ -6711,6 +7103,58 @@
           <a:chExt cx="0" cy="0"/>
         </a:xfrm>
       </p:grpSpPr>
+      <p:sp>
+        <p:nvSpPr>
+          <p:cNvPr id="3" name="Rectangle 2">
+            <a:extLst>
+              <a:ext uri="{FF2B5EF4-FFF2-40B4-BE49-F238E27FC236}">
+                <a16:creationId xmlns:a16="http://schemas.microsoft.com/office/drawing/2014/main" id="{19CC5414-48E7-69BB-606B-7E7A98287C0C}"/>
+              </a:ext>
+            </a:extLst>
+          </p:cNvPr>
+          <p:cNvSpPr/>
+          <p:nvPr/>
+        </p:nvSpPr>
+        <p:spPr>
+          <a:xfrm>
+            <a:off x="0" y="280451"/>
+            <a:ext cx="4775200" cy="1175657"/>
+          </a:xfrm>
+          <a:prstGeom prst="rect">
+            <a:avLst/>
+          </a:prstGeom>
+          <a:solidFill>
+            <a:srgbClr val="A0B7E0"/>
+          </a:solidFill>
+          <a:ln>
+            <a:noFill/>
+          </a:ln>
+        </p:spPr>
+        <p:style>
+          <a:lnRef idx="2">
+            <a:schemeClr val="accent1">
+              <a:shade val="15000"/>
+            </a:schemeClr>
+          </a:lnRef>
+          <a:fillRef idx="1">
+            <a:schemeClr val="accent1"/>
+          </a:fillRef>
+          <a:effectRef idx="0">
+            <a:schemeClr val="accent1"/>
+          </a:effectRef>
+          <a:fontRef idx="minor">
+            <a:schemeClr val="lt1"/>
+          </a:fontRef>
+        </p:style>
+        <p:txBody>
+          <a:bodyPr rtlCol="0" anchor="ctr"/>
+          <a:lstStyle/>
+          <a:p>
+            <a:pPr algn="ctr"/>
+            <a:endParaRPr lang="en-US"/>
+          </a:p>
+        </p:txBody>
+      </p:sp>
       <p:sp>
         <p:nvSpPr>
           <p:cNvPr id="5" name="TextBox 4">
@@ -6745,17 +7189,169 @@
                   <a:schemeClr val="bg1"/>
                 </a:solidFill>
               </a:rPr>
-              <a:t>Dashboard</a:t>
+              <a:t>Website</a:t>
             </a:r>
+          </a:p>
+        </p:txBody>
+      </p:sp>
+      <p:sp>
+        <p:nvSpPr>
+          <p:cNvPr id="10" name="Google Shape;369;p26">
+            <a:extLst>
+              <a:ext uri="{FF2B5EF4-FFF2-40B4-BE49-F238E27FC236}">
+                <a16:creationId xmlns:a16="http://schemas.microsoft.com/office/drawing/2014/main" id="{2DECC99E-2DE3-5658-E0D5-EE6CB62020ED}"/>
+              </a:ext>
+            </a:extLst>
+          </p:cNvPr>
+          <p:cNvSpPr/>
+          <p:nvPr/>
+        </p:nvSpPr>
+        <p:spPr>
+          <a:xfrm>
+            <a:off x="10904023" y="0"/>
+            <a:ext cx="1287977" cy="685011"/>
+          </a:xfrm>
+          <a:custGeom>
+            <a:avLst/>
+            <a:gdLst/>
+            <a:ahLst/>
+            <a:cxnLst/>
+            <a:rect l="l" t="t" r="r" b="b"/>
+            <a:pathLst>
+              <a:path w="30174" h="16049" extrusionOk="0">
+                <a:moveTo>
+                  <a:pt x="1" y="1"/>
+                </a:moveTo>
+                <a:cubicBezTo>
+                  <a:pt x="7986" y="12278"/>
+                  <a:pt x="19203" y="16049"/>
+                  <a:pt x="28402" y="16049"/>
+                </a:cubicBezTo>
+                <a:cubicBezTo>
+                  <a:pt x="29002" y="16049"/>
+                  <a:pt x="29593" y="16033"/>
+                  <a:pt x="30174" y="16002"/>
+                </a:cubicBezTo>
+                <a:lnTo>
+                  <a:pt x="30174" y="2248"/>
+                </a:lnTo>
+                <a:cubicBezTo>
+                  <a:pt x="30174" y="1007"/>
+                  <a:pt x="29168" y="1"/>
+                  <a:pt x="27927" y="1"/>
+                </a:cubicBezTo>
+                <a:close/>
+              </a:path>
+            </a:pathLst>
+          </a:custGeom>
+          <a:solidFill>
+            <a:schemeClr val="lt2"/>
+          </a:solidFill>
+          <a:ln>
+            <a:noFill/>
+          </a:ln>
+        </p:spPr>
+        <p:txBody>
+          <a:bodyPr spcFirstLastPara="1" wrap="square" lIns="91425" tIns="91425" rIns="91425" bIns="91425" anchor="ctr" anchorCtr="0">
+            <a:noAutofit/>
+          </a:bodyPr>
+          <a:lstStyle/>
+          <a:p>
+            <a:pPr marL="0" lvl="0" indent="0" algn="l" rtl="0">
+              <a:spcBef>
+                <a:spcPts val="0"/>
+              </a:spcBef>
+              <a:spcAft>
+                <a:spcPts val="0"/>
+              </a:spcAft>
+              <a:buNone/>
+            </a:pPr>
+            <a:endParaRPr/>
+          </a:p>
+        </p:txBody>
+      </p:sp>
+      <p:sp>
+        <p:nvSpPr>
+          <p:cNvPr id="11" name="Google Shape;368;p26">
+            <a:extLst>
+              <a:ext uri="{FF2B5EF4-FFF2-40B4-BE49-F238E27FC236}">
+                <a16:creationId xmlns:a16="http://schemas.microsoft.com/office/drawing/2014/main" id="{6C0FDBB5-4042-FC60-4C3E-70C70F59B501}"/>
+              </a:ext>
+            </a:extLst>
+          </p:cNvPr>
+          <p:cNvSpPr/>
+          <p:nvPr/>
+        </p:nvSpPr>
+        <p:spPr>
+          <a:xfrm rot="10800000">
+            <a:off x="0" y="6172989"/>
+            <a:ext cx="1287977" cy="685011"/>
+          </a:xfrm>
+          <a:custGeom>
+            <a:avLst/>
+            <a:gdLst/>
+            <a:ahLst/>
+            <a:cxnLst/>
+            <a:rect l="l" t="t" r="r" b="b"/>
+            <a:pathLst>
+              <a:path w="30174" h="16049" extrusionOk="0">
+                <a:moveTo>
+                  <a:pt x="1" y="1"/>
+                </a:moveTo>
+                <a:cubicBezTo>
+                  <a:pt x="7986" y="12278"/>
+                  <a:pt x="19203" y="16049"/>
+                  <a:pt x="28402" y="16049"/>
+                </a:cubicBezTo>
+                <a:cubicBezTo>
+                  <a:pt x="29002" y="16049"/>
+                  <a:pt x="29593" y="16033"/>
+                  <a:pt x="30174" y="16002"/>
+                </a:cubicBezTo>
+                <a:lnTo>
+                  <a:pt x="30174" y="2248"/>
+                </a:lnTo>
+                <a:cubicBezTo>
+                  <a:pt x="30174" y="1007"/>
+                  <a:pt x="29168" y="1"/>
+                  <a:pt x="27927" y="1"/>
+                </a:cubicBezTo>
+                <a:close/>
+              </a:path>
+            </a:pathLst>
+          </a:custGeom>
+          <a:solidFill>
+            <a:schemeClr val="lt2"/>
+          </a:solidFill>
+          <a:ln>
+            <a:noFill/>
+          </a:ln>
+        </p:spPr>
+        <p:txBody>
+          <a:bodyPr spcFirstLastPara="1" wrap="square" lIns="91425" tIns="91425" rIns="91425" bIns="91425" anchor="ctr" anchorCtr="0">
+            <a:noAutofit/>
+          </a:bodyPr>
+          <a:lstStyle/>
+          <a:p>
+            <a:pPr marL="0" lvl="0" indent="0" algn="l" rtl="0">
+              <a:spcBef>
+                <a:spcPts val="0"/>
+              </a:spcBef>
+              <a:spcAft>
+                <a:spcPts val="0"/>
+              </a:spcAft>
+              <a:buNone/>
+            </a:pPr>
+            <a:endParaRPr dirty="0"/>
           </a:p>
         </p:txBody>
       </p:sp>
       <p:pic>
         <p:nvPicPr>
-          <p:cNvPr id="4" name="Picture 3">
+          <p:cNvPr id="7" name="Picture 6">
             <a:extLst>
               <a:ext uri="{FF2B5EF4-FFF2-40B4-BE49-F238E27FC236}">
-                <a16:creationId xmlns:a16="http://schemas.microsoft.com/office/drawing/2014/main" id="{8E46637E-C56F-0F40-5B2D-E90937265759}"/>
+                <a16:creationId xmlns:a16="http://schemas.microsoft.com/office/drawing/2014/main" id="{39CE43C0-2E80-3807-9FB8-376A64F42F28}"/>
               </a:ext>
             </a:extLst>
           </p:cNvPr>
@@ -6778,8 +7374,8 @@
         </p:blipFill>
         <p:spPr>
           <a:xfrm>
-            <a:off x="147637" y="80962"/>
-            <a:ext cx="11896725" cy="6696075"/>
+            <a:off x="581661" y="637398"/>
+            <a:ext cx="10549708" cy="5940151"/>
           </a:xfrm>
           <a:prstGeom prst="rect">
             <a:avLst/>
@@ -6789,7 +7385,7 @@
     </p:spTree>
     <p:extLst>
       <p:ext uri="{BB962C8B-B14F-4D97-AF65-F5344CB8AC3E}">
-        <p14:creationId xmlns:p14="http://schemas.microsoft.com/office/powerpoint/2010/main" val="3541238415"/>
+        <p14:creationId xmlns:p14="http://schemas.microsoft.com/office/powerpoint/2010/main" val="4271522112"/>
       </p:ext>
     </p:extLst>
   </p:cSld>
@@ -6836,6 +7432,79 @@
                                           </p:stCondLst>
                                         </p:cTn>
                                         <p:tgtEl>
+                                          <p:spTgt spid="3"/>
+                                        </p:tgtEl>
+                                        <p:attrNameLst>
+                                          <p:attrName>style.visibility</p:attrName>
+                                        </p:attrNameLst>
+                                      </p:cBhvr>
+                                      <p:to>
+                                        <p:strVal val="visible"/>
+                                      </p:to>
+                                    </p:set>
+                                    <p:anim calcmode="lin" valueType="num">
+                                      <p:cBhvr additive="base">
+                                        <p:cTn id="7" dur="800" fill="hold"/>
+                                        <p:tgtEl>
+                                          <p:spTgt spid="3"/>
+                                        </p:tgtEl>
+                                        <p:attrNameLst>
+                                          <p:attrName>ppt_x</p:attrName>
+                                        </p:attrNameLst>
+                                      </p:cBhvr>
+                                      <p:tavLst>
+                                        <p:tav tm="0">
+                                          <p:val>
+                                            <p:strVal val="0-#ppt_w/2"/>
+                                          </p:val>
+                                        </p:tav>
+                                        <p:tav tm="100000">
+                                          <p:val>
+                                            <p:strVal val="#ppt_x"/>
+                                          </p:val>
+                                        </p:tav>
+                                      </p:tavLst>
+                                    </p:anim>
+                                    <p:anim calcmode="lin" valueType="num">
+                                      <p:cBhvr additive="base">
+                                        <p:cTn id="8" dur="800" fill="hold"/>
+                                        <p:tgtEl>
+                                          <p:spTgt spid="3"/>
+                                        </p:tgtEl>
+                                        <p:attrNameLst>
+                                          <p:attrName>ppt_y</p:attrName>
+                                        </p:attrNameLst>
+                                      </p:cBhvr>
+                                      <p:tavLst>
+                                        <p:tav tm="0">
+                                          <p:val>
+                                            <p:strVal val="#ppt_y"/>
+                                          </p:val>
+                                        </p:tav>
+                                        <p:tav tm="100000">
+                                          <p:val>
+                                            <p:strVal val="#ppt_y"/>
+                                          </p:val>
+                                        </p:tav>
+                                      </p:tavLst>
+                                    </p:anim>
+                                  </p:childTnLst>
+                                </p:cTn>
+                              </p:par>
+                              <p:par>
+                                <p:cTn id="9" presetID="2" presetClass="entr" presetSubtype="8" fill="hold" grpId="0" nodeType="withEffect">
+                                  <p:stCondLst>
+                                    <p:cond delay="0"/>
+                                  </p:stCondLst>
+                                  <p:childTnLst>
+                                    <p:set>
+                                      <p:cBhvr>
+                                        <p:cTn id="10" dur="1" fill="hold">
+                                          <p:stCondLst>
+                                            <p:cond delay="0"/>
+                                          </p:stCondLst>
+                                        </p:cTn>
+                                        <p:tgtEl>
                                           <p:spTgt spid="5"/>
                                         </p:tgtEl>
                                         <p:attrNameLst>
@@ -6848,7 +7517,7 @@
                                     </p:set>
                                     <p:anim calcmode="lin" valueType="num">
                                       <p:cBhvr additive="base">
-                                        <p:cTn id="7" dur="800" fill="hold"/>
+                                        <p:cTn id="11" dur="800" fill="hold"/>
                                         <p:tgtEl>
                                           <p:spTgt spid="5"/>
                                         </p:tgtEl>
@@ -6871,7 +7540,7 @@
                                     </p:anim>
                                     <p:anim calcmode="lin" valueType="num">
                                       <p:cBhvr additive="base">
-                                        <p:cTn id="8" dur="800" fill="hold"/>
+                                        <p:cTn id="12" dur="800" fill="hold"/>
                                         <p:tgtEl>
                                           <p:spTgt spid="5"/>
                                         </p:tgtEl>
@@ -6923,6 +7592,7 @@
       </p:par>
     </p:tnLst>
     <p:bldLst>
+      <p:bldP spid="3" grpId="0" animBg="1"/>
       <p:bldP spid="5" grpId="0"/>
     </p:bldLst>
   </p:timing>
@@ -7637,49 +8307,162 @@
       </p:grpSpPr>
       <p:sp>
         <p:nvSpPr>
-          <p:cNvPr id="5" name="TextBox 4">
+          <p:cNvPr id="10" name="Google Shape;369;p26">
             <a:extLst>
               <a:ext uri="{FF2B5EF4-FFF2-40B4-BE49-F238E27FC236}">
-                <a16:creationId xmlns:a16="http://schemas.microsoft.com/office/drawing/2014/main" id="{A8CF9BDC-9BED-3224-30ED-092041184F9F}"/>
+                <a16:creationId xmlns:a16="http://schemas.microsoft.com/office/drawing/2014/main" id="{2DECC99E-2DE3-5658-E0D5-EE6CB62020ED}"/>
               </a:ext>
             </a:extLst>
           </p:cNvPr>
-          <p:cNvSpPr txBox="1"/>
+          <p:cNvSpPr/>
           <p:nvPr/>
         </p:nvSpPr>
         <p:spPr>
           <a:xfrm>
-            <a:off x="566901" y="452780"/>
-            <a:ext cx="6370928" cy="830997"/>
+            <a:off x="10904023" y="0"/>
+            <a:ext cx="1287977" cy="685011"/>
           </a:xfrm>
-          <a:prstGeom prst="rect">
+          <a:custGeom>
             <a:avLst/>
-          </a:prstGeom>
-          <a:noFill/>
+            <a:gdLst/>
+            <a:ahLst/>
+            <a:cxnLst/>
+            <a:rect l="l" t="t" r="r" b="b"/>
+            <a:pathLst>
+              <a:path w="30174" h="16049" extrusionOk="0">
+                <a:moveTo>
+                  <a:pt x="1" y="1"/>
+                </a:moveTo>
+                <a:cubicBezTo>
+                  <a:pt x="7986" y="12278"/>
+                  <a:pt x="19203" y="16049"/>
+                  <a:pt x="28402" y="16049"/>
+                </a:cubicBezTo>
+                <a:cubicBezTo>
+                  <a:pt x="29002" y="16049"/>
+                  <a:pt x="29593" y="16033"/>
+                  <a:pt x="30174" y="16002"/>
+                </a:cubicBezTo>
+                <a:lnTo>
+                  <a:pt x="30174" y="2248"/>
+                </a:lnTo>
+                <a:cubicBezTo>
+                  <a:pt x="30174" y="1007"/>
+                  <a:pt x="29168" y="1"/>
+                  <a:pt x="27927" y="1"/>
+                </a:cubicBezTo>
+                <a:close/>
+              </a:path>
+            </a:pathLst>
+          </a:custGeom>
+          <a:solidFill>
+            <a:schemeClr val="lt2"/>
+          </a:solidFill>
+          <a:ln>
+            <a:noFill/>
+          </a:ln>
         </p:spPr>
         <p:txBody>
-          <a:bodyPr wrap="square" rtlCol="0">
-            <a:spAutoFit/>
+          <a:bodyPr spcFirstLastPara="1" wrap="square" lIns="91425" tIns="91425" rIns="91425" bIns="91425" anchor="ctr" anchorCtr="0">
+            <a:noAutofit/>
           </a:bodyPr>
           <a:lstStyle/>
           <a:p>
-            <a:r>
-              <a:rPr lang="en-US" sz="4800" b="1" dirty="0">
-                <a:solidFill>
-                  <a:schemeClr val="bg1"/>
-                </a:solidFill>
-              </a:rPr>
-              <a:t>Dashboard</a:t>
-            </a:r>
+            <a:pPr marL="0" lvl="0" indent="0" algn="l" rtl="0">
+              <a:spcBef>
+                <a:spcPts val="0"/>
+              </a:spcBef>
+              <a:spcAft>
+                <a:spcPts val="0"/>
+              </a:spcAft>
+              <a:buNone/>
+            </a:pPr>
+            <a:endParaRPr/>
+          </a:p>
+        </p:txBody>
+      </p:sp>
+      <p:sp>
+        <p:nvSpPr>
+          <p:cNvPr id="11" name="Google Shape;368;p26">
+            <a:extLst>
+              <a:ext uri="{FF2B5EF4-FFF2-40B4-BE49-F238E27FC236}">
+                <a16:creationId xmlns:a16="http://schemas.microsoft.com/office/drawing/2014/main" id="{6C0FDBB5-4042-FC60-4C3E-70C70F59B501}"/>
+              </a:ext>
+            </a:extLst>
+          </p:cNvPr>
+          <p:cNvSpPr/>
+          <p:nvPr/>
+        </p:nvSpPr>
+        <p:spPr>
+          <a:xfrm rot="10800000">
+            <a:off x="0" y="6172989"/>
+            <a:ext cx="1287977" cy="685011"/>
+          </a:xfrm>
+          <a:custGeom>
+            <a:avLst/>
+            <a:gdLst/>
+            <a:ahLst/>
+            <a:cxnLst/>
+            <a:rect l="l" t="t" r="r" b="b"/>
+            <a:pathLst>
+              <a:path w="30174" h="16049" extrusionOk="0">
+                <a:moveTo>
+                  <a:pt x="1" y="1"/>
+                </a:moveTo>
+                <a:cubicBezTo>
+                  <a:pt x="7986" y="12278"/>
+                  <a:pt x="19203" y="16049"/>
+                  <a:pt x="28402" y="16049"/>
+                </a:cubicBezTo>
+                <a:cubicBezTo>
+                  <a:pt x="29002" y="16049"/>
+                  <a:pt x="29593" y="16033"/>
+                  <a:pt x="30174" y="16002"/>
+                </a:cubicBezTo>
+                <a:lnTo>
+                  <a:pt x="30174" y="2248"/>
+                </a:lnTo>
+                <a:cubicBezTo>
+                  <a:pt x="30174" y="1007"/>
+                  <a:pt x="29168" y="1"/>
+                  <a:pt x="27927" y="1"/>
+                </a:cubicBezTo>
+                <a:close/>
+              </a:path>
+            </a:pathLst>
+          </a:custGeom>
+          <a:solidFill>
+            <a:schemeClr val="lt2"/>
+          </a:solidFill>
+          <a:ln>
+            <a:noFill/>
+          </a:ln>
+        </p:spPr>
+        <p:txBody>
+          <a:bodyPr spcFirstLastPara="1" wrap="square" lIns="91425" tIns="91425" rIns="91425" bIns="91425" anchor="ctr" anchorCtr="0">
+            <a:noAutofit/>
+          </a:bodyPr>
+          <a:lstStyle/>
+          <a:p>
+            <a:pPr marL="0" lvl="0" indent="0" algn="l" rtl="0">
+              <a:spcBef>
+                <a:spcPts val="0"/>
+              </a:spcBef>
+              <a:spcAft>
+                <a:spcPts val="0"/>
+              </a:spcAft>
+              <a:buNone/>
+            </a:pPr>
+            <a:endParaRPr dirty="0"/>
           </a:p>
         </p:txBody>
       </p:sp>
       <p:pic>
         <p:nvPicPr>
-          <p:cNvPr id="3" name="Picture 2">
+          <p:cNvPr id="4" name="Picture 3">
             <a:extLst>
               <a:ext uri="{FF2B5EF4-FFF2-40B4-BE49-F238E27FC236}">
-                <a16:creationId xmlns:a16="http://schemas.microsoft.com/office/drawing/2014/main" id="{5E4D0E35-7639-C477-A320-4900DA328B93}"/>
+                <a16:creationId xmlns:a16="http://schemas.microsoft.com/office/drawing/2014/main" id="{D537BB27-16B2-18CF-13D9-3B0008D7901E}"/>
               </a:ext>
             </a:extLst>
           </p:cNvPr>
@@ -7702,8 +8485,8 @@
         </p:blipFill>
         <p:spPr>
           <a:xfrm>
-            <a:off x="100012" y="114300"/>
-            <a:ext cx="11991975" cy="6629400"/>
+            <a:off x="0" y="0"/>
+            <a:ext cx="12192000" cy="6858000"/>
           </a:xfrm>
           <a:prstGeom prst="rect">
             <a:avLst/>
@@ -7713,7 +8496,7 @@
     </p:spTree>
     <p:extLst>
       <p:ext uri="{BB962C8B-B14F-4D97-AF65-F5344CB8AC3E}">
-        <p14:creationId xmlns:p14="http://schemas.microsoft.com/office/powerpoint/2010/main" val="756752890"/>
+        <p14:creationId xmlns:p14="http://schemas.microsoft.com/office/powerpoint/2010/main" val="3630764349"/>
       </p:ext>
     </p:extLst>
   </p:cSld>
@@ -7723,133 +8506,6 @@
   <p:transition spd="slow">
     <p:push dir="u"/>
   </p:transition>
-  <p:timing>
-    <p:tnLst>
-      <p:par>
-        <p:cTn id="1" dur="indefinite" restart="never" nodeType="tmRoot">
-          <p:childTnLst>
-            <p:seq concurrent="1" nextAc="seek">
-              <p:cTn id="2" dur="indefinite" nodeType="mainSeq">
-                <p:childTnLst>
-                  <p:par>
-                    <p:cTn id="3" fill="hold">
-                      <p:stCondLst>
-                        <p:cond delay="indefinite"/>
-                        <p:cond evt="onBegin" delay="0">
-                          <p:tn val="2"/>
-                        </p:cond>
-                      </p:stCondLst>
-                      <p:childTnLst>
-                        <p:par>
-                          <p:cTn id="4" fill="hold">
-                            <p:stCondLst>
-                              <p:cond delay="0"/>
-                            </p:stCondLst>
-                            <p:childTnLst>
-                              <p:par>
-                                <p:cTn id="5" presetID="2" presetClass="entr" presetSubtype="8" fill="hold" grpId="0" nodeType="withEffect">
-                                  <p:stCondLst>
-                                    <p:cond delay="0"/>
-                                  </p:stCondLst>
-                                  <p:childTnLst>
-                                    <p:set>
-                                      <p:cBhvr>
-                                        <p:cTn id="6" dur="1" fill="hold">
-                                          <p:stCondLst>
-                                            <p:cond delay="0"/>
-                                          </p:stCondLst>
-                                        </p:cTn>
-                                        <p:tgtEl>
-                                          <p:spTgt spid="5"/>
-                                        </p:tgtEl>
-                                        <p:attrNameLst>
-                                          <p:attrName>style.visibility</p:attrName>
-                                        </p:attrNameLst>
-                                      </p:cBhvr>
-                                      <p:to>
-                                        <p:strVal val="visible"/>
-                                      </p:to>
-                                    </p:set>
-                                    <p:anim calcmode="lin" valueType="num">
-                                      <p:cBhvr additive="base">
-                                        <p:cTn id="7" dur="800" fill="hold"/>
-                                        <p:tgtEl>
-                                          <p:spTgt spid="5"/>
-                                        </p:tgtEl>
-                                        <p:attrNameLst>
-                                          <p:attrName>ppt_x</p:attrName>
-                                        </p:attrNameLst>
-                                      </p:cBhvr>
-                                      <p:tavLst>
-                                        <p:tav tm="0">
-                                          <p:val>
-                                            <p:strVal val="0-#ppt_w/2"/>
-                                          </p:val>
-                                        </p:tav>
-                                        <p:tav tm="100000">
-                                          <p:val>
-                                            <p:strVal val="#ppt_x"/>
-                                          </p:val>
-                                        </p:tav>
-                                      </p:tavLst>
-                                    </p:anim>
-                                    <p:anim calcmode="lin" valueType="num">
-                                      <p:cBhvr additive="base">
-                                        <p:cTn id="8" dur="800" fill="hold"/>
-                                        <p:tgtEl>
-                                          <p:spTgt spid="5"/>
-                                        </p:tgtEl>
-                                        <p:attrNameLst>
-                                          <p:attrName>ppt_y</p:attrName>
-                                        </p:attrNameLst>
-                                      </p:cBhvr>
-                                      <p:tavLst>
-                                        <p:tav tm="0">
-                                          <p:val>
-                                            <p:strVal val="#ppt_y"/>
-                                          </p:val>
-                                        </p:tav>
-                                        <p:tav tm="100000">
-                                          <p:val>
-                                            <p:strVal val="#ppt_y"/>
-                                          </p:val>
-                                        </p:tav>
-                                      </p:tavLst>
-                                    </p:anim>
-                                  </p:childTnLst>
-                                </p:cTn>
-                              </p:par>
-                            </p:childTnLst>
-                          </p:cTn>
-                        </p:par>
-                      </p:childTnLst>
-                    </p:cTn>
-                  </p:par>
-                </p:childTnLst>
-              </p:cTn>
-              <p:prevCondLst>
-                <p:cond evt="onPrev" delay="0">
-                  <p:tgtEl>
-                    <p:sldTgt/>
-                  </p:tgtEl>
-                </p:cond>
-              </p:prevCondLst>
-              <p:nextCondLst>
-                <p:cond evt="onNext" delay="0">
-                  <p:tgtEl>
-                    <p:sldTgt/>
-                  </p:tgtEl>
-                </p:cond>
-              </p:nextCondLst>
-            </p:seq>
-          </p:childTnLst>
-        </p:cTn>
-      </p:par>
-    </p:tnLst>
-    <p:bldLst>
-      <p:bldP spid="5" grpId="0"/>
-    </p:bldLst>
-  </p:timing>
 </p:sld>
 </file>
 
@@ -7872,49 +8528,162 @@
       </p:grpSpPr>
       <p:sp>
         <p:nvSpPr>
-          <p:cNvPr id="5" name="TextBox 4">
+          <p:cNvPr id="10" name="Google Shape;369;p26">
             <a:extLst>
               <a:ext uri="{FF2B5EF4-FFF2-40B4-BE49-F238E27FC236}">
-                <a16:creationId xmlns:a16="http://schemas.microsoft.com/office/drawing/2014/main" id="{A8CF9BDC-9BED-3224-30ED-092041184F9F}"/>
+                <a16:creationId xmlns:a16="http://schemas.microsoft.com/office/drawing/2014/main" id="{2DECC99E-2DE3-5658-E0D5-EE6CB62020ED}"/>
               </a:ext>
             </a:extLst>
           </p:cNvPr>
-          <p:cNvSpPr txBox="1"/>
+          <p:cNvSpPr/>
           <p:nvPr/>
         </p:nvSpPr>
         <p:spPr>
           <a:xfrm>
-            <a:off x="566901" y="452780"/>
-            <a:ext cx="6370928" cy="830997"/>
+            <a:off x="10904023" y="0"/>
+            <a:ext cx="1287977" cy="685011"/>
           </a:xfrm>
-          <a:prstGeom prst="rect">
+          <a:custGeom>
             <a:avLst/>
-          </a:prstGeom>
-          <a:noFill/>
+            <a:gdLst/>
+            <a:ahLst/>
+            <a:cxnLst/>
+            <a:rect l="l" t="t" r="r" b="b"/>
+            <a:pathLst>
+              <a:path w="30174" h="16049" extrusionOk="0">
+                <a:moveTo>
+                  <a:pt x="1" y="1"/>
+                </a:moveTo>
+                <a:cubicBezTo>
+                  <a:pt x="7986" y="12278"/>
+                  <a:pt x="19203" y="16049"/>
+                  <a:pt x="28402" y="16049"/>
+                </a:cubicBezTo>
+                <a:cubicBezTo>
+                  <a:pt x="29002" y="16049"/>
+                  <a:pt x="29593" y="16033"/>
+                  <a:pt x="30174" y="16002"/>
+                </a:cubicBezTo>
+                <a:lnTo>
+                  <a:pt x="30174" y="2248"/>
+                </a:lnTo>
+                <a:cubicBezTo>
+                  <a:pt x="30174" y="1007"/>
+                  <a:pt x="29168" y="1"/>
+                  <a:pt x="27927" y="1"/>
+                </a:cubicBezTo>
+                <a:close/>
+              </a:path>
+            </a:pathLst>
+          </a:custGeom>
+          <a:solidFill>
+            <a:schemeClr val="lt2"/>
+          </a:solidFill>
+          <a:ln>
+            <a:noFill/>
+          </a:ln>
         </p:spPr>
         <p:txBody>
-          <a:bodyPr wrap="square" rtlCol="0">
-            <a:spAutoFit/>
+          <a:bodyPr spcFirstLastPara="1" wrap="square" lIns="91425" tIns="91425" rIns="91425" bIns="91425" anchor="ctr" anchorCtr="0">
+            <a:noAutofit/>
           </a:bodyPr>
           <a:lstStyle/>
           <a:p>
-            <a:r>
-              <a:rPr lang="en-US" sz="4800" b="1" dirty="0">
-                <a:solidFill>
-                  <a:schemeClr val="bg1"/>
-                </a:solidFill>
-              </a:rPr>
-              <a:t>Dashboard</a:t>
-            </a:r>
+            <a:pPr marL="0" lvl="0" indent="0" algn="l" rtl="0">
+              <a:spcBef>
+                <a:spcPts val="0"/>
+              </a:spcBef>
+              <a:spcAft>
+                <a:spcPts val="0"/>
+              </a:spcAft>
+              <a:buNone/>
+            </a:pPr>
+            <a:endParaRPr/>
+          </a:p>
+        </p:txBody>
+      </p:sp>
+      <p:sp>
+        <p:nvSpPr>
+          <p:cNvPr id="11" name="Google Shape;368;p26">
+            <a:extLst>
+              <a:ext uri="{FF2B5EF4-FFF2-40B4-BE49-F238E27FC236}">
+                <a16:creationId xmlns:a16="http://schemas.microsoft.com/office/drawing/2014/main" id="{6C0FDBB5-4042-FC60-4C3E-70C70F59B501}"/>
+              </a:ext>
+            </a:extLst>
+          </p:cNvPr>
+          <p:cNvSpPr/>
+          <p:nvPr/>
+        </p:nvSpPr>
+        <p:spPr>
+          <a:xfrm rot="10800000">
+            <a:off x="0" y="6172989"/>
+            <a:ext cx="1287977" cy="685011"/>
+          </a:xfrm>
+          <a:custGeom>
+            <a:avLst/>
+            <a:gdLst/>
+            <a:ahLst/>
+            <a:cxnLst/>
+            <a:rect l="l" t="t" r="r" b="b"/>
+            <a:pathLst>
+              <a:path w="30174" h="16049" extrusionOk="0">
+                <a:moveTo>
+                  <a:pt x="1" y="1"/>
+                </a:moveTo>
+                <a:cubicBezTo>
+                  <a:pt x="7986" y="12278"/>
+                  <a:pt x="19203" y="16049"/>
+                  <a:pt x="28402" y="16049"/>
+                </a:cubicBezTo>
+                <a:cubicBezTo>
+                  <a:pt x="29002" y="16049"/>
+                  <a:pt x="29593" y="16033"/>
+                  <a:pt x="30174" y="16002"/>
+                </a:cubicBezTo>
+                <a:lnTo>
+                  <a:pt x="30174" y="2248"/>
+                </a:lnTo>
+                <a:cubicBezTo>
+                  <a:pt x="30174" y="1007"/>
+                  <a:pt x="29168" y="1"/>
+                  <a:pt x="27927" y="1"/>
+                </a:cubicBezTo>
+                <a:close/>
+              </a:path>
+            </a:pathLst>
+          </a:custGeom>
+          <a:solidFill>
+            <a:schemeClr val="lt2"/>
+          </a:solidFill>
+          <a:ln>
+            <a:noFill/>
+          </a:ln>
+        </p:spPr>
+        <p:txBody>
+          <a:bodyPr spcFirstLastPara="1" wrap="square" lIns="91425" tIns="91425" rIns="91425" bIns="91425" anchor="ctr" anchorCtr="0">
+            <a:noAutofit/>
+          </a:bodyPr>
+          <a:lstStyle/>
+          <a:p>
+            <a:pPr marL="0" lvl="0" indent="0" algn="l" rtl="0">
+              <a:spcBef>
+                <a:spcPts val="0"/>
+              </a:spcBef>
+              <a:spcAft>
+                <a:spcPts val="0"/>
+              </a:spcAft>
+              <a:buNone/>
+            </a:pPr>
+            <a:endParaRPr dirty="0"/>
           </a:p>
         </p:txBody>
       </p:sp>
       <p:pic>
         <p:nvPicPr>
-          <p:cNvPr id="4" name="Picture 3">
+          <p:cNvPr id="3" name="Picture 2">
             <a:extLst>
               <a:ext uri="{FF2B5EF4-FFF2-40B4-BE49-F238E27FC236}">
-                <a16:creationId xmlns:a16="http://schemas.microsoft.com/office/drawing/2014/main" id="{84F16F81-C150-2B36-EBE3-BE7A4B2AD888}"/>
+                <a16:creationId xmlns:a16="http://schemas.microsoft.com/office/drawing/2014/main" id="{A499DB37-A853-84B5-A3C3-E51A8B8BC6CB}"/>
               </a:ext>
             </a:extLst>
           </p:cNvPr>
@@ -7937,8 +8706,8 @@
         </p:blipFill>
         <p:spPr>
           <a:xfrm>
-            <a:off x="119062" y="85725"/>
-            <a:ext cx="11953875" cy="6686550"/>
+            <a:off x="0" y="0"/>
+            <a:ext cx="12192000" cy="6858000"/>
           </a:xfrm>
           <a:prstGeom prst="rect">
             <a:avLst/>
@@ -7948,7 +8717,7 @@
     </p:spTree>
     <p:extLst>
       <p:ext uri="{BB962C8B-B14F-4D97-AF65-F5344CB8AC3E}">
-        <p14:creationId xmlns:p14="http://schemas.microsoft.com/office/powerpoint/2010/main" val="555079380"/>
+        <p14:creationId xmlns:p14="http://schemas.microsoft.com/office/powerpoint/2010/main" val="2984026552"/>
       </p:ext>
     </p:extLst>
   </p:cSld>
@@ -7958,133 +8727,6 @@
   <p:transition spd="slow">
     <p:push dir="u"/>
   </p:transition>
-  <p:timing>
-    <p:tnLst>
-      <p:par>
-        <p:cTn id="1" dur="indefinite" restart="never" nodeType="tmRoot">
-          <p:childTnLst>
-            <p:seq concurrent="1" nextAc="seek">
-              <p:cTn id="2" dur="indefinite" nodeType="mainSeq">
-                <p:childTnLst>
-                  <p:par>
-                    <p:cTn id="3" fill="hold">
-                      <p:stCondLst>
-                        <p:cond delay="indefinite"/>
-                        <p:cond evt="onBegin" delay="0">
-                          <p:tn val="2"/>
-                        </p:cond>
-                      </p:stCondLst>
-                      <p:childTnLst>
-                        <p:par>
-                          <p:cTn id="4" fill="hold">
-                            <p:stCondLst>
-                              <p:cond delay="0"/>
-                            </p:stCondLst>
-                            <p:childTnLst>
-                              <p:par>
-                                <p:cTn id="5" presetID="2" presetClass="entr" presetSubtype="8" fill="hold" grpId="0" nodeType="withEffect">
-                                  <p:stCondLst>
-                                    <p:cond delay="0"/>
-                                  </p:stCondLst>
-                                  <p:childTnLst>
-                                    <p:set>
-                                      <p:cBhvr>
-                                        <p:cTn id="6" dur="1" fill="hold">
-                                          <p:stCondLst>
-                                            <p:cond delay="0"/>
-                                          </p:stCondLst>
-                                        </p:cTn>
-                                        <p:tgtEl>
-                                          <p:spTgt spid="5"/>
-                                        </p:tgtEl>
-                                        <p:attrNameLst>
-                                          <p:attrName>style.visibility</p:attrName>
-                                        </p:attrNameLst>
-                                      </p:cBhvr>
-                                      <p:to>
-                                        <p:strVal val="visible"/>
-                                      </p:to>
-                                    </p:set>
-                                    <p:anim calcmode="lin" valueType="num">
-                                      <p:cBhvr additive="base">
-                                        <p:cTn id="7" dur="800" fill="hold"/>
-                                        <p:tgtEl>
-                                          <p:spTgt spid="5"/>
-                                        </p:tgtEl>
-                                        <p:attrNameLst>
-                                          <p:attrName>ppt_x</p:attrName>
-                                        </p:attrNameLst>
-                                      </p:cBhvr>
-                                      <p:tavLst>
-                                        <p:tav tm="0">
-                                          <p:val>
-                                            <p:strVal val="0-#ppt_w/2"/>
-                                          </p:val>
-                                        </p:tav>
-                                        <p:tav tm="100000">
-                                          <p:val>
-                                            <p:strVal val="#ppt_x"/>
-                                          </p:val>
-                                        </p:tav>
-                                      </p:tavLst>
-                                    </p:anim>
-                                    <p:anim calcmode="lin" valueType="num">
-                                      <p:cBhvr additive="base">
-                                        <p:cTn id="8" dur="800" fill="hold"/>
-                                        <p:tgtEl>
-                                          <p:spTgt spid="5"/>
-                                        </p:tgtEl>
-                                        <p:attrNameLst>
-                                          <p:attrName>ppt_y</p:attrName>
-                                        </p:attrNameLst>
-                                      </p:cBhvr>
-                                      <p:tavLst>
-                                        <p:tav tm="0">
-                                          <p:val>
-                                            <p:strVal val="#ppt_y"/>
-                                          </p:val>
-                                        </p:tav>
-                                        <p:tav tm="100000">
-                                          <p:val>
-                                            <p:strVal val="#ppt_y"/>
-                                          </p:val>
-                                        </p:tav>
-                                      </p:tavLst>
-                                    </p:anim>
-                                  </p:childTnLst>
-                                </p:cTn>
-                              </p:par>
-                            </p:childTnLst>
-                          </p:cTn>
-                        </p:par>
-                      </p:childTnLst>
-                    </p:cTn>
-                  </p:par>
-                </p:childTnLst>
-              </p:cTn>
-              <p:prevCondLst>
-                <p:cond evt="onPrev" delay="0">
-                  <p:tgtEl>
-                    <p:sldTgt/>
-                  </p:tgtEl>
-                </p:cond>
-              </p:prevCondLst>
-              <p:nextCondLst>
-                <p:cond evt="onNext" delay="0">
-                  <p:tgtEl>
-                    <p:sldTgt/>
-                  </p:tgtEl>
-                </p:cond>
-              </p:nextCondLst>
-            </p:seq>
-          </p:childTnLst>
-        </p:cTn>
-      </p:par>
-    </p:tnLst>
-    <p:bldLst>
-      <p:bldP spid="5" grpId="0"/>
-    </p:bldLst>
-  </p:timing>
 </p:sld>
 </file>
 
@@ -8107,49 +8749,162 @@
       </p:grpSpPr>
       <p:sp>
         <p:nvSpPr>
-          <p:cNvPr id="5" name="TextBox 4">
+          <p:cNvPr id="10" name="Google Shape;369;p26">
             <a:extLst>
               <a:ext uri="{FF2B5EF4-FFF2-40B4-BE49-F238E27FC236}">
-                <a16:creationId xmlns:a16="http://schemas.microsoft.com/office/drawing/2014/main" id="{A8CF9BDC-9BED-3224-30ED-092041184F9F}"/>
+                <a16:creationId xmlns:a16="http://schemas.microsoft.com/office/drawing/2014/main" id="{2DECC99E-2DE3-5658-E0D5-EE6CB62020ED}"/>
               </a:ext>
             </a:extLst>
           </p:cNvPr>
-          <p:cNvSpPr txBox="1"/>
+          <p:cNvSpPr/>
           <p:nvPr/>
         </p:nvSpPr>
         <p:spPr>
           <a:xfrm>
-            <a:off x="566901" y="452780"/>
-            <a:ext cx="6370928" cy="830997"/>
+            <a:off x="10904023" y="0"/>
+            <a:ext cx="1287977" cy="685011"/>
           </a:xfrm>
-          <a:prstGeom prst="rect">
+          <a:custGeom>
             <a:avLst/>
-          </a:prstGeom>
-          <a:noFill/>
+            <a:gdLst/>
+            <a:ahLst/>
+            <a:cxnLst/>
+            <a:rect l="l" t="t" r="r" b="b"/>
+            <a:pathLst>
+              <a:path w="30174" h="16049" extrusionOk="0">
+                <a:moveTo>
+                  <a:pt x="1" y="1"/>
+                </a:moveTo>
+                <a:cubicBezTo>
+                  <a:pt x="7986" y="12278"/>
+                  <a:pt x="19203" y="16049"/>
+                  <a:pt x="28402" y="16049"/>
+                </a:cubicBezTo>
+                <a:cubicBezTo>
+                  <a:pt x="29002" y="16049"/>
+                  <a:pt x="29593" y="16033"/>
+                  <a:pt x="30174" y="16002"/>
+                </a:cubicBezTo>
+                <a:lnTo>
+                  <a:pt x="30174" y="2248"/>
+                </a:lnTo>
+                <a:cubicBezTo>
+                  <a:pt x="30174" y="1007"/>
+                  <a:pt x="29168" y="1"/>
+                  <a:pt x="27927" y="1"/>
+                </a:cubicBezTo>
+                <a:close/>
+              </a:path>
+            </a:pathLst>
+          </a:custGeom>
+          <a:solidFill>
+            <a:schemeClr val="lt2"/>
+          </a:solidFill>
+          <a:ln>
+            <a:noFill/>
+          </a:ln>
         </p:spPr>
         <p:txBody>
-          <a:bodyPr wrap="square" rtlCol="0">
-            <a:spAutoFit/>
+          <a:bodyPr spcFirstLastPara="1" wrap="square" lIns="91425" tIns="91425" rIns="91425" bIns="91425" anchor="ctr" anchorCtr="0">
+            <a:noAutofit/>
           </a:bodyPr>
           <a:lstStyle/>
           <a:p>
-            <a:r>
-              <a:rPr lang="en-US" sz="4800" b="1" dirty="0">
-                <a:solidFill>
-                  <a:schemeClr val="bg1"/>
-                </a:solidFill>
-              </a:rPr>
-              <a:t>Dashboard</a:t>
-            </a:r>
+            <a:pPr marL="0" lvl="0" indent="0" algn="l" rtl="0">
+              <a:spcBef>
+                <a:spcPts val="0"/>
+              </a:spcBef>
+              <a:spcAft>
+                <a:spcPts val="0"/>
+              </a:spcAft>
+              <a:buNone/>
+            </a:pPr>
+            <a:endParaRPr/>
+          </a:p>
+        </p:txBody>
+      </p:sp>
+      <p:sp>
+        <p:nvSpPr>
+          <p:cNvPr id="11" name="Google Shape;368;p26">
+            <a:extLst>
+              <a:ext uri="{FF2B5EF4-FFF2-40B4-BE49-F238E27FC236}">
+                <a16:creationId xmlns:a16="http://schemas.microsoft.com/office/drawing/2014/main" id="{6C0FDBB5-4042-FC60-4C3E-70C70F59B501}"/>
+              </a:ext>
+            </a:extLst>
+          </p:cNvPr>
+          <p:cNvSpPr/>
+          <p:nvPr/>
+        </p:nvSpPr>
+        <p:spPr>
+          <a:xfrm rot="10800000">
+            <a:off x="0" y="6172989"/>
+            <a:ext cx="1287977" cy="685011"/>
+          </a:xfrm>
+          <a:custGeom>
+            <a:avLst/>
+            <a:gdLst/>
+            <a:ahLst/>
+            <a:cxnLst/>
+            <a:rect l="l" t="t" r="r" b="b"/>
+            <a:pathLst>
+              <a:path w="30174" h="16049" extrusionOk="0">
+                <a:moveTo>
+                  <a:pt x="1" y="1"/>
+                </a:moveTo>
+                <a:cubicBezTo>
+                  <a:pt x="7986" y="12278"/>
+                  <a:pt x="19203" y="16049"/>
+                  <a:pt x="28402" y="16049"/>
+                </a:cubicBezTo>
+                <a:cubicBezTo>
+                  <a:pt x="29002" y="16049"/>
+                  <a:pt x="29593" y="16033"/>
+                  <a:pt x="30174" y="16002"/>
+                </a:cubicBezTo>
+                <a:lnTo>
+                  <a:pt x="30174" y="2248"/>
+                </a:lnTo>
+                <a:cubicBezTo>
+                  <a:pt x="30174" y="1007"/>
+                  <a:pt x="29168" y="1"/>
+                  <a:pt x="27927" y="1"/>
+                </a:cubicBezTo>
+                <a:close/>
+              </a:path>
+            </a:pathLst>
+          </a:custGeom>
+          <a:solidFill>
+            <a:schemeClr val="lt2"/>
+          </a:solidFill>
+          <a:ln>
+            <a:noFill/>
+          </a:ln>
+        </p:spPr>
+        <p:txBody>
+          <a:bodyPr spcFirstLastPara="1" wrap="square" lIns="91425" tIns="91425" rIns="91425" bIns="91425" anchor="ctr" anchorCtr="0">
+            <a:noAutofit/>
+          </a:bodyPr>
+          <a:lstStyle/>
+          <a:p>
+            <a:pPr marL="0" lvl="0" indent="0" algn="l" rtl="0">
+              <a:spcBef>
+                <a:spcPts val="0"/>
+              </a:spcBef>
+              <a:spcAft>
+                <a:spcPts val="0"/>
+              </a:spcAft>
+              <a:buNone/>
+            </a:pPr>
+            <a:endParaRPr dirty="0"/>
           </a:p>
         </p:txBody>
       </p:sp>
       <p:pic>
         <p:nvPicPr>
-          <p:cNvPr id="3" name="Picture 2">
+          <p:cNvPr id="4" name="Picture 3">
             <a:extLst>
               <a:ext uri="{FF2B5EF4-FFF2-40B4-BE49-F238E27FC236}">
-                <a16:creationId xmlns:a16="http://schemas.microsoft.com/office/drawing/2014/main" id="{EF3FED21-D21C-F835-31AF-5A773647DC89}"/>
+                <a16:creationId xmlns:a16="http://schemas.microsoft.com/office/drawing/2014/main" id="{954A2D35-BEDC-E7E0-F79D-006A4D373719}"/>
               </a:ext>
             </a:extLst>
           </p:cNvPr>
@@ -8172,8 +8927,8 @@
         </p:blipFill>
         <p:spPr>
           <a:xfrm>
-            <a:off x="119062" y="114300"/>
-            <a:ext cx="11953875" cy="6629400"/>
+            <a:off x="0" y="0"/>
+            <a:ext cx="12192000" cy="6858000"/>
           </a:xfrm>
           <a:prstGeom prst="rect">
             <a:avLst/>
@@ -8183,7 +8938,7 @@
     </p:spTree>
     <p:extLst>
       <p:ext uri="{BB962C8B-B14F-4D97-AF65-F5344CB8AC3E}">
-        <p14:creationId xmlns:p14="http://schemas.microsoft.com/office/powerpoint/2010/main" val="1227510443"/>
+        <p14:creationId xmlns:p14="http://schemas.microsoft.com/office/powerpoint/2010/main" val="1477617292"/>
       </p:ext>
     </p:extLst>
   </p:cSld>
@@ -8193,133 +8948,6 @@
   <p:transition spd="slow">
     <p:push dir="u"/>
   </p:transition>
-  <p:timing>
-    <p:tnLst>
-      <p:par>
-        <p:cTn id="1" dur="indefinite" restart="never" nodeType="tmRoot">
-          <p:childTnLst>
-            <p:seq concurrent="1" nextAc="seek">
-              <p:cTn id="2" dur="indefinite" nodeType="mainSeq">
-                <p:childTnLst>
-                  <p:par>
-                    <p:cTn id="3" fill="hold">
-                      <p:stCondLst>
-                        <p:cond delay="indefinite"/>
-                        <p:cond evt="onBegin" delay="0">
-                          <p:tn val="2"/>
-                        </p:cond>
-                      </p:stCondLst>
-                      <p:childTnLst>
-                        <p:par>
-                          <p:cTn id="4" fill="hold">
-                            <p:stCondLst>
-                              <p:cond delay="0"/>
-                            </p:stCondLst>
-                            <p:childTnLst>
-                              <p:par>
-                                <p:cTn id="5" presetID="2" presetClass="entr" presetSubtype="8" fill="hold" grpId="0" nodeType="withEffect">
-                                  <p:stCondLst>
-                                    <p:cond delay="0"/>
-                                  </p:stCondLst>
-                                  <p:childTnLst>
-                                    <p:set>
-                                      <p:cBhvr>
-                                        <p:cTn id="6" dur="1" fill="hold">
-                                          <p:stCondLst>
-                                            <p:cond delay="0"/>
-                                          </p:stCondLst>
-                                        </p:cTn>
-                                        <p:tgtEl>
-                                          <p:spTgt spid="5"/>
-                                        </p:tgtEl>
-                                        <p:attrNameLst>
-                                          <p:attrName>style.visibility</p:attrName>
-                                        </p:attrNameLst>
-                                      </p:cBhvr>
-                                      <p:to>
-                                        <p:strVal val="visible"/>
-                                      </p:to>
-                                    </p:set>
-                                    <p:anim calcmode="lin" valueType="num">
-                                      <p:cBhvr additive="base">
-                                        <p:cTn id="7" dur="800" fill="hold"/>
-                                        <p:tgtEl>
-                                          <p:spTgt spid="5"/>
-                                        </p:tgtEl>
-                                        <p:attrNameLst>
-                                          <p:attrName>ppt_x</p:attrName>
-                                        </p:attrNameLst>
-                                      </p:cBhvr>
-                                      <p:tavLst>
-                                        <p:tav tm="0">
-                                          <p:val>
-                                            <p:strVal val="0-#ppt_w/2"/>
-                                          </p:val>
-                                        </p:tav>
-                                        <p:tav tm="100000">
-                                          <p:val>
-                                            <p:strVal val="#ppt_x"/>
-                                          </p:val>
-                                        </p:tav>
-                                      </p:tavLst>
-                                    </p:anim>
-                                    <p:anim calcmode="lin" valueType="num">
-                                      <p:cBhvr additive="base">
-                                        <p:cTn id="8" dur="800" fill="hold"/>
-                                        <p:tgtEl>
-                                          <p:spTgt spid="5"/>
-                                        </p:tgtEl>
-                                        <p:attrNameLst>
-                                          <p:attrName>ppt_y</p:attrName>
-                                        </p:attrNameLst>
-                                      </p:cBhvr>
-                                      <p:tavLst>
-                                        <p:tav tm="0">
-                                          <p:val>
-                                            <p:strVal val="#ppt_y"/>
-                                          </p:val>
-                                        </p:tav>
-                                        <p:tav tm="100000">
-                                          <p:val>
-                                            <p:strVal val="#ppt_y"/>
-                                          </p:val>
-                                        </p:tav>
-                                      </p:tavLst>
-                                    </p:anim>
-                                  </p:childTnLst>
-                                </p:cTn>
-                              </p:par>
-                            </p:childTnLst>
-                          </p:cTn>
-                        </p:par>
-                      </p:childTnLst>
-                    </p:cTn>
-                  </p:par>
-                </p:childTnLst>
-              </p:cTn>
-              <p:prevCondLst>
-                <p:cond evt="onPrev" delay="0">
-                  <p:tgtEl>
-                    <p:sldTgt/>
-                  </p:tgtEl>
-                </p:cond>
-              </p:prevCondLst>
-              <p:nextCondLst>
-                <p:cond evt="onNext" delay="0">
-                  <p:tgtEl>
-                    <p:sldTgt/>
-                  </p:tgtEl>
-                </p:cond>
-              </p:nextCondLst>
-            </p:seq>
-          </p:childTnLst>
-        </p:cTn>
-      </p:par>
-    </p:tnLst>
-    <p:bldLst>
-      <p:bldP spid="5" grpId="0"/>
-    </p:bldLst>
-  </p:timing>
 </p:sld>
 </file>
 
@@ -8342,49 +8970,162 @@
       </p:grpSpPr>
       <p:sp>
         <p:nvSpPr>
-          <p:cNvPr id="5" name="TextBox 4">
+          <p:cNvPr id="10" name="Google Shape;369;p26">
             <a:extLst>
               <a:ext uri="{FF2B5EF4-FFF2-40B4-BE49-F238E27FC236}">
-                <a16:creationId xmlns:a16="http://schemas.microsoft.com/office/drawing/2014/main" id="{A8CF9BDC-9BED-3224-30ED-092041184F9F}"/>
+                <a16:creationId xmlns:a16="http://schemas.microsoft.com/office/drawing/2014/main" id="{2DECC99E-2DE3-5658-E0D5-EE6CB62020ED}"/>
               </a:ext>
             </a:extLst>
           </p:cNvPr>
-          <p:cNvSpPr txBox="1"/>
+          <p:cNvSpPr/>
           <p:nvPr/>
         </p:nvSpPr>
         <p:spPr>
           <a:xfrm>
-            <a:off x="566901" y="452780"/>
-            <a:ext cx="6370928" cy="830997"/>
+            <a:off x="10904023" y="0"/>
+            <a:ext cx="1287977" cy="685011"/>
           </a:xfrm>
-          <a:prstGeom prst="rect">
+          <a:custGeom>
             <a:avLst/>
-          </a:prstGeom>
-          <a:noFill/>
+            <a:gdLst/>
+            <a:ahLst/>
+            <a:cxnLst/>
+            <a:rect l="l" t="t" r="r" b="b"/>
+            <a:pathLst>
+              <a:path w="30174" h="16049" extrusionOk="0">
+                <a:moveTo>
+                  <a:pt x="1" y="1"/>
+                </a:moveTo>
+                <a:cubicBezTo>
+                  <a:pt x="7986" y="12278"/>
+                  <a:pt x="19203" y="16049"/>
+                  <a:pt x="28402" y="16049"/>
+                </a:cubicBezTo>
+                <a:cubicBezTo>
+                  <a:pt x="29002" y="16049"/>
+                  <a:pt x="29593" y="16033"/>
+                  <a:pt x="30174" y="16002"/>
+                </a:cubicBezTo>
+                <a:lnTo>
+                  <a:pt x="30174" y="2248"/>
+                </a:lnTo>
+                <a:cubicBezTo>
+                  <a:pt x="30174" y="1007"/>
+                  <a:pt x="29168" y="1"/>
+                  <a:pt x="27927" y="1"/>
+                </a:cubicBezTo>
+                <a:close/>
+              </a:path>
+            </a:pathLst>
+          </a:custGeom>
+          <a:solidFill>
+            <a:schemeClr val="lt2"/>
+          </a:solidFill>
+          <a:ln>
+            <a:noFill/>
+          </a:ln>
         </p:spPr>
         <p:txBody>
-          <a:bodyPr wrap="square" rtlCol="0">
-            <a:spAutoFit/>
+          <a:bodyPr spcFirstLastPara="1" wrap="square" lIns="91425" tIns="91425" rIns="91425" bIns="91425" anchor="ctr" anchorCtr="0">
+            <a:noAutofit/>
           </a:bodyPr>
           <a:lstStyle/>
           <a:p>
-            <a:r>
-              <a:rPr lang="en-US" sz="4800" b="1" dirty="0">
-                <a:solidFill>
-                  <a:schemeClr val="bg1"/>
-                </a:solidFill>
-              </a:rPr>
-              <a:t>Dashboard</a:t>
-            </a:r>
+            <a:pPr marL="0" lvl="0" indent="0" algn="l" rtl="0">
+              <a:spcBef>
+                <a:spcPts val="0"/>
+              </a:spcBef>
+              <a:spcAft>
+                <a:spcPts val="0"/>
+              </a:spcAft>
+              <a:buNone/>
+            </a:pPr>
+            <a:endParaRPr/>
+          </a:p>
+        </p:txBody>
+      </p:sp>
+      <p:sp>
+        <p:nvSpPr>
+          <p:cNvPr id="11" name="Google Shape;368;p26">
+            <a:extLst>
+              <a:ext uri="{FF2B5EF4-FFF2-40B4-BE49-F238E27FC236}">
+                <a16:creationId xmlns:a16="http://schemas.microsoft.com/office/drawing/2014/main" id="{6C0FDBB5-4042-FC60-4C3E-70C70F59B501}"/>
+              </a:ext>
+            </a:extLst>
+          </p:cNvPr>
+          <p:cNvSpPr/>
+          <p:nvPr/>
+        </p:nvSpPr>
+        <p:spPr>
+          <a:xfrm rot="10800000">
+            <a:off x="0" y="6172989"/>
+            <a:ext cx="1287977" cy="685011"/>
+          </a:xfrm>
+          <a:custGeom>
+            <a:avLst/>
+            <a:gdLst/>
+            <a:ahLst/>
+            <a:cxnLst/>
+            <a:rect l="l" t="t" r="r" b="b"/>
+            <a:pathLst>
+              <a:path w="30174" h="16049" extrusionOk="0">
+                <a:moveTo>
+                  <a:pt x="1" y="1"/>
+                </a:moveTo>
+                <a:cubicBezTo>
+                  <a:pt x="7986" y="12278"/>
+                  <a:pt x="19203" y="16049"/>
+                  <a:pt x="28402" y="16049"/>
+                </a:cubicBezTo>
+                <a:cubicBezTo>
+                  <a:pt x="29002" y="16049"/>
+                  <a:pt x="29593" y="16033"/>
+                  <a:pt x="30174" y="16002"/>
+                </a:cubicBezTo>
+                <a:lnTo>
+                  <a:pt x="30174" y="2248"/>
+                </a:lnTo>
+                <a:cubicBezTo>
+                  <a:pt x="30174" y="1007"/>
+                  <a:pt x="29168" y="1"/>
+                  <a:pt x="27927" y="1"/>
+                </a:cubicBezTo>
+                <a:close/>
+              </a:path>
+            </a:pathLst>
+          </a:custGeom>
+          <a:solidFill>
+            <a:schemeClr val="lt2"/>
+          </a:solidFill>
+          <a:ln>
+            <a:noFill/>
+          </a:ln>
+        </p:spPr>
+        <p:txBody>
+          <a:bodyPr spcFirstLastPara="1" wrap="square" lIns="91425" tIns="91425" rIns="91425" bIns="91425" anchor="ctr" anchorCtr="0">
+            <a:noAutofit/>
+          </a:bodyPr>
+          <a:lstStyle/>
+          <a:p>
+            <a:pPr marL="0" lvl="0" indent="0" algn="l" rtl="0">
+              <a:spcBef>
+                <a:spcPts val="0"/>
+              </a:spcBef>
+              <a:spcAft>
+                <a:spcPts val="0"/>
+              </a:spcAft>
+              <a:buNone/>
+            </a:pPr>
+            <a:endParaRPr dirty="0"/>
           </a:p>
         </p:txBody>
       </p:sp>
       <p:pic>
         <p:nvPicPr>
-          <p:cNvPr id="4" name="Picture 3">
+          <p:cNvPr id="3" name="Picture 2">
             <a:extLst>
               <a:ext uri="{FF2B5EF4-FFF2-40B4-BE49-F238E27FC236}">
-                <a16:creationId xmlns:a16="http://schemas.microsoft.com/office/drawing/2014/main" id="{AD0190DE-DBB6-55FD-DB03-FD7FE0C368FF}"/>
+                <a16:creationId xmlns:a16="http://schemas.microsoft.com/office/drawing/2014/main" id="{20540DC7-B237-B27A-8756-2971CC5D00E5}"/>
               </a:ext>
             </a:extLst>
           </p:cNvPr>
@@ -8407,8 +9148,8 @@
         </p:blipFill>
         <p:spPr>
           <a:xfrm>
-            <a:off x="1062037" y="114300"/>
-            <a:ext cx="10067925" cy="6629400"/>
+            <a:off x="0" y="0"/>
+            <a:ext cx="12192000" cy="6858000"/>
           </a:xfrm>
           <a:prstGeom prst="rect">
             <a:avLst/>
@@ -8418,7 +9159,7 @@
     </p:spTree>
     <p:extLst>
       <p:ext uri="{BB962C8B-B14F-4D97-AF65-F5344CB8AC3E}">
-        <p14:creationId xmlns:p14="http://schemas.microsoft.com/office/powerpoint/2010/main" val="784115063"/>
+        <p14:creationId xmlns:p14="http://schemas.microsoft.com/office/powerpoint/2010/main" val="3046929487"/>
       </p:ext>
     </p:extLst>
   </p:cSld>
@@ -8428,133 +9169,6 @@
   <p:transition spd="slow">
     <p:push dir="u"/>
   </p:transition>
-  <p:timing>
-    <p:tnLst>
-      <p:par>
-        <p:cTn id="1" dur="indefinite" restart="never" nodeType="tmRoot">
-          <p:childTnLst>
-            <p:seq concurrent="1" nextAc="seek">
-              <p:cTn id="2" dur="indefinite" nodeType="mainSeq">
-                <p:childTnLst>
-                  <p:par>
-                    <p:cTn id="3" fill="hold">
-                      <p:stCondLst>
-                        <p:cond delay="indefinite"/>
-                        <p:cond evt="onBegin" delay="0">
-                          <p:tn val="2"/>
-                        </p:cond>
-                      </p:stCondLst>
-                      <p:childTnLst>
-                        <p:par>
-                          <p:cTn id="4" fill="hold">
-                            <p:stCondLst>
-                              <p:cond delay="0"/>
-                            </p:stCondLst>
-                            <p:childTnLst>
-                              <p:par>
-                                <p:cTn id="5" presetID="2" presetClass="entr" presetSubtype="8" fill="hold" grpId="0" nodeType="withEffect">
-                                  <p:stCondLst>
-                                    <p:cond delay="0"/>
-                                  </p:stCondLst>
-                                  <p:childTnLst>
-                                    <p:set>
-                                      <p:cBhvr>
-                                        <p:cTn id="6" dur="1" fill="hold">
-                                          <p:stCondLst>
-                                            <p:cond delay="0"/>
-                                          </p:stCondLst>
-                                        </p:cTn>
-                                        <p:tgtEl>
-                                          <p:spTgt spid="5"/>
-                                        </p:tgtEl>
-                                        <p:attrNameLst>
-                                          <p:attrName>style.visibility</p:attrName>
-                                        </p:attrNameLst>
-                                      </p:cBhvr>
-                                      <p:to>
-                                        <p:strVal val="visible"/>
-                                      </p:to>
-                                    </p:set>
-                                    <p:anim calcmode="lin" valueType="num">
-                                      <p:cBhvr additive="base">
-                                        <p:cTn id="7" dur="800" fill="hold"/>
-                                        <p:tgtEl>
-                                          <p:spTgt spid="5"/>
-                                        </p:tgtEl>
-                                        <p:attrNameLst>
-                                          <p:attrName>ppt_x</p:attrName>
-                                        </p:attrNameLst>
-                                      </p:cBhvr>
-                                      <p:tavLst>
-                                        <p:tav tm="0">
-                                          <p:val>
-                                            <p:strVal val="0-#ppt_w/2"/>
-                                          </p:val>
-                                        </p:tav>
-                                        <p:tav tm="100000">
-                                          <p:val>
-                                            <p:strVal val="#ppt_x"/>
-                                          </p:val>
-                                        </p:tav>
-                                      </p:tavLst>
-                                    </p:anim>
-                                    <p:anim calcmode="lin" valueType="num">
-                                      <p:cBhvr additive="base">
-                                        <p:cTn id="8" dur="800" fill="hold"/>
-                                        <p:tgtEl>
-                                          <p:spTgt spid="5"/>
-                                        </p:tgtEl>
-                                        <p:attrNameLst>
-                                          <p:attrName>ppt_y</p:attrName>
-                                        </p:attrNameLst>
-                                      </p:cBhvr>
-                                      <p:tavLst>
-                                        <p:tav tm="0">
-                                          <p:val>
-                                            <p:strVal val="#ppt_y"/>
-                                          </p:val>
-                                        </p:tav>
-                                        <p:tav tm="100000">
-                                          <p:val>
-                                            <p:strVal val="#ppt_y"/>
-                                          </p:val>
-                                        </p:tav>
-                                      </p:tavLst>
-                                    </p:anim>
-                                  </p:childTnLst>
-                                </p:cTn>
-                              </p:par>
-                            </p:childTnLst>
-                          </p:cTn>
-                        </p:par>
-                      </p:childTnLst>
-                    </p:cTn>
-                  </p:par>
-                </p:childTnLst>
-              </p:cTn>
-              <p:prevCondLst>
-                <p:cond evt="onPrev" delay="0">
-                  <p:tgtEl>
-                    <p:sldTgt/>
-                  </p:tgtEl>
-                </p:cond>
-              </p:prevCondLst>
-              <p:nextCondLst>
-                <p:cond evt="onNext" delay="0">
-                  <p:tgtEl>
-                    <p:sldTgt/>
-                  </p:tgtEl>
-                </p:cond>
-              </p:nextCondLst>
-            </p:seq>
-          </p:childTnLst>
-        </p:cTn>
-      </p:par>
-    </p:tnLst>
-    <p:bldLst>
-      <p:bldP spid="5" grpId="0"/>
-    </p:bldLst>
-  </p:timing>
 </p:sld>
 </file>
 
@@ -8577,49 +9191,162 @@
       </p:grpSpPr>
       <p:sp>
         <p:nvSpPr>
-          <p:cNvPr id="5" name="TextBox 4">
+          <p:cNvPr id="10" name="Google Shape;369;p26">
             <a:extLst>
               <a:ext uri="{FF2B5EF4-FFF2-40B4-BE49-F238E27FC236}">
-                <a16:creationId xmlns:a16="http://schemas.microsoft.com/office/drawing/2014/main" id="{A8CF9BDC-9BED-3224-30ED-092041184F9F}"/>
+                <a16:creationId xmlns:a16="http://schemas.microsoft.com/office/drawing/2014/main" id="{2DECC99E-2DE3-5658-E0D5-EE6CB62020ED}"/>
               </a:ext>
             </a:extLst>
           </p:cNvPr>
-          <p:cNvSpPr txBox="1"/>
+          <p:cNvSpPr/>
           <p:nvPr/>
         </p:nvSpPr>
         <p:spPr>
           <a:xfrm>
-            <a:off x="566901" y="452780"/>
-            <a:ext cx="6370928" cy="830997"/>
+            <a:off x="10904023" y="0"/>
+            <a:ext cx="1287977" cy="685011"/>
           </a:xfrm>
-          <a:prstGeom prst="rect">
+          <a:custGeom>
             <a:avLst/>
-          </a:prstGeom>
-          <a:noFill/>
+            <a:gdLst/>
+            <a:ahLst/>
+            <a:cxnLst/>
+            <a:rect l="l" t="t" r="r" b="b"/>
+            <a:pathLst>
+              <a:path w="30174" h="16049" extrusionOk="0">
+                <a:moveTo>
+                  <a:pt x="1" y="1"/>
+                </a:moveTo>
+                <a:cubicBezTo>
+                  <a:pt x="7986" y="12278"/>
+                  <a:pt x="19203" y="16049"/>
+                  <a:pt x="28402" y="16049"/>
+                </a:cubicBezTo>
+                <a:cubicBezTo>
+                  <a:pt x="29002" y="16049"/>
+                  <a:pt x="29593" y="16033"/>
+                  <a:pt x="30174" y="16002"/>
+                </a:cubicBezTo>
+                <a:lnTo>
+                  <a:pt x="30174" y="2248"/>
+                </a:lnTo>
+                <a:cubicBezTo>
+                  <a:pt x="30174" y="1007"/>
+                  <a:pt x="29168" y="1"/>
+                  <a:pt x="27927" y="1"/>
+                </a:cubicBezTo>
+                <a:close/>
+              </a:path>
+            </a:pathLst>
+          </a:custGeom>
+          <a:solidFill>
+            <a:schemeClr val="lt2"/>
+          </a:solidFill>
+          <a:ln>
+            <a:noFill/>
+          </a:ln>
         </p:spPr>
         <p:txBody>
-          <a:bodyPr wrap="square" rtlCol="0">
-            <a:spAutoFit/>
+          <a:bodyPr spcFirstLastPara="1" wrap="square" lIns="91425" tIns="91425" rIns="91425" bIns="91425" anchor="ctr" anchorCtr="0">
+            <a:noAutofit/>
           </a:bodyPr>
           <a:lstStyle/>
           <a:p>
-            <a:r>
-              <a:rPr lang="en-US" sz="4800" b="1" dirty="0">
-                <a:solidFill>
-                  <a:schemeClr val="bg1"/>
-                </a:solidFill>
-              </a:rPr>
-              <a:t>Dashboard</a:t>
-            </a:r>
+            <a:pPr marL="0" lvl="0" indent="0" algn="l" rtl="0">
+              <a:spcBef>
+                <a:spcPts val="0"/>
+              </a:spcBef>
+              <a:spcAft>
+                <a:spcPts val="0"/>
+              </a:spcAft>
+              <a:buNone/>
+            </a:pPr>
+            <a:endParaRPr/>
+          </a:p>
+        </p:txBody>
+      </p:sp>
+      <p:sp>
+        <p:nvSpPr>
+          <p:cNvPr id="11" name="Google Shape;368;p26">
+            <a:extLst>
+              <a:ext uri="{FF2B5EF4-FFF2-40B4-BE49-F238E27FC236}">
+                <a16:creationId xmlns:a16="http://schemas.microsoft.com/office/drawing/2014/main" id="{6C0FDBB5-4042-FC60-4C3E-70C70F59B501}"/>
+              </a:ext>
+            </a:extLst>
+          </p:cNvPr>
+          <p:cNvSpPr/>
+          <p:nvPr/>
+        </p:nvSpPr>
+        <p:spPr>
+          <a:xfrm rot="10800000">
+            <a:off x="0" y="6172989"/>
+            <a:ext cx="1287977" cy="685011"/>
+          </a:xfrm>
+          <a:custGeom>
+            <a:avLst/>
+            <a:gdLst/>
+            <a:ahLst/>
+            <a:cxnLst/>
+            <a:rect l="l" t="t" r="r" b="b"/>
+            <a:pathLst>
+              <a:path w="30174" h="16049" extrusionOk="0">
+                <a:moveTo>
+                  <a:pt x="1" y="1"/>
+                </a:moveTo>
+                <a:cubicBezTo>
+                  <a:pt x="7986" y="12278"/>
+                  <a:pt x="19203" y="16049"/>
+                  <a:pt x="28402" y="16049"/>
+                </a:cubicBezTo>
+                <a:cubicBezTo>
+                  <a:pt x="29002" y="16049"/>
+                  <a:pt x="29593" y="16033"/>
+                  <a:pt x="30174" y="16002"/>
+                </a:cubicBezTo>
+                <a:lnTo>
+                  <a:pt x="30174" y="2248"/>
+                </a:lnTo>
+                <a:cubicBezTo>
+                  <a:pt x="30174" y="1007"/>
+                  <a:pt x="29168" y="1"/>
+                  <a:pt x="27927" y="1"/>
+                </a:cubicBezTo>
+                <a:close/>
+              </a:path>
+            </a:pathLst>
+          </a:custGeom>
+          <a:solidFill>
+            <a:schemeClr val="lt2"/>
+          </a:solidFill>
+          <a:ln>
+            <a:noFill/>
+          </a:ln>
+        </p:spPr>
+        <p:txBody>
+          <a:bodyPr spcFirstLastPara="1" wrap="square" lIns="91425" tIns="91425" rIns="91425" bIns="91425" anchor="ctr" anchorCtr="0">
+            <a:noAutofit/>
+          </a:bodyPr>
+          <a:lstStyle/>
+          <a:p>
+            <a:pPr marL="0" lvl="0" indent="0" algn="l" rtl="0">
+              <a:spcBef>
+                <a:spcPts val="0"/>
+              </a:spcBef>
+              <a:spcAft>
+                <a:spcPts val="0"/>
+              </a:spcAft>
+              <a:buNone/>
+            </a:pPr>
+            <a:endParaRPr dirty="0"/>
           </a:p>
         </p:txBody>
       </p:sp>
       <p:pic>
         <p:nvPicPr>
-          <p:cNvPr id="3" name="Picture 2">
+          <p:cNvPr id="4" name="Picture 3">
             <a:extLst>
               <a:ext uri="{FF2B5EF4-FFF2-40B4-BE49-F238E27FC236}">
-                <a16:creationId xmlns:a16="http://schemas.microsoft.com/office/drawing/2014/main" id="{10786DB7-0F72-C723-C764-BF2A7E7B390E}"/>
+                <a16:creationId xmlns:a16="http://schemas.microsoft.com/office/drawing/2014/main" id="{E795870F-9FAF-3B1D-5AC3-01B3A04D9388}"/>
               </a:ext>
             </a:extLst>
           </p:cNvPr>
@@ -8642,8 +9369,8 @@
         </p:blipFill>
         <p:spPr>
           <a:xfrm>
-            <a:off x="109537" y="104775"/>
-            <a:ext cx="11972925" cy="6648450"/>
+            <a:off x="0" y="0"/>
+            <a:ext cx="12192000" cy="6858000"/>
           </a:xfrm>
           <a:prstGeom prst="rect">
             <a:avLst/>
@@ -8653,7 +9380,7 @@
     </p:spTree>
     <p:extLst>
       <p:ext uri="{BB962C8B-B14F-4D97-AF65-F5344CB8AC3E}">
-        <p14:creationId xmlns:p14="http://schemas.microsoft.com/office/powerpoint/2010/main" val="4144847793"/>
+        <p14:creationId xmlns:p14="http://schemas.microsoft.com/office/powerpoint/2010/main" val="203933883"/>
       </p:ext>
     </p:extLst>
   </p:cSld>
@@ -8663,133 +9390,6 @@
   <p:transition spd="slow">
     <p:push dir="u"/>
   </p:transition>
-  <p:timing>
-    <p:tnLst>
-      <p:par>
-        <p:cTn id="1" dur="indefinite" restart="never" nodeType="tmRoot">
-          <p:childTnLst>
-            <p:seq concurrent="1" nextAc="seek">
-              <p:cTn id="2" dur="indefinite" nodeType="mainSeq">
-                <p:childTnLst>
-                  <p:par>
-                    <p:cTn id="3" fill="hold">
-                      <p:stCondLst>
-                        <p:cond delay="indefinite"/>
-                        <p:cond evt="onBegin" delay="0">
-                          <p:tn val="2"/>
-                        </p:cond>
-                      </p:stCondLst>
-                      <p:childTnLst>
-                        <p:par>
-                          <p:cTn id="4" fill="hold">
-                            <p:stCondLst>
-                              <p:cond delay="0"/>
-                            </p:stCondLst>
-                            <p:childTnLst>
-                              <p:par>
-                                <p:cTn id="5" presetID="2" presetClass="entr" presetSubtype="8" fill="hold" grpId="0" nodeType="withEffect">
-                                  <p:stCondLst>
-                                    <p:cond delay="0"/>
-                                  </p:stCondLst>
-                                  <p:childTnLst>
-                                    <p:set>
-                                      <p:cBhvr>
-                                        <p:cTn id="6" dur="1" fill="hold">
-                                          <p:stCondLst>
-                                            <p:cond delay="0"/>
-                                          </p:stCondLst>
-                                        </p:cTn>
-                                        <p:tgtEl>
-                                          <p:spTgt spid="5"/>
-                                        </p:tgtEl>
-                                        <p:attrNameLst>
-                                          <p:attrName>style.visibility</p:attrName>
-                                        </p:attrNameLst>
-                                      </p:cBhvr>
-                                      <p:to>
-                                        <p:strVal val="visible"/>
-                                      </p:to>
-                                    </p:set>
-                                    <p:anim calcmode="lin" valueType="num">
-                                      <p:cBhvr additive="base">
-                                        <p:cTn id="7" dur="800" fill="hold"/>
-                                        <p:tgtEl>
-                                          <p:spTgt spid="5"/>
-                                        </p:tgtEl>
-                                        <p:attrNameLst>
-                                          <p:attrName>ppt_x</p:attrName>
-                                        </p:attrNameLst>
-                                      </p:cBhvr>
-                                      <p:tavLst>
-                                        <p:tav tm="0">
-                                          <p:val>
-                                            <p:strVal val="0-#ppt_w/2"/>
-                                          </p:val>
-                                        </p:tav>
-                                        <p:tav tm="100000">
-                                          <p:val>
-                                            <p:strVal val="#ppt_x"/>
-                                          </p:val>
-                                        </p:tav>
-                                      </p:tavLst>
-                                    </p:anim>
-                                    <p:anim calcmode="lin" valueType="num">
-                                      <p:cBhvr additive="base">
-                                        <p:cTn id="8" dur="800" fill="hold"/>
-                                        <p:tgtEl>
-                                          <p:spTgt spid="5"/>
-                                        </p:tgtEl>
-                                        <p:attrNameLst>
-                                          <p:attrName>ppt_y</p:attrName>
-                                        </p:attrNameLst>
-                                      </p:cBhvr>
-                                      <p:tavLst>
-                                        <p:tav tm="0">
-                                          <p:val>
-                                            <p:strVal val="#ppt_y"/>
-                                          </p:val>
-                                        </p:tav>
-                                        <p:tav tm="100000">
-                                          <p:val>
-                                            <p:strVal val="#ppt_y"/>
-                                          </p:val>
-                                        </p:tav>
-                                      </p:tavLst>
-                                    </p:anim>
-                                  </p:childTnLst>
-                                </p:cTn>
-                              </p:par>
-                            </p:childTnLst>
-                          </p:cTn>
-                        </p:par>
-                      </p:childTnLst>
-                    </p:cTn>
-                  </p:par>
-                </p:childTnLst>
-              </p:cTn>
-              <p:prevCondLst>
-                <p:cond evt="onPrev" delay="0">
-                  <p:tgtEl>
-                    <p:sldTgt/>
-                  </p:tgtEl>
-                </p:cond>
-              </p:prevCondLst>
-              <p:nextCondLst>
-                <p:cond evt="onNext" delay="0">
-                  <p:tgtEl>
-                    <p:sldTgt/>
-                  </p:tgtEl>
-                </p:cond>
-              </p:nextCondLst>
-            </p:seq>
-          </p:childTnLst>
-        </p:cTn>
-      </p:par>
-    </p:tnLst>
-    <p:bldLst>
-      <p:bldP spid="5" grpId="0"/>
-    </p:bldLst>
-  </p:timing>
 </p:sld>
 </file>
 
@@ -8812,49 +9412,162 @@
       </p:grpSpPr>
       <p:sp>
         <p:nvSpPr>
-          <p:cNvPr id="5" name="TextBox 4">
+          <p:cNvPr id="10" name="Google Shape;369;p26">
             <a:extLst>
               <a:ext uri="{FF2B5EF4-FFF2-40B4-BE49-F238E27FC236}">
-                <a16:creationId xmlns:a16="http://schemas.microsoft.com/office/drawing/2014/main" id="{A8CF9BDC-9BED-3224-30ED-092041184F9F}"/>
+                <a16:creationId xmlns:a16="http://schemas.microsoft.com/office/drawing/2014/main" id="{2DECC99E-2DE3-5658-E0D5-EE6CB62020ED}"/>
               </a:ext>
             </a:extLst>
           </p:cNvPr>
-          <p:cNvSpPr txBox="1"/>
+          <p:cNvSpPr/>
           <p:nvPr/>
         </p:nvSpPr>
         <p:spPr>
           <a:xfrm>
-            <a:off x="566901" y="452780"/>
-            <a:ext cx="6370928" cy="830997"/>
+            <a:off x="10904023" y="0"/>
+            <a:ext cx="1287977" cy="685011"/>
           </a:xfrm>
-          <a:prstGeom prst="rect">
+          <a:custGeom>
             <a:avLst/>
-          </a:prstGeom>
-          <a:noFill/>
+            <a:gdLst/>
+            <a:ahLst/>
+            <a:cxnLst/>
+            <a:rect l="l" t="t" r="r" b="b"/>
+            <a:pathLst>
+              <a:path w="30174" h="16049" extrusionOk="0">
+                <a:moveTo>
+                  <a:pt x="1" y="1"/>
+                </a:moveTo>
+                <a:cubicBezTo>
+                  <a:pt x="7986" y="12278"/>
+                  <a:pt x="19203" y="16049"/>
+                  <a:pt x="28402" y="16049"/>
+                </a:cubicBezTo>
+                <a:cubicBezTo>
+                  <a:pt x="29002" y="16049"/>
+                  <a:pt x="29593" y="16033"/>
+                  <a:pt x="30174" y="16002"/>
+                </a:cubicBezTo>
+                <a:lnTo>
+                  <a:pt x="30174" y="2248"/>
+                </a:lnTo>
+                <a:cubicBezTo>
+                  <a:pt x="30174" y="1007"/>
+                  <a:pt x="29168" y="1"/>
+                  <a:pt x="27927" y="1"/>
+                </a:cubicBezTo>
+                <a:close/>
+              </a:path>
+            </a:pathLst>
+          </a:custGeom>
+          <a:solidFill>
+            <a:schemeClr val="lt2"/>
+          </a:solidFill>
+          <a:ln>
+            <a:noFill/>
+          </a:ln>
         </p:spPr>
         <p:txBody>
-          <a:bodyPr wrap="square" rtlCol="0">
-            <a:spAutoFit/>
+          <a:bodyPr spcFirstLastPara="1" wrap="square" lIns="91425" tIns="91425" rIns="91425" bIns="91425" anchor="ctr" anchorCtr="0">
+            <a:noAutofit/>
           </a:bodyPr>
           <a:lstStyle/>
           <a:p>
-            <a:r>
-              <a:rPr lang="en-US" sz="4800" b="1" dirty="0">
-                <a:solidFill>
-                  <a:schemeClr val="bg1"/>
-                </a:solidFill>
-              </a:rPr>
-              <a:t>Dashboard</a:t>
-            </a:r>
+            <a:pPr marL="0" lvl="0" indent="0" algn="l" rtl="0">
+              <a:spcBef>
+                <a:spcPts val="0"/>
+              </a:spcBef>
+              <a:spcAft>
+                <a:spcPts val="0"/>
+              </a:spcAft>
+              <a:buNone/>
+            </a:pPr>
+            <a:endParaRPr/>
+          </a:p>
+        </p:txBody>
+      </p:sp>
+      <p:sp>
+        <p:nvSpPr>
+          <p:cNvPr id="11" name="Google Shape;368;p26">
+            <a:extLst>
+              <a:ext uri="{FF2B5EF4-FFF2-40B4-BE49-F238E27FC236}">
+                <a16:creationId xmlns:a16="http://schemas.microsoft.com/office/drawing/2014/main" id="{6C0FDBB5-4042-FC60-4C3E-70C70F59B501}"/>
+              </a:ext>
+            </a:extLst>
+          </p:cNvPr>
+          <p:cNvSpPr/>
+          <p:nvPr/>
+        </p:nvSpPr>
+        <p:spPr>
+          <a:xfrm rot="10800000">
+            <a:off x="0" y="6172989"/>
+            <a:ext cx="1287977" cy="685011"/>
+          </a:xfrm>
+          <a:custGeom>
+            <a:avLst/>
+            <a:gdLst/>
+            <a:ahLst/>
+            <a:cxnLst/>
+            <a:rect l="l" t="t" r="r" b="b"/>
+            <a:pathLst>
+              <a:path w="30174" h="16049" extrusionOk="0">
+                <a:moveTo>
+                  <a:pt x="1" y="1"/>
+                </a:moveTo>
+                <a:cubicBezTo>
+                  <a:pt x="7986" y="12278"/>
+                  <a:pt x="19203" y="16049"/>
+                  <a:pt x="28402" y="16049"/>
+                </a:cubicBezTo>
+                <a:cubicBezTo>
+                  <a:pt x="29002" y="16049"/>
+                  <a:pt x="29593" y="16033"/>
+                  <a:pt x="30174" y="16002"/>
+                </a:cubicBezTo>
+                <a:lnTo>
+                  <a:pt x="30174" y="2248"/>
+                </a:lnTo>
+                <a:cubicBezTo>
+                  <a:pt x="30174" y="1007"/>
+                  <a:pt x="29168" y="1"/>
+                  <a:pt x="27927" y="1"/>
+                </a:cubicBezTo>
+                <a:close/>
+              </a:path>
+            </a:pathLst>
+          </a:custGeom>
+          <a:solidFill>
+            <a:schemeClr val="lt2"/>
+          </a:solidFill>
+          <a:ln>
+            <a:noFill/>
+          </a:ln>
+        </p:spPr>
+        <p:txBody>
+          <a:bodyPr spcFirstLastPara="1" wrap="square" lIns="91425" tIns="91425" rIns="91425" bIns="91425" anchor="ctr" anchorCtr="0">
+            <a:noAutofit/>
+          </a:bodyPr>
+          <a:lstStyle/>
+          <a:p>
+            <a:pPr marL="0" lvl="0" indent="0" algn="l" rtl="0">
+              <a:spcBef>
+                <a:spcPts val="0"/>
+              </a:spcBef>
+              <a:spcAft>
+                <a:spcPts val="0"/>
+              </a:spcAft>
+              <a:buNone/>
+            </a:pPr>
+            <a:endParaRPr dirty="0"/>
           </a:p>
         </p:txBody>
       </p:sp>
       <p:pic>
         <p:nvPicPr>
-          <p:cNvPr id="4" name="Picture 3">
+          <p:cNvPr id="3" name="Picture 2">
             <a:extLst>
               <a:ext uri="{FF2B5EF4-FFF2-40B4-BE49-F238E27FC236}">
-                <a16:creationId xmlns:a16="http://schemas.microsoft.com/office/drawing/2014/main" id="{D7C83E4F-244C-4F4D-324A-95ECE284AB55}"/>
+                <a16:creationId xmlns:a16="http://schemas.microsoft.com/office/drawing/2014/main" id="{B0342297-9BF2-A1F9-81A3-58FE26CCF154}"/>
               </a:ext>
             </a:extLst>
           </p:cNvPr>
@@ -8877,8 +9590,8 @@
         </p:blipFill>
         <p:spPr>
           <a:xfrm>
-            <a:off x="147637" y="109537"/>
-            <a:ext cx="11896725" cy="6638925"/>
+            <a:off x="0" y="0"/>
+            <a:ext cx="12192000" cy="6858000"/>
           </a:xfrm>
           <a:prstGeom prst="rect">
             <a:avLst/>
@@ -8888,7 +9601,7 @@
     </p:spTree>
     <p:extLst>
       <p:ext uri="{BB962C8B-B14F-4D97-AF65-F5344CB8AC3E}">
-        <p14:creationId xmlns:p14="http://schemas.microsoft.com/office/powerpoint/2010/main" val="2015631981"/>
+        <p14:creationId xmlns:p14="http://schemas.microsoft.com/office/powerpoint/2010/main" val="3481651628"/>
       </p:ext>
     </p:extLst>
   </p:cSld>
@@ -8898,133 +9611,6 @@
   <p:transition spd="slow">
     <p:push dir="u"/>
   </p:transition>
-  <p:timing>
-    <p:tnLst>
-      <p:par>
-        <p:cTn id="1" dur="indefinite" restart="never" nodeType="tmRoot">
-          <p:childTnLst>
-            <p:seq concurrent="1" nextAc="seek">
-              <p:cTn id="2" dur="indefinite" nodeType="mainSeq">
-                <p:childTnLst>
-                  <p:par>
-                    <p:cTn id="3" fill="hold">
-                      <p:stCondLst>
-                        <p:cond delay="indefinite"/>
-                        <p:cond evt="onBegin" delay="0">
-                          <p:tn val="2"/>
-                        </p:cond>
-                      </p:stCondLst>
-                      <p:childTnLst>
-                        <p:par>
-                          <p:cTn id="4" fill="hold">
-                            <p:stCondLst>
-                              <p:cond delay="0"/>
-                            </p:stCondLst>
-                            <p:childTnLst>
-                              <p:par>
-                                <p:cTn id="5" presetID="2" presetClass="entr" presetSubtype="8" fill="hold" grpId="0" nodeType="withEffect">
-                                  <p:stCondLst>
-                                    <p:cond delay="0"/>
-                                  </p:stCondLst>
-                                  <p:childTnLst>
-                                    <p:set>
-                                      <p:cBhvr>
-                                        <p:cTn id="6" dur="1" fill="hold">
-                                          <p:stCondLst>
-                                            <p:cond delay="0"/>
-                                          </p:stCondLst>
-                                        </p:cTn>
-                                        <p:tgtEl>
-                                          <p:spTgt spid="5"/>
-                                        </p:tgtEl>
-                                        <p:attrNameLst>
-                                          <p:attrName>style.visibility</p:attrName>
-                                        </p:attrNameLst>
-                                      </p:cBhvr>
-                                      <p:to>
-                                        <p:strVal val="visible"/>
-                                      </p:to>
-                                    </p:set>
-                                    <p:anim calcmode="lin" valueType="num">
-                                      <p:cBhvr additive="base">
-                                        <p:cTn id="7" dur="800" fill="hold"/>
-                                        <p:tgtEl>
-                                          <p:spTgt spid="5"/>
-                                        </p:tgtEl>
-                                        <p:attrNameLst>
-                                          <p:attrName>ppt_x</p:attrName>
-                                        </p:attrNameLst>
-                                      </p:cBhvr>
-                                      <p:tavLst>
-                                        <p:tav tm="0">
-                                          <p:val>
-                                            <p:strVal val="0-#ppt_w/2"/>
-                                          </p:val>
-                                        </p:tav>
-                                        <p:tav tm="100000">
-                                          <p:val>
-                                            <p:strVal val="#ppt_x"/>
-                                          </p:val>
-                                        </p:tav>
-                                      </p:tavLst>
-                                    </p:anim>
-                                    <p:anim calcmode="lin" valueType="num">
-                                      <p:cBhvr additive="base">
-                                        <p:cTn id="8" dur="800" fill="hold"/>
-                                        <p:tgtEl>
-                                          <p:spTgt spid="5"/>
-                                        </p:tgtEl>
-                                        <p:attrNameLst>
-                                          <p:attrName>ppt_y</p:attrName>
-                                        </p:attrNameLst>
-                                      </p:cBhvr>
-                                      <p:tavLst>
-                                        <p:tav tm="0">
-                                          <p:val>
-                                            <p:strVal val="#ppt_y"/>
-                                          </p:val>
-                                        </p:tav>
-                                        <p:tav tm="100000">
-                                          <p:val>
-                                            <p:strVal val="#ppt_y"/>
-                                          </p:val>
-                                        </p:tav>
-                                      </p:tavLst>
-                                    </p:anim>
-                                  </p:childTnLst>
-                                </p:cTn>
-                              </p:par>
-                            </p:childTnLst>
-                          </p:cTn>
-                        </p:par>
-                      </p:childTnLst>
-                    </p:cTn>
-                  </p:par>
-                </p:childTnLst>
-              </p:cTn>
-              <p:prevCondLst>
-                <p:cond evt="onPrev" delay="0">
-                  <p:tgtEl>
-                    <p:sldTgt/>
-                  </p:tgtEl>
-                </p:cond>
-              </p:prevCondLst>
-              <p:nextCondLst>
-                <p:cond evt="onNext" delay="0">
-                  <p:tgtEl>
-                    <p:sldTgt/>
-                  </p:tgtEl>
-                </p:cond>
-              </p:nextCondLst>
-            </p:seq>
-          </p:childTnLst>
-        </p:cTn>
-      </p:par>
-    </p:tnLst>
-    <p:bldLst>
-      <p:bldP spid="5" grpId="0"/>
-    </p:bldLst>
-  </p:timing>
 </p:sld>
 </file>
 
@@ -9047,49 +9633,162 @@
       </p:grpSpPr>
       <p:sp>
         <p:nvSpPr>
-          <p:cNvPr id="5" name="TextBox 4">
+          <p:cNvPr id="10" name="Google Shape;369;p26">
             <a:extLst>
               <a:ext uri="{FF2B5EF4-FFF2-40B4-BE49-F238E27FC236}">
-                <a16:creationId xmlns:a16="http://schemas.microsoft.com/office/drawing/2014/main" id="{A8CF9BDC-9BED-3224-30ED-092041184F9F}"/>
+                <a16:creationId xmlns:a16="http://schemas.microsoft.com/office/drawing/2014/main" id="{2DECC99E-2DE3-5658-E0D5-EE6CB62020ED}"/>
               </a:ext>
             </a:extLst>
           </p:cNvPr>
-          <p:cNvSpPr txBox="1"/>
+          <p:cNvSpPr/>
           <p:nvPr/>
         </p:nvSpPr>
         <p:spPr>
           <a:xfrm>
-            <a:off x="566901" y="452780"/>
-            <a:ext cx="6370928" cy="830997"/>
+            <a:off x="10904023" y="0"/>
+            <a:ext cx="1287977" cy="685011"/>
           </a:xfrm>
-          <a:prstGeom prst="rect">
+          <a:custGeom>
             <a:avLst/>
-          </a:prstGeom>
-          <a:noFill/>
+            <a:gdLst/>
+            <a:ahLst/>
+            <a:cxnLst/>
+            <a:rect l="l" t="t" r="r" b="b"/>
+            <a:pathLst>
+              <a:path w="30174" h="16049" extrusionOk="0">
+                <a:moveTo>
+                  <a:pt x="1" y="1"/>
+                </a:moveTo>
+                <a:cubicBezTo>
+                  <a:pt x="7986" y="12278"/>
+                  <a:pt x="19203" y="16049"/>
+                  <a:pt x="28402" y="16049"/>
+                </a:cubicBezTo>
+                <a:cubicBezTo>
+                  <a:pt x="29002" y="16049"/>
+                  <a:pt x="29593" y="16033"/>
+                  <a:pt x="30174" y="16002"/>
+                </a:cubicBezTo>
+                <a:lnTo>
+                  <a:pt x="30174" y="2248"/>
+                </a:lnTo>
+                <a:cubicBezTo>
+                  <a:pt x="30174" y="1007"/>
+                  <a:pt x="29168" y="1"/>
+                  <a:pt x="27927" y="1"/>
+                </a:cubicBezTo>
+                <a:close/>
+              </a:path>
+            </a:pathLst>
+          </a:custGeom>
+          <a:solidFill>
+            <a:schemeClr val="lt2"/>
+          </a:solidFill>
+          <a:ln>
+            <a:noFill/>
+          </a:ln>
         </p:spPr>
         <p:txBody>
-          <a:bodyPr wrap="square" rtlCol="0">
-            <a:spAutoFit/>
+          <a:bodyPr spcFirstLastPara="1" wrap="square" lIns="91425" tIns="91425" rIns="91425" bIns="91425" anchor="ctr" anchorCtr="0">
+            <a:noAutofit/>
           </a:bodyPr>
           <a:lstStyle/>
           <a:p>
-            <a:r>
-              <a:rPr lang="en-US" sz="4800" b="1" dirty="0">
-                <a:solidFill>
-                  <a:schemeClr val="bg1"/>
-                </a:solidFill>
-              </a:rPr>
-              <a:t>Dashboard</a:t>
-            </a:r>
+            <a:pPr marL="0" lvl="0" indent="0" algn="l" rtl="0">
+              <a:spcBef>
+                <a:spcPts val="0"/>
+              </a:spcBef>
+              <a:spcAft>
+                <a:spcPts val="0"/>
+              </a:spcAft>
+              <a:buNone/>
+            </a:pPr>
+            <a:endParaRPr/>
+          </a:p>
+        </p:txBody>
+      </p:sp>
+      <p:sp>
+        <p:nvSpPr>
+          <p:cNvPr id="11" name="Google Shape;368;p26">
+            <a:extLst>
+              <a:ext uri="{FF2B5EF4-FFF2-40B4-BE49-F238E27FC236}">
+                <a16:creationId xmlns:a16="http://schemas.microsoft.com/office/drawing/2014/main" id="{6C0FDBB5-4042-FC60-4C3E-70C70F59B501}"/>
+              </a:ext>
+            </a:extLst>
+          </p:cNvPr>
+          <p:cNvSpPr/>
+          <p:nvPr/>
+        </p:nvSpPr>
+        <p:spPr>
+          <a:xfrm rot="10800000">
+            <a:off x="0" y="6172989"/>
+            <a:ext cx="1287977" cy="685011"/>
+          </a:xfrm>
+          <a:custGeom>
+            <a:avLst/>
+            <a:gdLst/>
+            <a:ahLst/>
+            <a:cxnLst/>
+            <a:rect l="l" t="t" r="r" b="b"/>
+            <a:pathLst>
+              <a:path w="30174" h="16049" extrusionOk="0">
+                <a:moveTo>
+                  <a:pt x="1" y="1"/>
+                </a:moveTo>
+                <a:cubicBezTo>
+                  <a:pt x="7986" y="12278"/>
+                  <a:pt x="19203" y="16049"/>
+                  <a:pt x="28402" y="16049"/>
+                </a:cubicBezTo>
+                <a:cubicBezTo>
+                  <a:pt x="29002" y="16049"/>
+                  <a:pt x="29593" y="16033"/>
+                  <a:pt x="30174" y="16002"/>
+                </a:cubicBezTo>
+                <a:lnTo>
+                  <a:pt x="30174" y="2248"/>
+                </a:lnTo>
+                <a:cubicBezTo>
+                  <a:pt x="30174" y="1007"/>
+                  <a:pt x="29168" y="1"/>
+                  <a:pt x="27927" y="1"/>
+                </a:cubicBezTo>
+                <a:close/>
+              </a:path>
+            </a:pathLst>
+          </a:custGeom>
+          <a:solidFill>
+            <a:schemeClr val="lt2"/>
+          </a:solidFill>
+          <a:ln>
+            <a:noFill/>
+          </a:ln>
+        </p:spPr>
+        <p:txBody>
+          <a:bodyPr spcFirstLastPara="1" wrap="square" lIns="91425" tIns="91425" rIns="91425" bIns="91425" anchor="ctr" anchorCtr="0">
+            <a:noAutofit/>
+          </a:bodyPr>
+          <a:lstStyle/>
+          <a:p>
+            <a:pPr marL="0" lvl="0" indent="0" algn="l" rtl="0">
+              <a:spcBef>
+                <a:spcPts val="0"/>
+              </a:spcBef>
+              <a:spcAft>
+                <a:spcPts val="0"/>
+              </a:spcAft>
+              <a:buNone/>
+            </a:pPr>
+            <a:endParaRPr dirty="0"/>
           </a:p>
         </p:txBody>
       </p:sp>
       <p:pic>
         <p:nvPicPr>
-          <p:cNvPr id="3" name="Picture 2">
+          <p:cNvPr id="4" name="Picture 3">
             <a:extLst>
               <a:ext uri="{FF2B5EF4-FFF2-40B4-BE49-F238E27FC236}">
-                <a16:creationId xmlns:a16="http://schemas.microsoft.com/office/drawing/2014/main" id="{5642EA4B-F5EE-EC19-756B-DB113033AA00}"/>
+                <a16:creationId xmlns:a16="http://schemas.microsoft.com/office/drawing/2014/main" id="{15AB0299-ED8A-3D0B-D6CB-252045BF9207}"/>
               </a:ext>
             </a:extLst>
           </p:cNvPr>
@@ -9112,8 +9811,8 @@
         </p:blipFill>
         <p:spPr>
           <a:xfrm>
-            <a:off x="128587" y="100012"/>
-            <a:ext cx="11934825" cy="6657975"/>
+            <a:off x="0" y="0"/>
+            <a:ext cx="12192000" cy="6858000"/>
           </a:xfrm>
           <a:prstGeom prst="rect">
             <a:avLst/>
@@ -9123,7 +9822,7 @@
     </p:spTree>
     <p:extLst>
       <p:ext uri="{BB962C8B-B14F-4D97-AF65-F5344CB8AC3E}">
-        <p14:creationId xmlns:p14="http://schemas.microsoft.com/office/powerpoint/2010/main" val="1224489389"/>
+        <p14:creationId xmlns:p14="http://schemas.microsoft.com/office/powerpoint/2010/main" val="2533493602"/>
       </p:ext>
     </p:extLst>
   </p:cSld>
@@ -9133,133 +9832,6 @@
   <p:transition spd="slow">
     <p:push dir="u"/>
   </p:transition>
-  <p:timing>
-    <p:tnLst>
-      <p:par>
-        <p:cTn id="1" dur="indefinite" restart="never" nodeType="tmRoot">
-          <p:childTnLst>
-            <p:seq concurrent="1" nextAc="seek">
-              <p:cTn id="2" dur="indefinite" nodeType="mainSeq">
-                <p:childTnLst>
-                  <p:par>
-                    <p:cTn id="3" fill="hold">
-                      <p:stCondLst>
-                        <p:cond delay="indefinite"/>
-                        <p:cond evt="onBegin" delay="0">
-                          <p:tn val="2"/>
-                        </p:cond>
-                      </p:stCondLst>
-                      <p:childTnLst>
-                        <p:par>
-                          <p:cTn id="4" fill="hold">
-                            <p:stCondLst>
-                              <p:cond delay="0"/>
-                            </p:stCondLst>
-                            <p:childTnLst>
-                              <p:par>
-                                <p:cTn id="5" presetID="2" presetClass="entr" presetSubtype="8" fill="hold" grpId="0" nodeType="withEffect">
-                                  <p:stCondLst>
-                                    <p:cond delay="0"/>
-                                  </p:stCondLst>
-                                  <p:childTnLst>
-                                    <p:set>
-                                      <p:cBhvr>
-                                        <p:cTn id="6" dur="1" fill="hold">
-                                          <p:stCondLst>
-                                            <p:cond delay="0"/>
-                                          </p:stCondLst>
-                                        </p:cTn>
-                                        <p:tgtEl>
-                                          <p:spTgt spid="5"/>
-                                        </p:tgtEl>
-                                        <p:attrNameLst>
-                                          <p:attrName>style.visibility</p:attrName>
-                                        </p:attrNameLst>
-                                      </p:cBhvr>
-                                      <p:to>
-                                        <p:strVal val="visible"/>
-                                      </p:to>
-                                    </p:set>
-                                    <p:anim calcmode="lin" valueType="num">
-                                      <p:cBhvr additive="base">
-                                        <p:cTn id="7" dur="800" fill="hold"/>
-                                        <p:tgtEl>
-                                          <p:spTgt spid="5"/>
-                                        </p:tgtEl>
-                                        <p:attrNameLst>
-                                          <p:attrName>ppt_x</p:attrName>
-                                        </p:attrNameLst>
-                                      </p:cBhvr>
-                                      <p:tavLst>
-                                        <p:tav tm="0">
-                                          <p:val>
-                                            <p:strVal val="0-#ppt_w/2"/>
-                                          </p:val>
-                                        </p:tav>
-                                        <p:tav tm="100000">
-                                          <p:val>
-                                            <p:strVal val="#ppt_x"/>
-                                          </p:val>
-                                        </p:tav>
-                                      </p:tavLst>
-                                    </p:anim>
-                                    <p:anim calcmode="lin" valueType="num">
-                                      <p:cBhvr additive="base">
-                                        <p:cTn id="8" dur="800" fill="hold"/>
-                                        <p:tgtEl>
-                                          <p:spTgt spid="5"/>
-                                        </p:tgtEl>
-                                        <p:attrNameLst>
-                                          <p:attrName>ppt_y</p:attrName>
-                                        </p:attrNameLst>
-                                      </p:cBhvr>
-                                      <p:tavLst>
-                                        <p:tav tm="0">
-                                          <p:val>
-                                            <p:strVal val="#ppt_y"/>
-                                          </p:val>
-                                        </p:tav>
-                                        <p:tav tm="100000">
-                                          <p:val>
-                                            <p:strVal val="#ppt_y"/>
-                                          </p:val>
-                                        </p:tav>
-                                      </p:tavLst>
-                                    </p:anim>
-                                  </p:childTnLst>
-                                </p:cTn>
-                              </p:par>
-                            </p:childTnLst>
-                          </p:cTn>
-                        </p:par>
-                      </p:childTnLst>
-                    </p:cTn>
-                  </p:par>
-                </p:childTnLst>
-              </p:cTn>
-              <p:prevCondLst>
-                <p:cond evt="onPrev" delay="0">
-                  <p:tgtEl>
-                    <p:sldTgt/>
-                  </p:tgtEl>
-                </p:cond>
-              </p:prevCondLst>
-              <p:nextCondLst>
-                <p:cond evt="onNext" delay="0">
-                  <p:tgtEl>
-                    <p:sldTgt/>
-                  </p:tgtEl>
-                </p:cond>
-              </p:nextCondLst>
-            </p:seq>
-          </p:childTnLst>
-        </p:cTn>
-      </p:par>
-    </p:tnLst>
-    <p:bldLst>
-      <p:bldP spid="5" grpId="0"/>
-    </p:bldLst>
-  </p:timing>
 </p:sld>
 </file>
 
@@ -9282,49 +9854,162 @@
       </p:grpSpPr>
       <p:sp>
         <p:nvSpPr>
-          <p:cNvPr id="5" name="TextBox 4">
+          <p:cNvPr id="10" name="Google Shape;369;p26">
             <a:extLst>
               <a:ext uri="{FF2B5EF4-FFF2-40B4-BE49-F238E27FC236}">
-                <a16:creationId xmlns:a16="http://schemas.microsoft.com/office/drawing/2014/main" id="{A8CF9BDC-9BED-3224-30ED-092041184F9F}"/>
+                <a16:creationId xmlns:a16="http://schemas.microsoft.com/office/drawing/2014/main" id="{2DECC99E-2DE3-5658-E0D5-EE6CB62020ED}"/>
               </a:ext>
             </a:extLst>
           </p:cNvPr>
-          <p:cNvSpPr txBox="1"/>
+          <p:cNvSpPr/>
           <p:nvPr/>
         </p:nvSpPr>
         <p:spPr>
           <a:xfrm>
-            <a:off x="566901" y="452780"/>
-            <a:ext cx="6370928" cy="830997"/>
+            <a:off x="10904023" y="0"/>
+            <a:ext cx="1287977" cy="685011"/>
           </a:xfrm>
-          <a:prstGeom prst="rect">
+          <a:custGeom>
             <a:avLst/>
-          </a:prstGeom>
-          <a:noFill/>
+            <a:gdLst/>
+            <a:ahLst/>
+            <a:cxnLst/>
+            <a:rect l="l" t="t" r="r" b="b"/>
+            <a:pathLst>
+              <a:path w="30174" h="16049" extrusionOk="0">
+                <a:moveTo>
+                  <a:pt x="1" y="1"/>
+                </a:moveTo>
+                <a:cubicBezTo>
+                  <a:pt x="7986" y="12278"/>
+                  <a:pt x="19203" y="16049"/>
+                  <a:pt x="28402" y="16049"/>
+                </a:cubicBezTo>
+                <a:cubicBezTo>
+                  <a:pt x="29002" y="16049"/>
+                  <a:pt x="29593" y="16033"/>
+                  <a:pt x="30174" y="16002"/>
+                </a:cubicBezTo>
+                <a:lnTo>
+                  <a:pt x="30174" y="2248"/>
+                </a:lnTo>
+                <a:cubicBezTo>
+                  <a:pt x="30174" y="1007"/>
+                  <a:pt x="29168" y="1"/>
+                  <a:pt x="27927" y="1"/>
+                </a:cubicBezTo>
+                <a:close/>
+              </a:path>
+            </a:pathLst>
+          </a:custGeom>
+          <a:solidFill>
+            <a:schemeClr val="lt2"/>
+          </a:solidFill>
+          <a:ln>
+            <a:noFill/>
+          </a:ln>
         </p:spPr>
         <p:txBody>
-          <a:bodyPr wrap="square" rtlCol="0">
-            <a:spAutoFit/>
+          <a:bodyPr spcFirstLastPara="1" wrap="square" lIns="91425" tIns="91425" rIns="91425" bIns="91425" anchor="ctr" anchorCtr="0">
+            <a:noAutofit/>
           </a:bodyPr>
           <a:lstStyle/>
           <a:p>
-            <a:r>
-              <a:rPr lang="en-US" sz="4800" b="1" dirty="0">
-                <a:solidFill>
-                  <a:schemeClr val="bg1"/>
-                </a:solidFill>
-              </a:rPr>
-              <a:t>Dashboard</a:t>
-            </a:r>
+            <a:pPr marL="0" lvl="0" indent="0" algn="l" rtl="0">
+              <a:spcBef>
+                <a:spcPts val="0"/>
+              </a:spcBef>
+              <a:spcAft>
+                <a:spcPts val="0"/>
+              </a:spcAft>
+              <a:buNone/>
+            </a:pPr>
+            <a:endParaRPr/>
+          </a:p>
+        </p:txBody>
+      </p:sp>
+      <p:sp>
+        <p:nvSpPr>
+          <p:cNvPr id="11" name="Google Shape;368;p26">
+            <a:extLst>
+              <a:ext uri="{FF2B5EF4-FFF2-40B4-BE49-F238E27FC236}">
+                <a16:creationId xmlns:a16="http://schemas.microsoft.com/office/drawing/2014/main" id="{6C0FDBB5-4042-FC60-4C3E-70C70F59B501}"/>
+              </a:ext>
+            </a:extLst>
+          </p:cNvPr>
+          <p:cNvSpPr/>
+          <p:nvPr/>
+        </p:nvSpPr>
+        <p:spPr>
+          <a:xfrm rot="10800000">
+            <a:off x="0" y="6172989"/>
+            <a:ext cx="1287977" cy="685011"/>
+          </a:xfrm>
+          <a:custGeom>
+            <a:avLst/>
+            <a:gdLst/>
+            <a:ahLst/>
+            <a:cxnLst/>
+            <a:rect l="l" t="t" r="r" b="b"/>
+            <a:pathLst>
+              <a:path w="30174" h="16049" extrusionOk="0">
+                <a:moveTo>
+                  <a:pt x="1" y="1"/>
+                </a:moveTo>
+                <a:cubicBezTo>
+                  <a:pt x="7986" y="12278"/>
+                  <a:pt x="19203" y="16049"/>
+                  <a:pt x="28402" y="16049"/>
+                </a:cubicBezTo>
+                <a:cubicBezTo>
+                  <a:pt x="29002" y="16049"/>
+                  <a:pt x="29593" y="16033"/>
+                  <a:pt x="30174" y="16002"/>
+                </a:cubicBezTo>
+                <a:lnTo>
+                  <a:pt x="30174" y="2248"/>
+                </a:lnTo>
+                <a:cubicBezTo>
+                  <a:pt x="30174" y="1007"/>
+                  <a:pt x="29168" y="1"/>
+                  <a:pt x="27927" y="1"/>
+                </a:cubicBezTo>
+                <a:close/>
+              </a:path>
+            </a:pathLst>
+          </a:custGeom>
+          <a:solidFill>
+            <a:schemeClr val="lt2"/>
+          </a:solidFill>
+          <a:ln>
+            <a:noFill/>
+          </a:ln>
+        </p:spPr>
+        <p:txBody>
+          <a:bodyPr spcFirstLastPara="1" wrap="square" lIns="91425" tIns="91425" rIns="91425" bIns="91425" anchor="ctr" anchorCtr="0">
+            <a:noAutofit/>
+          </a:bodyPr>
+          <a:lstStyle/>
+          <a:p>
+            <a:pPr marL="0" lvl="0" indent="0" algn="l" rtl="0">
+              <a:spcBef>
+                <a:spcPts val="0"/>
+              </a:spcBef>
+              <a:spcAft>
+                <a:spcPts val="0"/>
+              </a:spcAft>
+              <a:buNone/>
+            </a:pPr>
+            <a:endParaRPr dirty="0"/>
           </a:p>
         </p:txBody>
       </p:sp>
       <p:pic>
         <p:nvPicPr>
-          <p:cNvPr id="4" name="Picture 3">
+          <p:cNvPr id="3" name="Picture 2">
             <a:extLst>
               <a:ext uri="{FF2B5EF4-FFF2-40B4-BE49-F238E27FC236}">
-                <a16:creationId xmlns:a16="http://schemas.microsoft.com/office/drawing/2014/main" id="{0CF1BCAF-F7C9-374C-3701-5F428FEC344B}"/>
+                <a16:creationId xmlns:a16="http://schemas.microsoft.com/office/drawing/2014/main" id="{28ED7654-BC83-95F0-19EB-CE61A0DA02DD}"/>
               </a:ext>
             </a:extLst>
           </p:cNvPr>
@@ -9347,8 +10032,8 @@
         </p:blipFill>
         <p:spPr>
           <a:xfrm>
-            <a:off x="142875" y="90487"/>
-            <a:ext cx="11906250" cy="6677025"/>
+            <a:off x="0" y="0"/>
+            <a:ext cx="12192000" cy="6858000"/>
           </a:xfrm>
           <a:prstGeom prst="rect">
             <a:avLst/>
@@ -9358,7 +10043,7 @@
     </p:spTree>
     <p:extLst>
       <p:ext uri="{BB962C8B-B14F-4D97-AF65-F5344CB8AC3E}">
-        <p14:creationId xmlns:p14="http://schemas.microsoft.com/office/powerpoint/2010/main" val="887375466"/>
+        <p14:creationId xmlns:p14="http://schemas.microsoft.com/office/powerpoint/2010/main" val="1273799494"/>
       </p:ext>
     </p:extLst>
   </p:cSld>
@@ -9368,133 +10053,6 @@
   <p:transition spd="slow">
     <p:push dir="u"/>
   </p:transition>
-  <p:timing>
-    <p:tnLst>
-      <p:par>
-        <p:cTn id="1" dur="indefinite" restart="never" nodeType="tmRoot">
-          <p:childTnLst>
-            <p:seq concurrent="1" nextAc="seek">
-              <p:cTn id="2" dur="indefinite" nodeType="mainSeq">
-                <p:childTnLst>
-                  <p:par>
-                    <p:cTn id="3" fill="hold">
-                      <p:stCondLst>
-                        <p:cond delay="indefinite"/>
-                        <p:cond evt="onBegin" delay="0">
-                          <p:tn val="2"/>
-                        </p:cond>
-                      </p:stCondLst>
-                      <p:childTnLst>
-                        <p:par>
-                          <p:cTn id="4" fill="hold">
-                            <p:stCondLst>
-                              <p:cond delay="0"/>
-                            </p:stCondLst>
-                            <p:childTnLst>
-                              <p:par>
-                                <p:cTn id="5" presetID="2" presetClass="entr" presetSubtype="8" fill="hold" grpId="0" nodeType="withEffect">
-                                  <p:stCondLst>
-                                    <p:cond delay="0"/>
-                                  </p:stCondLst>
-                                  <p:childTnLst>
-                                    <p:set>
-                                      <p:cBhvr>
-                                        <p:cTn id="6" dur="1" fill="hold">
-                                          <p:stCondLst>
-                                            <p:cond delay="0"/>
-                                          </p:stCondLst>
-                                        </p:cTn>
-                                        <p:tgtEl>
-                                          <p:spTgt spid="5"/>
-                                        </p:tgtEl>
-                                        <p:attrNameLst>
-                                          <p:attrName>style.visibility</p:attrName>
-                                        </p:attrNameLst>
-                                      </p:cBhvr>
-                                      <p:to>
-                                        <p:strVal val="visible"/>
-                                      </p:to>
-                                    </p:set>
-                                    <p:anim calcmode="lin" valueType="num">
-                                      <p:cBhvr additive="base">
-                                        <p:cTn id="7" dur="800" fill="hold"/>
-                                        <p:tgtEl>
-                                          <p:spTgt spid="5"/>
-                                        </p:tgtEl>
-                                        <p:attrNameLst>
-                                          <p:attrName>ppt_x</p:attrName>
-                                        </p:attrNameLst>
-                                      </p:cBhvr>
-                                      <p:tavLst>
-                                        <p:tav tm="0">
-                                          <p:val>
-                                            <p:strVal val="0-#ppt_w/2"/>
-                                          </p:val>
-                                        </p:tav>
-                                        <p:tav tm="100000">
-                                          <p:val>
-                                            <p:strVal val="#ppt_x"/>
-                                          </p:val>
-                                        </p:tav>
-                                      </p:tavLst>
-                                    </p:anim>
-                                    <p:anim calcmode="lin" valueType="num">
-                                      <p:cBhvr additive="base">
-                                        <p:cTn id="8" dur="800" fill="hold"/>
-                                        <p:tgtEl>
-                                          <p:spTgt spid="5"/>
-                                        </p:tgtEl>
-                                        <p:attrNameLst>
-                                          <p:attrName>ppt_y</p:attrName>
-                                        </p:attrNameLst>
-                                      </p:cBhvr>
-                                      <p:tavLst>
-                                        <p:tav tm="0">
-                                          <p:val>
-                                            <p:strVal val="#ppt_y"/>
-                                          </p:val>
-                                        </p:tav>
-                                        <p:tav tm="100000">
-                                          <p:val>
-                                            <p:strVal val="#ppt_y"/>
-                                          </p:val>
-                                        </p:tav>
-                                      </p:tavLst>
-                                    </p:anim>
-                                  </p:childTnLst>
-                                </p:cTn>
-                              </p:par>
-                            </p:childTnLst>
-                          </p:cTn>
-                        </p:par>
-                      </p:childTnLst>
-                    </p:cTn>
-                  </p:par>
-                </p:childTnLst>
-              </p:cTn>
-              <p:prevCondLst>
-                <p:cond evt="onPrev" delay="0">
-                  <p:tgtEl>
-                    <p:sldTgt/>
-                  </p:tgtEl>
-                </p:cond>
-              </p:prevCondLst>
-              <p:nextCondLst>
-                <p:cond evt="onNext" delay="0">
-                  <p:tgtEl>
-                    <p:sldTgt/>
-                  </p:tgtEl>
-                </p:cond>
-              </p:nextCondLst>
-            </p:seq>
-          </p:childTnLst>
-        </p:cTn>
-      </p:par>
-    </p:tnLst>
-    <p:bldLst>
-      <p:bldP spid="5" grpId="0"/>
-    </p:bldLst>
-  </p:timing>
 </p:sld>
 </file>
 
@@ -9517,49 +10075,162 @@
       </p:grpSpPr>
       <p:sp>
         <p:nvSpPr>
-          <p:cNvPr id="5" name="TextBox 4">
+          <p:cNvPr id="10" name="Google Shape;369;p26">
             <a:extLst>
               <a:ext uri="{FF2B5EF4-FFF2-40B4-BE49-F238E27FC236}">
-                <a16:creationId xmlns:a16="http://schemas.microsoft.com/office/drawing/2014/main" id="{A8CF9BDC-9BED-3224-30ED-092041184F9F}"/>
+                <a16:creationId xmlns:a16="http://schemas.microsoft.com/office/drawing/2014/main" id="{2DECC99E-2DE3-5658-E0D5-EE6CB62020ED}"/>
               </a:ext>
             </a:extLst>
           </p:cNvPr>
-          <p:cNvSpPr txBox="1"/>
+          <p:cNvSpPr/>
           <p:nvPr/>
         </p:nvSpPr>
         <p:spPr>
           <a:xfrm>
-            <a:off x="566901" y="452780"/>
-            <a:ext cx="6370928" cy="830997"/>
+            <a:off x="10904023" y="0"/>
+            <a:ext cx="1287977" cy="685011"/>
           </a:xfrm>
-          <a:prstGeom prst="rect">
+          <a:custGeom>
             <a:avLst/>
-          </a:prstGeom>
-          <a:noFill/>
+            <a:gdLst/>
+            <a:ahLst/>
+            <a:cxnLst/>
+            <a:rect l="l" t="t" r="r" b="b"/>
+            <a:pathLst>
+              <a:path w="30174" h="16049" extrusionOk="0">
+                <a:moveTo>
+                  <a:pt x="1" y="1"/>
+                </a:moveTo>
+                <a:cubicBezTo>
+                  <a:pt x="7986" y="12278"/>
+                  <a:pt x="19203" y="16049"/>
+                  <a:pt x="28402" y="16049"/>
+                </a:cubicBezTo>
+                <a:cubicBezTo>
+                  <a:pt x="29002" y="16049"/>
+                  <a:pt x="29593" y="16033"/>
+                  <a:pt x="30174" y="16002"/>
+                </a:cubicBezTo>
+                <a:lnTo>
+                  <a:pt x="30174" y="2248"/>
+                </a:lnTo>
+                <a:cubicBezTo>
+                  <a:pt x="30174" y="1007"/>
+                  <a:pt x="29168" y="1"/>
+                  <a:pt x="27927" y="1"/>
+                </a:cubicBezTo>
+                <a:close/>
+              </a:path>
+            </a:pathLst>
+          </a:custGeom>
+          <a:solidFill>
+            <a:schemeClr val="lt2"/>
+          </a:solidFill>
+          <a:ln>
+            <a:noFill/>
+          </a:ln>
         </p:spPr>
         <p:txBody>
-          <a:bodyPr wrap="square" rtlCol="0">
-            <a:spAutoFit/>
+          <a:bodyPr spcFirstLastPara="1" wrap="square" lIns="91425" tIns="91425" rIns="91425" bIns="91425" anchor="ctr" anchorCtr="0">
+            <a:noAutofit/>
           </a:bodyPr>
           <a:lstStyle/>
           <a:p>
-            <a:r>
-              <a:rPr lang="en-US" sz="4800" b="1" dirty="0">
-                <a:solidFill>
-                  <a:schemeClr val="bg1"/>
-                </a:solidFill>
-              </a:rPr>
-              <a:t>Dashboard</a:t>
-            </a:r>
+            <a:pPr marL="0" lvl="0" indent="0" algn="l" rtl="0">
+              <a:spcBef>
+                <a:spcPts val="0"/>
+              </a:spcBef>
+              <a:spcAft>
+                <a:spcPts val="0"/>
+              </a:spcAft>
+              <a:buNone/>
+            </a:pPr>
+            <a:endParaRPr/>
+          </a:p>
+        </p:txBody>
+      </p:sp>
+      <p:sp>
+        <p:nvSpPr>
+          <p:cNvPr id="11" name="Google Shape;368;p26">
+            <a:extLst>
+              <a:ext uri="{FF2B5EF4-FFF2-40B4-BE49-F238E27FC236}">
+                <a16:creationId xmlns:a16="http://schemas.microsoft.com/office/drawing/2014/main" id="{6C0FDBB5-4042-FC60-4C3E-70C70F59B501}"/>
+              </a:ext>
+            </a:extLst>
+          </p:cNvPr>
+          <p:cNvSpPr/>
+          <p:nvPr/>
+        </p:nvSpPr>
+        <p:spPr>
+          <a:xfrm rot="10800000">
+            <a:off x="0" y="6172989"/>
+            <a:ext cx="1287977" cy="685011"/>
+          </a:xfrm>
+          <a:custGeom>
+            <a:avLst/>
+            <a:gdLst/>
+            <a:ahLst/>
+            <a:cxnLst/>
+            <a:rect l="l" t="t" r="r" b="b"/>
+            <a:pathLst>
+              <a:path w="30174" h="16049" extrusionOk="0">
+                <a:moveTo>
+                  <a:pt x="1" y="1"/>
+                </a:moveTo>
+                <a:cubicBezTo>
+                  <a:pt x="7986" y="12278"/>
+                  <a:pt x="19203" y="16049"/>
+                  <a:pt x="28402" y="16049"/>
+                </a:cubicBezTo>
+                <a:cubicBezTo>
+                  <a:pt x="29002" y="16049"/>
+                  <a:pt x="29593" y="16033"/>
+                  <a:pt x="30174" y="16002"/>
+                </a:cubicBezTo>
+                <a:lnTo>
+                  <a:pt x="30174" y="2248"/>
+                </a:lnTo>
+                <a:cubicBezTo>
+                  <a:pt x="30174" y="1007"/>
+                  <a:pt x="29168" y="1"/>
+                  <a:pt x="27927" y="1"/>
+                </a:cubicBezTo>
+                <a:close/>
+              </a:path>
+            </a:pathLst>
+          </a:custGeom>
+          <a:solidFill>
+            <a:schemeClr val="lt2"/>
+          </a:solidFill>
+          <a:ln>
+            <a:noFill/>
+          </a:ln>
+        </p:spPr>
+        <p:txBody>
+          <a:bodyPr spcFirstLastPara="1" wrap="square" lIns="91425" tIns="91425" rIns="91425" bIns="91425" anchor="ctr" anchorCtr="0">
+            <a:noAutofit/>
+          </a:bodyPr>
+          <a:lstStyle/>
+          <a:p>
+            <a:pPr marL="0" lvl="0" indent="0" algn="l" rtl="0">
+              <a:spcBef>
+                <a:spcPts val="0"/>
+              </a:spcBef>
+              <a:spcAft>
+                <a:spcPts val="0"/>
+              </a:spcAft>
+              <a:buNone/>
+            </a:pPr>
+            <a:endParaRPr dirty="0"/>
           </a:p>
         </p:txBody>
       </p:sp>
       <p:pic>
         <p:nvPicPr>
-          <p:cNvPr id="3" name="Picture 2">
+          <p:cNvPr id="4" name="Picture 3">
             <a:extLst>
               <a:ext uri="{FF2B5EF4-FFF2-40B4-BE49-F238E27FC236}">
-                <a16:creationId xmlns:a16="http://schemas.microsoft.com/office/drawing/2014/main" id="{638161C3-2525-33CB-1BA1-F67B45523ED3}"/>
+                <a16:creationId xmlns:a16="http://schemas.microsoft.com/office/drawing/2014/main" id="{0E0E5711-0386-2C8F-B386-9BF00D194AFB}"/>
               </a:ext>
             </a:extLst>
           </p:cNvPr>
@@ -9582,8 +10253,8 @@
         </p:blipFill>
         <p:spPr>
           <a:xfrm>
-            <a:off x="114300" y="104775"/>
-            <a:ext cx="11963400" cy="6648450"/>
+            <a:off x="0" y="0"/>
+            <a:ext cx="12192000" cy="6858000"/>
           </a:xfrm>
           <a:prstGeom prst="rect">
             <a:avLst/>
@@ -9593,7 +10264,7 @@
     </p:spTree>
     <p:extLst>
       <p:ext uri="{BB962C8B-B14F-4D97-AF65-F5344CB8AC3E}">
-        <p14:creationId xmlns:p14="http://schemas.microsoft.com/office/powerpoint/2010/main" val="4075236949"/>
+        <p14:creationId xmlns:p14="http://schemas.microsoft.com/office/powerpoint/2010/main" val="2985816026"/>
       </p:ext>
     </p:extLst>
   </p:cSld>
@@ -9603,133 +10274,6 @@
   <p:transition spd="slow">
     <p:push dir="u"/>
   </p:transition>
-  <p:timing>
-    <p:tnLst>
-      <p:par>
-        <p:cTn id="1" dur="indefinite" restart="never" nodeType="tmRoot">
-          <p:childTnLst>
-            <p:seq concurrent="1" nextAc="seek">
-              <p:cTn id="2" dur="indefinite" nodeType="mainSeq">
-                <p:childTnLst>
-                  <p:par>
-                    <p:cTn id="3" fill="hold">
-                      <p:stCondLst>
-                        <p:cond delay="indefinite"/>
-                        <p:cond evt="onBegin" delay="0">
-                          <p:tn val="2"/>
-                        </p:cond>
-                      </p:stCondLst>
-                      <p:childTnLst>
-                        <p:par>
-                          <p:cTn id="4" fill="hold">
-                            <p:stCondLst>
-                              <p:cond delay="0"/>
-                            </p:stCondLst>
-                            <p:childTnLst>
-                              <p:par>
-                                <p:cTn id="5" presetID="2" presetClass="entr" presetSubtype="8" fill="hold" grpId="0" nodeType="withEffect">
-                                  <p:stCondLst>
-                                    <p:cond delay="0"/>
-                                  </p:stCondLst>
-                                  <p:childTnLst>
-                                    <p:set>
-                                      <p:cBhvr>
-                                        <p:cTn id="6" dur="1" fill="hold">
-                                          <p:stCondLst>
-                                            <p:cond delay="0"/>
-                                          </p:stCondLst>
-                                        </p:cTn>
-                                        <p:tgtEl>
-                                          <p:spTgt spid="5"/>
-                                        </p:tgtEl>
-                                        <p:attrNameLst>
-                                          <p:attrName>style.visibility</p:attrName>
-                                        </p:attrNameLst>
-                                      </p:cBhvr>
-                                      <p:to>
-                                        <p:strVal val="visible"/>
-                                      </p:to>
-                                    </p:set>
-                                    <p:anim calcmode="lin" valueType="num">
-                                      <p:cBhvr additive="base">
-                                        <p:cTn id="7" dur="800" fill="hold"/>
-                                        <p:tgtEl>
-                                          <p:spTgt spid="5"/>
-                                        </p:tgtEl>
-                                        <p:attrNameLst>
-                                          <p:attrName>ppt_x</p:attrName>
-                                        </p:attrNameLst>
-                                      </p:cBhvr>
-                                      <p:tavLst>
-                                        <p:tav tm="0">
-                                          <p:val>
-                                            <p:strVal val="0-#ppt_w/2"/>
-                                          </p:val>
-                                        </p:tav>
-                                        <p:tav tm="100000">
-                                          <p:val>
-                                            <p:strVal val="#ppt_x"/>
-                                          </p:val>
-                                        </p:tav>
-                                      </p:tavLst>
-                                    </p:anim>
-                                    <p:anim calcmode="lin" valueType="num">
-                                      <p:cBhvr additive="base">
-                                        <p:cTn id="8" dur="800" fill="hold"/>
-                                        <p:tgtEl>
-                                          <p:spTgt spid="5"/>
-                                        </p:tgtEl>
-                                        <p:attrNameLst>
-                                          <p:attrName>ppt_y</p:attrName>
-                                        </p:attrNameLst>
-                                      </p:cBhvr>
-                                      <p:tavLst>
-                                        <p:tav tm="0">
-                                          <p:val>
-                                            <p:strVal val="#ppt_y"/>
-                                          </p:val>
-                                        </p:tav>
-                                        <p:tav tm="100000">
-                                          <p:val>
-                                            <p:strVal val="#ppt_y"/>
-                                          </p:val>
-                                        </p:tav>
-                                      </p:tavLst>
-                                    </p:anim>
-                                  </p:childTnLst>
-                                </p:cTn>
-                              </p:par>
-                            </p:childTnLst>
-                          </p:cTn>
-                        </p:par>
-                      </p:childTnLst>
-                    </p:cTn>
-                  </p:par>
-                </p:childTnLst>
-              </p:cTn>
-              <p:prevCondLst>
-                <p:cond evt="onPrev" delay="0">
-                  <p:tgtEl>
-                    <p:sldTgt/>
-                  </p:tgtEl>
-                </p:cond>
-              </p:prevCondLst>
-              <p:nextCondLst>
-                <p:cond evt="onNext" delay="0">
-                  <p:tgtEl>
-                    <p:sldTgt/>
-                  </p:tgtEl>
-                </p:cond>
-              </p:nextCondLst>
-            </p:seq>
-          </p:childTnLst>
-        </p:cTn>
-      </p:par>
-    </p:tnLst>
-    <p:bldLst>
-      <p:bldP spid="5" grpId="0"/>
-    </p:bldLst>
-  </p:timing>
 </p:sld>
 </file>
 
@@ -9752,49 +10296,162 @@
       </p:grpSpPr>
       <p:sp>
         <p:nvSpPr>
-          <p:cNvPr id="5" name="TextBox 4">
+          <p:cNvPr id="10" name="Google Shape;369;p26">
             <a:extLst>
               <a:ext uri="{FF2B5EF4-FFF2-40B4-BE49-F238E27FC236}">
-                <a16:creationId xmlns:a16="http://schemas.microsoft.com/office/drawing/2014/main" id="{A8CF9BDC-9BED-3224-30ED-092041184F9F}"/>
+                <a16:creationId xmlns:a16="http://schemas.microsoft.com/office/drawing/2014/main" id="{2DECC99E-2DE3-5658-E0D5-EE6CB62020ED}"/>
               </a:ext>
             </a:extLst>
           </p:cNvPr>
-          <p:cNvSpPr txBox="1"/>
+          <p:cNvSpPr/>
           <p:nvPr/>
         </p:nvSpPr>
         <p:spPr>
           <a:xfrm>
-            <a:off x="566901" y="452780"/>
-            <a:ext cx="6370928" cy="830997"/>
+            <a:off x="10904023" y="0"/>
+            <a:ext cx="1287977" cy="685011"/>
           </a:xfrm>
-          <a:prstGeom prst="rect">
+          <a:custGeom>
             <a:avLst/>
-          </a:prstGeom>
-          <a:noFill/>
+            <a:gdLst/>
+            <a:ahLst/>
+            <a:cxnLst/>
+            <a:rect l="l" t="t" r="r" b="b"/>
+            <a:pathLst>
+              <a:path w="30174" h="16049" extrusionOk="0">
+                <a:moveTo>
+                  <a:pt x="1" y="1"/>
+                </a:moveTo>
+                <a:cubicBezTo>
+                  <a:pt x="7986" y="12278"/>
+                  <a:pt x="19203" y="16049"/>
+                  <a:pt x="28402" y="16049"/>
+                </a:cubicBezTo>
+                <a:cubicBezTo>
+                  <a:pt x="29002" y="16049"/>
+                  <a:pt x="29593" y="16033"/>
+                  <a:pt x="30174" y="16002"/>
+                </a:cubicBezTo>
+                <a:lnTo>
+                  <a:pt x="30174" y="2248"/>
+                </a:lnTo>
+                <a:cubicBezTo>
+                  <a:pt x="30174" y="1007"/>
+                  <a:pt x="29168" y="1"/>
+                  <a:pt x="27927" y="1"/>
+                </a:cubicBezTo>
+                <a:close/>
+              </a:path>
+            </a:pathLst>
+          </a:custGeom>
+          <a:solidFill>
+            <a:schemeClr val="lt2"/>
+          </a:solidFill>
+          <a:ln>
+            <a:noFill/>
+          </a:ln>
         </p:spPr>
         <p:txBody>
-          <a:bodyPr wrap="square" rtlCol="0">
-            <a:spAutoFit/>
+          <a:bodyPr spcFirstLastPara="1" wrap="square" lIns="91425" tIns="91425" rIns="91425" bIns="91425" anchor="ctr" anchorCtr="0">
+            <a:noAutofit/>
           </a:bodyPr>
           <a:lstStyle/>
           <a:p>
-            <a:r>
-              <a:rPr lang="en-US" sz="4800" b="1" dirty="0">
-                <a:solidFill>
-                  <a:schemeClr val="bg1"/>
-                </a:solidFill>
-              </a:rPr>
-              <a:t>Dashboard</a:t>
-            </a:r>
+            <a:pPr marL="0" lvl="0" indent="0" algn="l" rtl="0">
+              <a:spcBef>
+                <a:spcPts val="0"/>
+              </a:spcBef>
+              <a:spcAft>
+                <a:spcPts val="0"/>
+              </a:spcAft>
+              <a:buNone/>
+            </a:pPr>
+            <a:endParaRPr/>
+          </a:p>
+        </p:txBody>
+      </p:sp>
+      <p:sp>
+        <p:nvSpPr>
+          <p:cNvPr id="11" name="Google Shape;368;p26">
+            <a:extLst>
+              <a:ext uri="{FF2B5EF4-FFF2-40B4-BE49-F238E27FC236}">
+                <a16:creationId xmlns:a16="http://schemas.microsoft.com/office/drawing/2014/main" id="{6C0FDBB5-4042-FC60-4C3E-70C70F59B501}"/>
+              </a:ext>
+            </a:extLst>
+          </p:cNvPr>
+          <p:cNvSpPr/>
+          <p:nvPr/>
+        </p:nvSpPr>
+        <p:spPr>
+          <a:xfrm rot="10800000">
+            <a:off x="0" y="6172989"/>
+            <a:ext cx="1287977" cy="685011"/>
+          </a:xfrm>
+          <a:custGeom>
+            <a:avLst/>
+            <a:gdLst/>
+            <a:ahLst/>
+            <a:cxnLst/>
+            <a:rect l="l" t="t" r="r" b="b"/>
+            <a:pathLst>
+              <a:path w="30174" h="16049" extrusionOk="0">
+                <a:moveTo>
+                  <a:pt x="1" y="1"/>
+                </a:moveTo>
+                <a:cubicBezTo>
+                  <a:pt x="7986" y="12278"/>
+                  <a:pt x="19203" y="16049"/>
+                  <a:pt x="28402" y="16049"/>
+                </a:cubicBezTo>
+                <a:cubicBezTo>
+                  <a:pt x="29002" y="16049"/>
+                  <a:pt x="29593" y="16033"/>
+                  <a:pt x="30174" y="16002"/>
+                </a:cubicBezTo>
+                <a:lnTo>
+                  <a:pt x="30174" y="2248"/>
+                </a:lnTo>
+                <a:cubicBezTo>
+                  <a:pt x="30174" y="1007"/>
+                  <a:pt x="29168" y="1"/>
+                  <a:pt x="27927" y="1"/>
+                </a:cubicBezTo>
+                <a:close/>
+              </a:path>
+            </a:pathLst>
+          </a:custGeom>
+          <a:solidFill>
+            <a:schemeClr val="lt2"/>
+          </a:solidFill>
+          <a:ln>
+            <a:noFill/>
+          </a:ln>
+        </p:spPr>
+        <p:txBody>
+          <a:bodyPr spcFirstLastPara="1" wrap="square" lIns="91425" tIns="91425" rIns="91425" bIns="91425" anchor="ctr" anchorCtr="0">
+            <a:noAutofit/>
+          </a:bodyPr>
+          <a:lstStyle/>
+          <a:p>
+            <a:pPr marL="0" lvl="0" indent="0" algn="l" rtl="0">
+              <a:spcBef>
+                <a:spcPts val="0"/>
+              </a:spcBef>
+              <a:spcAft>
+                <a:spcPts val="0"/>
+              </a:spcAft>
+              <a:buNone/>
+            </a:pPr>
+            <a:endParaRPr dirty="0"/>
           </a:p>
         </p:txBody>
       </p:sp>
       <p:pic>
         <p:nvPicPr>
-          <p:cNvPr id="4" name="Picture 3">
+          <p:cNvPr id="3" name="Picture 2">
             <a:extLst>
               <a:ext uri="{FF2B5EF4-FFF2-40B4-BE49-F238E27FC236}">
-                <a16:creationId xmlns:a16="http://schemas.microsoft.com/office/drawing/2014/main" id="{A2C6007C-7B5E-BE35-BA98-D03D548E705D}"/>
+                <a16:creationId xmlns:a16="http://schemas.microsoft.com/office/drawing/2014/main" id="{93E2DBA2-847A-A680-56C7-61A5DF412DAB}"/>
               </a:ext>
             </a:extLst>
           </p:cNvPr>
@@ -9817,8 +10474,8 @@
         </p:blipFill>
         <p:spPr>
           <a:xfrm>
-            <a:off x="133350" y="119062"/>
-            <a:ext cx="11925300" cy="6619875"/>
+            <a:off x="0" y="0"/>
+            <a:ext cx="12192000" cy="6858000"/>
           </a:xfrm>
           <a:prstGeom prst="rect">
             <a:avLst/>
@@ -9828,7 +10485,7 @@
     </p:spTree>
     <p:extLst>
       <p:ext uri="{BB962C8B-B14F-4D97-AF65-F5344CB8AC3E}">
-        <p14:creationId xmlns:p14="http://schemas.microsoft.com/office/powerpoint/2010/main" val="4044697356"/>
+        <p14:creationId xmlns:p14="http://schemas.microsoft.com/office/powerpoint/2010/main" val="1710961169"/>
       </p:ext>
     </p:extLst>
   </p:cSld>
@@ -9838,133 +10495,6 @@
   <p:transition spd="slow">
     <p:push dir="u"/>
   </p:transition>
-  <p:timing>
-    <p:tnLst>
-      <p:par>
-        <p:cTn id="1" dur="indefinite" restart="never" nodeType="tmRoot">
-          <p:childTnLst>
-            <p:seq concurrent="1" nextAc="seek">
-              <p:cTn id="2" dur="indefinite" nodeType="mainSeq">
-                <p:childTnLst>
-                  <p:par>
-                    <p:cTn id="3" fill="hold">
-                      <p:stCondLst>
-                        <p:cond delay="indefinite"/>
-                        <p:cond evt="onBegin" delay="0">
-                          <p:tn val="2"/>
-                        </p:cond>
-                      </p:stCondLst>
-                      <p:childTnLst>
-                        <p:par>
-                          <p:cTn id="4" fill="hold">
-                            <p:stCondLst>
-                              <p:cond delay="0"/>
-                            </p:stCondLst>
-                            <p:childTnLst>
-                              <p:par>
-                                <p:cTn id="5" presetID="2" presetClass="entr" presetSubtype="8" fill="hold" grpId="0" nodeType="withEffect">
-                                  <p:stCondLst>
-                                    <p:cond delay="0"/>
-                                  </p:stCondLst>
-                                  <p:childTnLst>
-                                    <p:set>
-                                      <p:cBhvr>
-                                        <p:cTn id="6" dur="1" fill="hold">
-                                          <p:stCondLst>
-                                            <p:cond delay="0"/>
-                                          </p:stCondLst>
-                                        </p:cTn>
-                                        <p:tgtEl>
-                                          <p:spTgt spid="5"/>
-                                        </p:tgtEl>
-                                        <p:attrNameLst>
-                                          <p:attrName>style.visibility</p:attrName>
-                                        </p:attrNameLst>
-                                      </p:cBhvr>
-                                      <p:to>
-                                        <p:strVal val="visible"/>
-                                      </p:to>
-                                    </p:set>
-                                    <p:anim calcmode="lin" valueType="num">
-                                      <p:cBhvr additive="base">
-                                        <p:cTn id="7" dur="800" fill="hold"/>
-                                        <p:tgtEl>
-                                          <p:spTgt spid="5"/>
-                                        </p:tgtEl>
-                                        <p:attrNameLst>
-                                          <p:attrName>ppt_x</p:attrName>
-                                        </p:attrNameLst>
-                                      </p:cBhvr>
-                                      <p:tavLst>
-                                        <p:tav tm="0">
-                                          <p:val>
-                                            <p:strVal val="0-#ppt_w/2"/>
-                                          </p:val>
-                                        </p:tav>
-                                        <p:tav tm="100000">
-                                          <p:val>
-                                            <p:strVal val="#ppt_x"/>
-                                          </p:val>
-                                        </p:tav>
-                                      </p:tavLst>
-                                    </p:anim>
-                                    <p:anim calcmode="lin" valueType="num">
-                                      <p:cBhvr additive="base">
-                                        <p:cTn id="8" dur="800" fill="hold"/>
-                                        <p:tgtEl>
-                                          <p:spTgt spid="5"/>
-                                        </p:tgtEl>
-                                        <p:attrNameLst>
-                                          <p:attrName>ppt_y</p:attrName>
-                                        </p:attrNameLst>
-                                      </p:cBhvr>
-                                      <p:tavLst>
-                                        <p:tav tm="0">
-                                          <p:val>
-                                            <p:strVal val="#ppt_y"/>
-                                          </p:val>
-                                        </p:tav>
-                                        <p:tav tm="100000">
-                                          <p:val>
-                                            <p:strVal val="#ppt_y"/>
-                                          </p:val>
-                                        </p:tav>
-                                      </p:tavLst>
-                                    </p:anim>
-                                  </p:childTnLst>
-                                </p:cTn>
-                              </p:par>
-                            </p:childTnLst>
-                          </p:cTn>
-                        </p:par>
-                      </p:childTnLst>
-                    </p:cTn>
-                  </p:par>
-                </p:childTnLst>
-              </p:cTn>
-              <p:prevCondLst>
-                <p:cond evt="onPrev" delay="0">
-                  <p:tgtEl>
-                    <p:sldTgt/>
-                  </p:tgtEl>
-                </p:cond>
-              </p:prevCondLst>
-              <p:nextCondLst>
-                <p:cond evt="onNext" delay="0">
-                  <p:tgtEl>
-                    <p:sldTgt/>
-                  </p:tgtEl>
-                </p:cond>
-              </p:nextCondLst>
-            </p:seq>
-          </p:childTnLst>
-        </p:cTn>
-      </p:par>
-    </p:tnLst>
-    <p:bldLst>
-      <p:bldP spid="5" grpId="0"/>
-    </p:bldLst>
-  </p:timing>
 </p:sld>
 </file>
 
@@ -13127,7 +13657,7 @@
                 <a:buNone/>
               </a:pPr>
               <a:r>
-                <a:rPr lang="en" sz="2000" b="1" dirty="0">
+                <a:rPr lang="en-US" sz="2000" b="1" dirty="0">
                   <a:solidFill>
                     <a:srgbClr val="2B4B82"/>
                   </a:solidFill>
@@ -13135,53 +13665,7 @@
                   <a:cs typeface="Calibri" panose="020F0502020204030204" pitchFamily="34" charset="0"/>
                   <a:sym typeface="Fira Sans Extra Condensed Medium"/>
                 </a:rPr>
-                <a:t>Powe</a:t>
-              </a:r>
-              <a:r>
-                <a:rPr lang="en" sz="1700" dirty="0">
-                  <a:solidFill>
-                    <a:srgbClr val="434343"/>
-                  </a:solidFill>
-                  <a:latin typeface="Fira Sans Extra Condensed Medium"/>
-                  <a:ea typeface="Fira Sans Extra Condensed Medium"/>
-                  <a:cs typeface="Fira Sans Extra Condensed Medium"/>
-                  <a:sym typeface="Fira Sans Extra Condensed Medium"/>
-                </a:rPr>
-                <a:t> </a:t>
-              </a:r>
-              <a:r>
-                <a:rPr lang="en" sz="2000" b="1" dirty="0">
-                  <a:solidFill>
-                    <a:srgbClr val="2B4B82"/>
-                  </a:solidFill>
-                  <a:latin typeface="Calibri" panose="020F0502020204030204" pitchFamily="34" charset="0"/>
-                  <a:cs typeface="Calibri" panose="020F0502020204030204" pitchFamily="34" charset="0"/>
-                  <a:sym typeface="Fira Sans Extra Condensed Medium"/>
-                </a:rPr>
-                <a:t>BI</a:t>
-              </a:r>
-              <a:r>
-                <a:rPr lang="en" sz="1700" dirty="0">
-                  <a:solidFill>
-                    <a:srgbClr val="434343"/>
-                  </a:solidFill>
-                  <a:latin typeface="Fira Sans Extra Condensed Medium"/>
-                  <a:ea typeface="Fira Sans Extra Condensed Medium"/>
-                  <a:cs typeface="Fira Sans Extra Condensed Medium"/>
-                  <a:sym typeface="Fira Sans Extra Condensed Medium"/>
-                </a:rPr>
-                <a:t> </a:t>
-              </a:r>
-              <a:r>
-                <a:rPr lang="en" sz="2000" b="1" dirty="0">
-                  <a:solidFill>
-                    <a:srgbClr val="2B4B82"/>
-                  </a:solidFill>
-                  <a:latin typeface="Calibri" panose="020F0502020204030204" pitchFamily="34" charset="0"/>
-                  <a:cs typeface="Calibri" panose="020F0502020204030204" pitchFamily="34" charset="0"/>
-                  <a:sym typeface="Fira Sans Extra Condensed Medium"/>
-                </a:rPr>
-                <a:t>Dashboard</a:t>
+                <a:t>Website</a:t>
               </a:r>
               <a:endParaRPr sz="2000" b="1" dirty="0">
                 <a:solidFill>
@@ -16963,7 +17447,53 @@
                   <a:cs typeface="Calibri" panose="020F0502020204030204" pitchFamily="34" charset="0"/>
                   <a:sym typeface="Fira Sans Extra Condensed Medium"/>
                 </a:rPr>
-                <a:t>Website</a:t>
+                <a:t>Powe</a:t>
+              </a:r>
+              <a:r>
+                <a:rPr lang="en" sz="1700" dirty="0">
+                  <a:solidFill>
+                    <a:srgbClr val="434343"/>
+                  </a:solidFill>
+                  <a:latin typeface="Fira Sans Extra Condensed Medium"/>
+                  <a:ea typeface="Fira Sans Extra Condensed Medium"/>
+                  <a:cs typeface="Fira Sans Extra Condensed Medium"/>
+                  <a:sym typeface="Fira Sans Extra Condensed Medium"/>
+                </a:rPr>
+                <a:t> </a:t>
+              </a:r>
+              <a:r>
+                <a:rPr lang="en" sz="2000" b="1" dirty="0">
+                  <a:solidFill>
+                    <a:srgbClr val="2B4B82"/>
+                  </a:solidFill>
+                  <a:latin typeface="Calibri" panose="020F0502020204030204" pitchFamily="34" charset="0"/>
+                  <a:cs typeface="Calibri" panose="020F0502020204030204" pitchFamily="34" charset="0"/>
+                  <a:sym typeface="Fira Sans Extra Condensed Medium"/>
+                </a:rPr>
+                <a:t>BI</a:t>
+              </a:r>
+              <a:r>
+                <a:rPr lang="en" sz="1700" dirty="0">
+                  <a:solidFill>
+                    <a:srgbClr val="434343"/>
+                  </a:solidFill>
+                  <a:latin typeface="Fira Sans Extra Condensed Medium"/>
+                  <a:ea typeface="Fira Sans Extra Condensed Medium"/>
+                  <a:cs typeface="Fira Sans Extra Condensed Medium"/>
+                  <a:sym typeface="Fira Sans Extra Condensed Medium"/>
+                </a:rPr>
+                <a:t> </a:t>
+              </a:r>
+              <a:r>
+                <a:rPr lang="en" sz="2000" b="1" dirty="0">
+                  <a:solidFill>
+                    <a:srgbClr val="2B4B82"/>
+                  </a:solidFill>
+                  <a:latin typeface="Calibri" panose="020F0502020204030204" pitchFamily="34" charset="0"/>
+                  <a:cs typeface="Calibri" panose="020F0502020204030204" pitchFamily="34" charset="0"/>
+                  <a:sym typeface="Fira Sans Extra Condensed Medium"/>
+                </a:rPr>
+                <a:t>Dashboard</a:t>
               </a:r>
               <a:endParaRPr sz="2000" b="1" dirty="0">
                 <a:solidFill>
@@ -18380,49 +18910,162 @@
       </p:grpSpPr>
       <p:sp>
         <p:nvSpPr>
-          <p:cNvPr id="5" name="TextBox 4">
+          <p:cNvPr id="10" name="Google Shape;369;p26">
             <a:extLst>
               <a:ext uri="{FF2B5EF4-FFF2-40B4-BE49-F238E27FC236}">
-                <a16:creationId xmlns:a16="http://schemas.microsoft.com/office/drawing/2014/main" id="{A8CF9BDC-9BED-3224-30ED-092041184F9F}"/>
+                <a16:creationId xmlns:a16="http://schemas.microsoft.com/office/drawing/2014/main" id="{2DECC99E-2DE3-5658-E0D5-EE6CB62020ED}"/>
               </a:ext>
             </a:extLst>
           </p:cNvPr>
-          <p:cNvSpPr txBox="1"/>
+          <p:cNvSpPr/>
           <p:nvPr/>
         </p:nvSpPr>
         <p:spPr>
           <a:xfrm>
-            <a:off x="566901" y="452780"/>
-            <a:ext cx="6370928" cy="830997"/>
+            <a:off x="10904023" y="0"/>
+            <a:ext cx="1287977" cy="685011"/>
           </a:xfrm>
-          <a:prstGeom prst="rect">
+          <a:custGeom>
             <a:avLst/>
-          </a:prstGeom>
-          <a:noFill/>
+            <a:gdLst/>
+            <a:ahLst/>
+            <a:cxnLst/>
+            <a:rect l="l" t="t" r="r" b="b"/>
+            <a:pathLst>
+              <a:path w="30174" h="16049" extrusionOk="0">
+                <a:moveTo>
+                  <a:pt x="1" y="1"/>
+                </a:moveTo>
+                <a:cubicBezTo>
+                  <a:pt x="7986" y="12278"/>
+                  <a:pt x="19203" y="16049"/>
+                  <a:pt x="28402" y="16049"/>
+                </a:cubicBezTo>
+                <a:cubicBezTo>
+                  <a:pt x="29002" y="16049"/>
+                  <a:pt x="29593" y="16033"/>
+                  <a:pt x="30174" y="16002"/>
+                </a:cubicBezTo>
+                <a:lnTo>
+                  <a:pt x="30174" y="2248"/>
+                </a:lnTo>
+                <a:cubicBezTo>
+                  <a:pt x="30174" y="1007"/>
+                  <a:pt x="29168" y="1"/>
+                  <a:pt x="27927" y="1"/>
+                </a:cubicBezTo>
+                <a:close/>
+              </a:path>
+            </a:pathLst>
+          </a:custGeom>
+          <a:solidFill>
+            <a:schemeClr val="lt2"/>
+          </a:solidFill>
+          <a:ln>
+            <a:noFill/>
+          </a:ln>
         </p:spPr>
         <p:txBody>
-          <a:bodyPr wrap="square" rtlCol="0">
-            <a:spAutoFit/>
+          <a:bodyPr spcFirstLastPara="1" wrap="square" lIns="91425" tIns="91425" rIns="91425" bIns="91425" anchor="ctr" anchorCtr="0">
+            <a:noAutofit/>
           </a:bodyPr>
           <a:lstStyle/>
           <a:p>
-            <a:r>
-              <a:rPr lang="en-US" sz="4800" b="1" dirty="0">
-                <a:solidFill>
-                  <a:schemeClr val="bg1"/>
-                </a:solidFill>
-              </a:rPr>
-              <a:t>Dashboard</a:t>
-            </a:r>
+            <a:pPr marL="0" lvl="0" indent="0" algn="l" rtl="0">
+              <a:spcBef>
+                <a:spcPts val="0"/>
+              </a:spcBef>
+              <a:spcAft>
+                <a:spcPts val="0"/>
+              </a:spcAft>
+              <a:buNone/>
+            </a:pPr>
+            <a:endParaRPr/>
+          </a:p>
+        </p:txBody>
+      </p:sp>
+      <p:sp>
+        <p:nvSpPr>
+          <p:cNvPr id="11" name="Google Shape;368;p26">
+            <a:extLst>
+              <a:ext uri="{FF2B5EF4-FFF2-40B4-BE49-F238E27FC236}">
+                <a16:creationId xmlns:a16="http://schemas.microsoft.com/office/drawing/2014/main" id="{6C0FDBB5-4042-FC60-4C3E-70C70F59B501}"/>
+              </a:ext>
+            </a:extLst>
+          </p:cNvPr>
+          <p:cNvSpPr/>
+          <p:nvPr/>
+        </p:nvSpPr>
+        <p:spPr>
+          <a:xfrm rot="10800000">
+            <a:off x="0" y="6172989"/>
+            <a:ext cx="1287977" cy="685011"/>
+          </a:xfrm>
+          <a:custGeom>
+            <a:avLst/>
+            <a:gdLst/>
+            <a:ahLst/>
+            <a:cxnLst/>
+            <a:rect l="l" t="t" r="r" b="b"/>
+            <a:pathLst>
+              <a:path w="30174" h="16049" extrusionOk="0">
+                <a:moveTo>
+                  <a:pt x="1" y="1"/>
+                </a:moveTo>
+                <a:cubicBezTo>
+                  <a:pt x="7986" y="12278"/>
+                  <a:pt x="19203" y="16049"/>
+                  <a:pt x="28402" y="16049"/>
+                </a:cubicBezTo>
+                <a:cubicBezTo>
+                  <a:pt x="29002" y="16049"/>
+                  <a:pt x="29593" y="16033"/>
+                  <a:pt x="30174" y="16002"/>
+                </a:cubicBezTo>
+                <a:lnTo>
+                  <a:pt x="30174" y="2248"/>
+                </a:lnTo>
+                <a:cubicBezTo>
+                  <a:pt x="30174" y="1007"/>
+                  <a:pt x="29168" y="1"/>
+                  <a:pt x="27927" y="1"/>
+                </a:cubicBezTo>
+                <a:close/>
+              </a:path>
+            </a:pathLst>
+          </a:custGeom>
+          <a:solidFill>
+            <a:schemeClr val="lt2"/>
+          </a:solidFill>
+          <a:ln>
+            <a:noFill/>
+          </a:ln>
+        </p:spPr>
+        <p:txBody>
+          <a:bodyPr spcFirstLastPara="1" wrap="square" lIns="91425" tIns="91425" rIns="91425" bIns="91425" anchor="ctr" anchorCtr="0">
+            <a:noAutofit/>
+          </a:bodyPr>
+          <a:lstStyle/>
+          <a:p>
+            <a:pPr marL="0" lvl="0" indent="0" algn="l" rtl="0">
+              <a:spcBef>
+                <a:spcPts val="0"/>
+              </a:spcBef>
+              <a:spcAft>
+                <a:spcPts val="0"/>
+              </a:spcAft>
+              <a:buNone/>
+            </a:pPr>
+            <a:endParaRPr dirty="0"/>
           </a:p>
         </p:txBody>
       </p:sp>
       <p:pic>
         <p:nvPicPr>
-          <p:cNvPr id="3" name="Picture 2">
+          <p:cNvPr id="4" name="Picture 3">
             <a:extLst>
               <a:ext uri="{FF2B5EF4-FFF2-40B4-BE49-F238E27FC236}">
-                <a16:creationId xmlns:a16="http://schemas.microsoft.com/office/drawing/2014/main" id="{0D7CA273-3DE8-3821-6652-AFAC6D7C87BF}"/>
+                <a16:creationId xmlns:a16="http://schemas.microsoft.com/office/drawing/2014/main" id="{B5CC9539-4714-4627-F3F0-6E921FD7D23B}"/>
               </a:ext>
             </a:extLst>
           </p:cNvPr>
@@ -18445,8 +19088,8 @@
         </p:blipFill>
         <p:spPr>
           <a:xfrm>
-            <a:off x="114300" y="100012"/>
-            <a:ext cx="11963400" cy="6657975"/>
+            <a:off x="0" y="0"/>
+            <a:ext cx="12192000" cy="6858000"/>
           </a:xfrm>
           <a:prstGeom prst="rect">
             <a:avLst/>
@@ -18456,7 +19099,7 @@
     </p:spTree>
     <p:extLst>
       <p:ext uri="{BB962C8B-B14F-4D97-AF65-F5344CB8AC3E}">
-        <p14:creationId xmlns:p14="http://schemas.microsoft.com/office/powerpoint/2010/main" val="2794088094"/>
+        <p14:creationId xmlns:p14="http://schemas.microsoft.com/office/powerpoint/2010/main" val="4207028475"/>
       </p:ext>
     </p:extLst>
   </p:cSld>
@@ -18466,133 +19109,6 @@
   <p:transition spd="slow">
     <p:push dir="u"/>
   </p:transition>
-  <p:timing>
-    <p:tnLst>
-      <p:par>
-        <p:cTn id="1" dur="indefinite" restart="never" nodeType="tmRoot">
-          <p:childTnLst>
-            <p:seq concurrent="1" nextAc="seek">
-              <p:cTn id="2" dur="indefinite" nodeType="mainSeq">
-                <p:childTnLst>
-                  <p:par>
-                    <p:cTn id="3" fill="hold">
-                      <p:stCondLst>
-                        <p:cond delay="indefinite"/>
-                        <p:cond evt="onBegin" delay="0">
-                          <p:tn val="2"/>
-                        </p:cond>
-                      </p:stCondLst>
-                      <p:childTnLst>
-                        <p:par>
-                          <p:cTn id="4" fill="hold">
-                            <p:stCondLst>
-                              <p:cond delay="0"/>
-                            </p:stCondLst>
-                            <p:childTnLst>
-                              <p:par>
-                                <p:cTn id="5" presetID="2" presetClass="entr" presetSubtype="8" fill="hold" grpId="0" nodeType="withEffect">
-                                  <p:stCondLst>
-                                    <p:cond delay="0"/>
-                                  </p:stCondLst>
-                                  <p:childTnLst>
-                                    <p:set>
-                                      <p:cBhvr>
-                                        <p:cTn id="6" dur="1" fill="hold">
-                                          <p:stCondLst>
-                                            <p:cond delay="0"/>
-                                          </p:stCondLst>
-                                        </p:cTn>
-                                        <p:tgtEl>
-                                          <p:spTgt spid="5"/>
-                                        </p:tgtEl>
-                                        <p:attrNameLst>
-                                          <p:attrName>style.visibility</p:attrName>
-                                        </p:attrNameLst>
-                                      </p:cBhvr>
-                                      <p:to>
-                                        <p:strVal val="visible"/>
-                                      </p:to>
-                                    </p:set>
-                                    <p:anim calcmode="lin" valueType="num">
-                                      <p:cBhvr additive="base">
-                                        <p:cTn id="7" dur="800" fill="hold"/>
-                                        <p:tgtEl>
-                                          <p:spTgt spid="5"/>
-                                        </p:tgtEl>
-                                        <p:attrNameLst>
-                                          <p:attrName>ppt_x</p:attrName>
-                                        </p:attrNameLst>
-                                      </p:cBhvr>
-                                      <p:tavLst>
-                                        <p:tav tm="0">
-                                          <p:val>
-                                            <p:strVal val="0-#ppt_w/2"/>
-                                          </p:val>
-                                        </p:tav>
-                                        <p:tav tm="100000">
-                                          <p:val>
-                                            <p:strVal val="#ppt_x"/>
-                                          </p:val>
-                                        </p:tav>
-                                      </p:tavLst>
-                                    </p:anim>
-                                    <p:anim calcmode="lin" valueType="num">
-                                      <p:cBhvr additive="base">
-                                        <p:cTn id="8" dur="800" fill="hold"/>
-                                        <p:tgtEl>
-                                          <p:spTgt spid="5"/>
-                                        </p:tgtEl>
-                                        <p:attrNameLst>
-                                          <p:attrName>ppt_y</p:attrName>
-                                        </p:attrNameLst>
-                                      </p:cBhvr>
-                                      <p:tavLst>
-                                        <p:tav tm="0">
-                                          <p:val>
-                                            <p:strVal val="#ppt_y"/>
-                                          </p:val>
-                                        </p:tav>
-                                        <p:tav tm="100000">
-                                          <p:val>
-                                            <p:strVal val="#ppt_y"/>
-                                          </p:val>
-                                        </p:tav>
-                                      </p:tavLst>
-                                    </p:anim>
-                                  </p:childTnLst>
-                                </p:cTn>
-                              </p:par>
-                            </p:childTnLst>
-                          </p:cTn>
-                        </p:par>
-                      </p:childTnLst>
-                    </p:cTn>
-                  </p:par>
-                </p:childTnLst>
-              </p:cTn>
-              <p:prevCondLst>
-                <p:cond evt="onPrev" delay="0">
-                  <p:tgtEl>
-                    <p:sldTgt/>
-                  </p:tgtEl>
-                </p:cond>
-              </p:prevCondLst>
-              <p:nextCondLst>
-                <p:cond evt="onNext" delay="0">
-                  <p:tgtEl>
-                    <p:sldTgt/>
-                  </p:tgtEl>
-                </p:cond>
-              </p:nextCondLst>
-            </p:seq>
-          </p:childTnLst>
-        </p:cTn>
-      </p:par>
-    </p:tnLst>
-    <p:bldLst>
-      <p:bldP spid="5" grpId="0"/>
-    </p:bldLst>
-  </p:timing>
 </p:sld>
 </file>
 
@@ -18615,49 +19131,162 @@
       </p:grpSpPr>
       <p:sp>
         <p:nvSpPr>
-          <p:cNvPr id="5" name="TextBox 4">
+          <p:cNvPr id="10" name="Google Shape;369;p26">
             <a:extLst>
               <a:ext uri="{FF2B5EF4-FFF2-40B4-BE49-F238E27FC236}">
-                <a16:creationId xmlns:a16="http://schemas.microsoft.com/office/drawing/2014/main" id="{A8CF9BDC-9BED-3224-30ED-092041184F9F}"/>
+                <a16:creationId xmlns:a16="http://schemas.microsoft.com/office/drawing/2014/main" id="{2DECC99E-2DE3-5658-E0D5-EE6CB62020ED}"/>
               </a:ext>
             </a:extLst>
           </p:cNvPr>
-          <p:cNvSpPr txBox="1"/>
+          <p:cNvSpPr/>
           <p:nvPr/>
         </p:nvSpPr>
         <p:spPr>
           <a:xfrm>
-            <a:off x="566901" y="452780"/>
-            <a:ext cx="6370928" cy="830997"/>
+            <a:off x="10904023" y="0"/>
+            <a:ext cx="1287977" cy="685011"/>
           </a:xfrm>
-          <a:prstGeom prst="rect">
+          <a:custGeom>
             <a:avLst/>
-          </a:prstGeom>
-          <a:noFill/>
+            <a:gdLst/>
+            <a:ahLst/>
+            <a:cxnLst/>
+            <a:rect l="l" t="t" r="r" b="b"/>
+            <a:pathLst>
+              <a:path w="30174" h="16049" extrusionOk="0">
+                <a:moveTo>
+                  <a:pt x="1" y="1"/>
+                </a:moveTo>
+                <a:cubicBezTo>
+                  <a:pt x="7986" y="12278"/>
+                  <a:pt x="19203" y="16049"/>
+                  <a:pt x="28402" y="16049"/>
+                </a:cubicBezTo>
+                <a:cubicBezTo>
+                  <a:pt x="29002" y="16049"/>
+                  <a:pt x="29593" y="16033"/>
+                  <a:pt x="30174" y="16002"/>
+                </a:cubicBezTo>
+                <a:lnTo>
+                  <a:pt x="30174" y="2248"/>
+                </a:lnTo>
+                <a:cubicBezTo>
+                  <a:pt x="30174" y="1007"/>
+                  <a:pt x="29168" y="1"/>
+                  <a:pt x="27927" y="1"/>
+                </a:cubicBezTo>
+                <a:close/>
+              </a:path>
+            </a:pathLst>
+          </a:custGeom>
+          <a:solidFill>
+            <a:schemeClr val="lt2"/>
+          </a:solidFill>
+          <a:ln>
+            <a:noFill/>
+          </a:ln>
         </p:spPr>
         <p:txBody>
-          <a:bodyPr wrap="square" rtlCol="0">
-            <a:spAutoFit/>
+          <a:bodyPr spcFirstLastPara="1" wrap="square" lIns="91425" tIns="91425" rIns="91425" bIns="91425" anchor="ctr" anchorCtr="0">
+            <a:noAutofit/>
           </a:bodyPr>
           <a:lstStyle/>
           <a:p>
-            <a:r>
-              <a:rPr lang="en-US" sz="4800" b="1" dirty="0">
-                <a:solidFill>
-                  <a:schemeClr val="bg1"/>
-                </a:solidFill>
-              </a:rPr>
-              <a:t>Dashboard</a:t>
-            </a:r>
+            <a:pPr marL="0" lvl="0" indent="0" algn="l" rtl="0">
+              <a:spcBef>
+                <a:spcPts val="0"/>
+              </a:spcBef>
+              <a:spcAft>
+                <a:spcPts val="0"/>
+              </a:spcAft>
+              <a:buNone/>
+            </a:pPr>
+            <a:endParaRPr/>
+          </a:p>
+        </p:txBody>
+      </p:sp>
+      <p:sp>
+        <p:nvSpPr>
+          <p:cNvPr id="11" name="Google Shape;368;p26">
+            <a:extLst>
+              <a:ext uri="{FF2B5EF4-FFF2-40B4-BE49-F238E27FC236}">
+                <a16:creationId xmlns:a16="http://schemas.microsoft.com/office/drawing/2014/main" id="{6C0FDBB5-4042-FC60-4C3E-70C70F59B501}"/>
+              </a:ext>
+            </a:extLst>
+          </p:cNvPr>
+          <p:cNvSpPr/>
+          <p:nvPr/>
+        </p:nvSpPr>
+        <p:spPr>
+          <a:xfrm rot="10800000">
+            <a:off x="0" y="6172989"/>
+            <a:ext cx="1287977" cy="685011"/>
+          </a:xfrm>
+          <a:custGeom>
+            <a:avLst/>
+            <a:gdLst/>
+            <a:ahLst/>
+            <a:cxnLst/>
+            <a:rect l="l" t="t" r="r" b="b"/>
+            <a:pathLst>
+              <a:path w="30174" h="16049" extrusionOk="0">
+                <a:moveTo>
+                  <a:pt x="1" y="1"/>
+                </a:moveTo>
+                <a:cubicBezTo>
+                  <a:pt x="7986" y="12278"/>
+                  <a:pt x="19203" y="16049"/>
+                  <a:pt x="28402" y="16049"/>
+                </a:cubicBezTo>
+                <a:cubicBezTo>
+                  <a:pt x="29002" y="16049"/>
+                  <a:pt x="29593" y="16033"/>
+                  <a:pt x="30174" y="16002"/>
+                </a:cubicBezTo>
+                <a:lnTo>
+                  <a:pt x="30174" y="2248"/>
+                </a:lnTo>
+                <a:cubicBezTo>
+                  <a:pt x="30174" y="1007"/>
+                  <a:pt x="29168" y="1"/>
+                  <a:pt x="27927" y="1"/>
+                </a:cubicBezTo>
+                <a:close/>
+              </a:path>
+            </a:pathLst>
+          </a:custGeom>
+          <a:solidFill>
+            <a:schemeClr val="lt2"/>
+          </a:solidFill>
+          <a:ln>
+            <a:noFill/>
+          </a:ln>
+        </p:spPr>
+        <p:txBody>
+          <a:bodyPr spcFirstLastPara="1" wrap="square" lIns="91425" tIns="91425" rIns="91425" bIns="91425" anchor="ctr" anchorCtr="0">
+            <a:noAutofit/>
+          </a:bodyPr>
+          <a:lstStyle/>
+          <a:p>
+            <a:pPr marL="0" lvl="0" indent="0" algn="l" rtl="0">
+              <a:spcBef>
+                <a:spcPts val="0"/>
+              </a:spcBef>
+              <a:spcAft>
+                <a:spcPts val="0"/>
+              </a:spcAft>
+              <a:buNone/>
+            </a:pPr>
+            <a:endParaRPr dirty="0"/>
           </a:p>
         </p:txBody>
       </p:sp>
       <p:pic>
         <p:nvPicPr>
-          <p:cNvPr id="4" name="Picture 3">
+          <p:cNvPr id="3" name="Picture 2">
             <a:extLst>
               <a:ext uri="{FF2B5EF4-FFF2-40B4-BE49-F238E27FC236}">
-                <a16:creationId xmlns:a16="http://schemas.microsoft.com/office/drawing/2014/main" id="{1FF79AE8-468A-3CF4-4C87-E835094CDBD3}"/>
+                <a16:creationId xmlns:a16="http://schemas.microsoft.com/office/drawing/2014/main" id="{A8526926-6793-7334-4CB6-8B28A29E44FF}"/>
               </a:ext>
             </a:extLst>
           </p:cNvPr>
@@ -18680,8 +19309,8 @@
         </p:blipFill>
         <p:spPr>
           <a:xfrm>
-            <a:off x="161925" y="90487"/>
-            <a:ext cx="11868150" cy="6677025"/>
+            <a:off x="0" y="0"/>
+            <a:ext cx="12192000" cy="6858000"/>
           </a:xfrm>
           <a:prstGeom prst="rect">
             <a:avLst/>
@@ -18691,7 +19320,7 @@
     </p:spTree>
     <p:extLst>
       <p:ext uri="{BB962C8B-B14F-4D97-AF65-F5344CB8AC3E}">
-        <p14:creationId xmlns:p14="http://schemas.microsoft.com/office/powerpoint/2010/main" val="2904261936"/>
+        <p14:creationId xmlns:p14="http://schemas.microsoft.com/office/powerpoint/2010/main" val="166201917"/>
       </p:ext>
     </p:extLst>
   </p:cSld>
@@ -18701,133 +19330,6 @@
   <p:transition spd="slow">
     <p:push dir="u"/>
   </p:transition>
-  <p:timing>
-    <p:tnLst>
-      <p:par>
-        <p:cTn id="1" dur="indefinite" restart="never" nodeType="tmRoot">
-          <p:childTnLst>
-            <p:seq concurrent="1" nextAc="seek">
-              <p:cTn id="2" dur="indefinite" nodeType="mainSeq">
-                <p:childTnLst>
-                  <p:par>
-                    <p:cTn id="3" fill="hold">
-                      <p:stCondLst>
-                        <p:cond delay="indefinite"/>
-                        <p:cond evt="onBegin" delay="0">
-                          <p:tn val="2"/>
-                        </p:cond>
-                      </p:stCondLst>
-                      <p:childTnLst>
-                        <p:par>
-                          <p:cTn id="4" fill="hold">
-                            <p:stCondLst>
-                              <p:cond delay="0"/>
-                            </p:stCondLst>
-                            <p:childTnLst>
-                              <p:par>
-                                <p:cTn id="5" presetID="2" presetClass="entr" presetSubtype="8" fill="hold" grpId="0" nodeType="withEffect">
-                                  <p:stCondLst>
-                                    <p:cond delay="0"/>
-                                  </p:stCondLst>
-                                  <p:childTnLst>
-                                    <p:set>
-                                      <p:cBhvr>
-                                        <p:cTn id="6" dur="1" fill="hold">
-                                          <p:stCondLst>
-                                            <p:cond delay="0"/>
-                                          </p:stCondLst>
-                                        </p:cTn>
-                                        <p:tgtEl>
-                                          <p:spTgt spid="5"/>
-                                        </p:tgtEl>
-                                        <p:attrNameLst>
-                                          <p:attrName>style.visibility</p:attrName>
-                                        </p:attrNameLst>
-                                      </p:cBhvr>
-                                      <p:to>
-                                        <p:strVal val="visible"/>
-                                      </p:to>
-                                    </p:set>
-                                    <p:anim calcmode="lin" valueType="num">
-                                      <p:cBhvr additive="base">
-                                        <p:cTn id="7" dur="800" fill="hold"/>
-                                        <p:tgtEl>
-                                          <p:spTgt spid="5"/>
-                                        </p:tgtEl>
-                                        <p:attrNameLst>
-                                          <p:attrName>ppt_x</p:attrName>
-                                        </p:attrNameLst>
-                                      </p:cBhvr>
-                                      <p:tavLst>
-                                        <p:tav tm="0">
-                                          <p:val>
-                                            <p:strVal val="0-#ppt_w/2"/>
-                                          </p:val>
-                                        </p:tav>
-                                        <p:tav tm="100000">
-                                          <p:val>
-                                            <p:strVal val="#ppt_x"/>
-                                          </p:val>
-                                        </p:tav>
-                                      </p:tavLst>
-                                    </p:anim>
-                                    <p:anim calcmode="lin" valueType="num">
-                                      <p:cBhvr additive="base">
-                                        <p:cTn id="8" dur="800" fill="hold"/>
-                                        <p:tgtEl>
-                                          <p:spTgt spid="5"/>
-                                        </p:tgtEl>
-                                        <p:attrNameLst>
-                                          <p:attrName>ppt_y</p:attrName>
-                                        </p:attrNameLst>
-                                      </p:cBhvr>
-                                      <p:tavLst>
-                                        <p:tav tm="0">
-                                          <p:val>
-                                            <p:strVal val="#ppt_y"/>
-                                          </p:val>
-                                        </p:tav>
-                                        <p:tav tm="100000">
-                                          <p:val>
-                                            <p:strVal val="#ppt_y"/>
-                                          </p:val>
-                                        </p:tav>
-                                      </p:tavLst>
-                                    </p:anim>
-                                  </p:childTnLst>
-                                </p:cTn>
-                              </p:par>
-                            </p:childTnLst>
-                          </p:cTn>
-                        </p:par>
-                      </p:childTnLst>
-                    </p:cTn>
-                  </p:par>
-                </p:childTnLst>
-              </p:cTn>
-              <p:prevCondLst>
-                <p:cond evt="onPrev" delay="0">
-                  <p:tgtEl>
-                    <p:sldTgt/>
-                  </p:tgtEl>
-                </p:cond>
-              </p:prevCondLst>
-              <p:nextCondLst>
-                <p:cond evt="onNext" delay="0">
-                  <p:tgtEl>
-                    <p:sldTgt/>
-                  </p:tgtEl>
-                </p:cond>
-              </p:nextCondLst>
-            </p:seq>
-          </p:childTnLst>
-        </p:cTn>
-      </p:par>
-    </p:tnLst>
-    <p:bldLst>
-      <p:bldP spid="5" grpId="0"/>
-    </p:bldLst>
-  </p:timing>
 </p:sld>
 </file>
 
@@ -18850,49 +19352,162 @@
       </p:grpSpPr>
       <p:sp>
         <p:nvSpPr>
-          <p:cNvPr id="5" name="TextBox 4">
+          <p:cNvPr id="10" name="Google Shape;369;p26">
             <a:extLst>
               <a:ext uri="{FF2B5EF4-FFF2-40B4-BE49-F238E27FC236}">
-                <a16:creationId xmlns:a16="http://schemas.microsoft.com/office/drawing/2014/main" id="{A8CF9BDC-9BED-3224-30ED-092041184F9F}"/>
+                <a16:creationId xmlns:a16="http://schemas.microsoft.com/office/drawing/2014/main" id="{2DECC99E-2DE3-5658-E0D5-EE6CB62020ED}"/>
               </a:ext>
             </a:extLst>
           </p:cNvPr>
-          <p:cNvSpPr txBox="1"/>
+          <p:cNvSpPr/>
           <p:nvPr/>
         </p:nvSpPr>
         <p:spPr>
           <a:xfrm>
-            <a:off x="566901" y="452780"/>
-            <a:ext cx="6370928" cy="830997"/>
+            <a:off x="10904023" y="0"/>
+            <a:ext cx="1287977" cy="685011"/>
           </a:xfrm>
-          <a:prstGeom prst="rect">
+          <a:custGeom>
             <a:avLst/>
-          </a:prstGeom>
-          <a:noFill/>
+            <a:gdLst/>
+            <a:ahLst/>
+            <a:cxnLst/>
+            <a:rect l="l" t="t" r="r" b="b"/>
+            <a:pathLst>
+              <a:path w="30174" h="16049" extrusionOk="0">
+                <a:moveTo>
+                  <a:pt x="1" y="1"/>
+                </a:moveTo>
+                <a:cubicBezTo>
+                  <a:pt x="7986" y="12278"/>
+                  <a:pt x="19203" y="16049"/>
+                  <a:pt x="28402" y="16049"/>
+                </a:cubicBezTo>
+                <a:cubicBezTo>
+                  <a:pt x="29002" y="16049"/>
+                  <a:pt x="29593" y="16033"/>
+                  <a:pt x="30174" y="16002"/>
+                </a:cubicBezTo>
+                <a:lnTo>
+                  <a:pt x="30174" y="2248"/>
+                </a:lnTo>
+                <a:cubicBezTo>
+                  <a:pt x="30174" y="1007"/>
+                  <a:pt x="29168" y="1"/>
+                  <a:pt x="27927" y="1"/>
+                </a:cubicBezTo>
+                <a:close/>
+              </a:path>
+            </a:pathLst>
+          </a:custGeom>
+          <a:solidFill>
+            <a:schemeClr val="lt2"/>
+          </a:solidFill>
+          <a:ln>
+            <a:noFill/>
+          </a:ln>
         </p:spPr>
         <p:txBody>
-          <a:bodyPr wrap="square" rtlCol="0">
-            <a:spAutoFit/>
+          <a:bodyPr spcFirstLastPara="1" wrap="square" lIns="91425" tIns="91425" rIns="91425" bIns="91425" anchor="ctr" anchorCtr="0">
+            <a:noAutofit/>
           </a:bodyPr>
           <a:lstStyle/>
           <a:p>
-            <a:r>
-              <a:rPr lang="en-US" sz="4800" b="1" dirty="0">
-                <a:solidFill>
-                  <a:schemeClr val="bg1"/>
-                </a:solidFill>
-              </a:rPr>
-              <a:t>Dashboard</a:t>
-            </a:r>
+            <a:pPr marL="0" lvl="0" indent="0" algn="l" rtl="0">
+              <a:spcBef>
+                <a:spcPts val="0"/>
+              </a:spcBef>
+              <a:spcAft>
+                <a:spcPts val="0"/>
+              </a:spcAft>
+              <a:buNone/>
+            </a:pPr>
+            <a:endParaRPr/>
+          </a:p>
+        </p:txBody>
+      </p:sp>
+      <p:sp>
+        <p:nvSpPr>
+          <p:cNvPr id="11" name="Google Shape;368;p26">
+            <a:extLst>
+              <a:ext uri="{FF2B5EF4-FFF2-40B4-BE49-F238E27FC236}">
+                <a16:creationId xmlns:a16="http://schemas.microsoft.com/office/drawing/2014/main" id="{6C0FDBB5-4042-FC60-4C3E-70C70F59B501}"/>
+              </a:ext>
+            </a:extLst>
+          </p:cNvPr>
+          <p:cNvSpPr/>
+          <p:nvPr/>
+        </p:nvSpPr>
+        <p:spPr>
+          <a:xfrm rot="10800000">
+            <a:off x="0" y="6172989"/>
+            <a:ext cx="1287977" cy="685011"/>
+          </a:xfrm>
+          <a:custGeom>
+            <a:avLst/>
+            <a:gdLst/>
+            <a:ahLst/>
+            <a:cxnLst/>
+            <a:rect l="l" t="t" r="r" b="b"/>
+            <a:pathLst>
+              <a:path w="30174" h="16049" extrusionOk="0">
+                <a:moveTo>
+                  <a:pt x="1" y="1"/>
+                </a:moveTo>
+                <a:cubicBezTo>
+                  <a:pt x="7986" y="12278"/>
+                  <a:pt x="19203" y="16049"/>
+                  <a:pt x="28402" y="16049"/>
+                </a:cubicBezTo>
+                <a:cubicBezTo>
+                  <a:pt x="29002" y="16049"/>
+                  <a:pt x="29593" y="16033"/>
+                  <a:pt x="30174" y="16002"/>
+                </a:cubicBezTo>
+                <a:lnTo>
+                  <a:pt x="30174" y="2248"/>
+                </a:lnTo>
+                <a:cubicBezTo>
+                  <a:pt x="30174" y="1007"/>
+                  <a:pt x="29168" y="1"/>
+                  <a:pt x="27927" y="1"/>
+                </a:cubicBezTo>
+                <a:close/>
+              </a:path>
+            </a:pathLst>
+          </a:custGeom>
+          <a:solidFill>
+            <a:schemeClr val="lt2"/>
+          </a:solidFill>
+          <a:ln>
+            <a:noFill/>
+          </a:ln>
+        </p:spPr>
+        <p:txBody>
+          <a:bodyPr spcFirstLastPara="1" wrap="square" lIns="91425" tIns="91425" rIns="91425" bIns="91425" anchor="ctr" anchorCtr="0">
+            <a:noAutofit/>
+          </a:bodyPr>
+          <a:lstStyle/>
+          <a:p>
+            <a:pPr marL="0" lvl="0" indent="0" algn="l" rtl="0">
+              <a:spcBef>
+                <a:spcPts val="0"/>
+              </a:spcBef>
+              <a:spcAft>
+                <a:spcPts val="0"/>
+              </a:spcAft>
+              <a:buNone/>
+            </a:pPr>
+            <a:endParaRPr dirty="0"/>
           </a:p>
         </p:txBody>
       </p:sp>
       <p:pic>
         <p:nvPicPr>
-          <p:cNvPr id="3" name="Picture 2">
+          <p:cNvPr id="4" name="Picture 3">
             <a:extLst>
               <a:ext uri="{FF2B5EF4-FFF2-40B4-BE49-F238E27FC236}">
-                <a16:creationId xmlns:a16="http://schemas.microsoft.com/office/drawing/2014/main" id="{300F0A2B-D46F-A570-0FFA-5D7C10CA66A9}"/>
+                <a16:creationId xmlns:a16="http://schemas.microsoft.com/office/drawing/2014/main" id="{A4C100A5-4252-6C9A-DCF1-B6CDC8A97DB8}"/>
               </a:ext>
             </a:extLst>
           </p:cNvPr>
@@ -18915,8 +19530,8 @@
         </p:blipFill>
         <p:spPr>
           <a:xfrm>
-            <a:off x="95250" y="90487"/>
-            <a:ext cx="12001500" cy="6677025"/>
+            <a:off x="0" y="0"/>
+            <a:ext cx="12192000" cy="6858000"/>
           </a:xfrm>
           <a:prstGeom prst="rect">
             <a:avLst/>
@@ -18926,7 +19541,7 @@
     </p:spTree>
     <p:extLst>
       <p:ext uri="{BB962C8B-B14F-4D97-AF65-F5344CB8AC3E}">
-        <p14:creationId xmlns:p14="http://schemas.microsoft.com/office/powerpoint/2010/main" val="4292977295"/>
+        <p14:creationId xmlns:p14="http://schemas.microsoft.com/office/powerpoint/2010/main" val="27994612"/>
       </p:ext>
     </p:extLst>
   </p:cSld>
@@ -18936,372 +19551,10 @@
   <p:transition spd="slow">
     <p:push dir="u"/>
   </p:transition>
-  <p:timing>
-    <p:tnLst>
-      <p:par>
-        <p:cTn id="1" dur="indefinite" restart="never" nodeType="tmRoot">
-          <p:childTnLst>
-            <p:seq concurrent="1" nextAc="seek">
-              <p:cTn id="2" dur="indefinite" nodeType="mainSeq">
-                <p:childTnLst>
-                  <p:par>
-                    <p:cTn id="3" fill="hold">
-                      <p:stCondLst>
-                        <p:cond delay="indefinite"/>
-                        <p:cond evt="onBegin" delay="0">
-                          <p:tn val="2"/>
-                        </p:cond>
-                      </p:stCondLst>
-                      <p:childTnLst>
-                        <p:par>
-                          <p:cTn id="4" fill="hold">
-                            <p:stCondLst>
-                              <p:cond delay="0"/>
-                            </p:stCondLst>
-                            <p:childTnLst>
-                              <p:par>
-                                <p:cTn id="5" presetID="2" presetClass="entr" presetSubtype="8" fill="hold" grpId="0" nodeType="withEffect">
-                                  <p:stCondLst>
-                                    <p:cond delay="0"/>
-                                  </p:stCondLst>
-                                  <p:childTnLst>
-                                    <p:set>
-                                      <p:cBhvr>
-                                        <p:cTn id="6" dur="1" fill="hold">
-                                          <p:stCondLst>
-                                            <p:cond delay="0"/>
-                                          </p:stCondLst>
-                                        </p:cTn>
-                                        <p:tgtEl>
-                                          <p:spTgt spid="5"/>
-                                        </p:tgtEl>
-                                        <p:attrNameLst>
-                                          <p:attrName>style.visibility</p:attrName>
-                                        </p:attrNameLst>
-                                      </p:cBhvr>
-                                      <p:to>
-                                        <p:strVal val="visible"/>
-                                      </p:to>
-                                    </p:set>
-                                    <p:anim calcmode="lin" valueType="num">
-                                      <p:cBhvr additive="base">
-                                        <p:cTn id="7" dur="800" fill="hold"/>
-                                        <p:tgtEl>
-                                          <p:spTgt spid="5"/>
-                                        </p:tgtEl>
-                                        <p:attrNameLst>
-                                          <p:attrName>ppt_x</p:attrName>
-                                        </p:attrNameLst>
-                                      </p:cBhvr>
-                                      <p:tavLst>
-                                        <p:tav tm="0">
-                                          <p:val>
-                                            <p:strVal val="0-#ppt_w/2"/>
-                                          </p:val>
-                                        </p:tav>
-                                        <p:tav tm="100000">
-                                          <p:val>
-                                            <p:strVal val="#ppt_x"/>
-                                          </p:val>
-                                        </p:tav>
-                                      </p:tavLst>
-                                    </p:anim>
-                                    <p:anim calcmode="lin" valueType="num">
-                                      <p:cBhvr additive="base">
-                                        <p:cTn id="8" dur="800" fill="hold"/>
-                                        <p:tgtEl>
-                                          <p:spTgt spid="5"/>
-                                        </p:tgtEl>
-                                        <p:attrNameLst>
-                                          <p:attrName>ppt_y</p:attrName>
-                                        </p:attrNameLst>
-                                      </p:cBhvr>
-                                      <p:tavLst>
-                                        <p:tav tm="0">
-                                          <p:val>
-                                            <p:strVal val="#ppt_y"/>
-                                          </p:val>
-                                        </p:tav>
-                                        <p:tav tm="100000">
-                                          <p:val>
-                                            <p:strVal val="#ppt_y"/>
-                                          </p:val>
-                                        </p:tav>
-                                      </p:tavLst>
-                                    </p:anim>
-                                  </p:childTnLst>
-                                </p:cTn>
-                              </p:par>
-                            </p:childTnLst>
-                          </p:cTn>
-                        </p:par>
-                      </p:childTnLst>
-                    </p:cTn>
-                  </p:par>
-                </p:childTnLst>
-              </p:cTn>
-              <p:prevCondLst>
-                <p:cond evt="onPrev" delay="0">
-                  <p:tgtEl>
-                    <p:sldTgt/>
-                  </p:tgtEl>
-                </p:cond>
-              </p:prevCondLst>
-              <p:nextCondLst>
-                <p:cond evt="onNext" delay="0">
-                  <p:tgtEl>
-                    <p:sldTgt/>
-                  </p:tgtEl>
-                </p:cond>
-              </p:nextCondLst>
-            </p:seq>
-          </p:childTnLst>
-        </p:cTn>
-      </p:par>
-    </p:tnLst>
-    <p:bldLst>
-      <p:bldP spid="5" grpId="0"/>
-    </p:bldLst>
-  </p:timing>
 </p:sld>
 </file>
 
 <file path=ppt/slides/slide33.xml><?xml version="1.0" encoding="utf-8"?>
-<p:sld xmlns:a="http://schemas.openxmlformats.org/drawingml/2006/main" xmlns:r="http://schemas.openxmlformats.org/officeDocument/2006/relationships" xmlns:p="http://schemas.openxmlformats.org/presentationml/2006/main">
-  <p:cSld>
-    <p:spTree>
-      <p:nvGrpSpPr>
-        <p:cNvPr id="1" name=""/>
-        <p:cNvGrpSpPr/>
-        <p:nvPr/>
-      </p:nvGrpSpPr>
-      <p:grpSpPr>
-        <a:xfrm>
-          <a:off x="0" y="0"/>
-          <a:ext cx="0" cy="0"/>
-          <a:chOff x="0" y="0"/>
-          <a:chExt cx="0" cy="0"/>
-        </a:xfrm>
-      </p:grpSpPr>
-      <p:sp>
-        <p:nvSpPr>
-          <p:cNvPr id="5" name="TextBox 4">
-            <a:extLst>
-              <a:ext uri="{FF2B5EF4-FFF2-40B4-BE49-F238E27FC236}">
-                <a16:creationId xmlns:a16="http://schemas.microsoft.com/office/drawing/2014/main" id="{A8CF9BDC-9BED-3224-30ED-092041184F9F}"/>
-              </a:ext>
-            </a:extLst>
-          </p:cNvPr>
-          <p:cNvSpPr txBox="1"/>
-          <p:nvPr/>
-        </p:nvSpPr>
-        <p:spPr>
-          <a:xfrm>
-            <a:off x="566901" y="452780"/>
-            <a:ext cx="6370928" cy="830997"/>
-          </a:xfrm>
-          <a:prstGeom prst="rect">
-            <a:avLst/>
-          </a:prstGeom>
-          <a:noFill/>
-        </p:spPr>
-        <p:txBody>
-          <a:bodyPr wrap="square" rtlCol="0">
-            <a:spAutoFit/>
-          </a:bodyPr>
-          <a:lstStyle/>
-          <a:p>
-            <a:r>
-              <a:rPr lang="en-US" sz="4800" b="1" dirty="0">
-                <a:solidFill>
-                  <a:schemeClr val="bg1"/>
-                </a:solidFill>
-              </a:rPr>
-              <a:t>Dashboard</a:t>
-            </a:r>
-          </a:p>
-        </p:txBody>
-      </p:sp>
-      <p:pic>
-        <p:nvPicPr>
-          <p:cNvPr id="4" name="Picture 3">
-            <a:extLst>
-              <a:ext uri="{FF2B5EF4-FFF2-40B4-BE49-F238E27FC236}">
-                <a16:creationId xmlns:a16="http://schemas.microsoft.com/office/drawing/2014/main" id="{3F45EFF4-FC0E-C1EB-6F26-BA4DC344CA71}"/>
-              </a:ext>
-            </a:extLst>
-          </p:cNvPr>
-          <p:cNvPicPr>
-            <a:picLocks noChangeAspect="1"/>
-          </p:cNvPicPr>
-          <p:nvPr/>
-        </p:nvPicPr>
-        <p:blipFill>
-          <a:blip r:embed="rId2">
-            <a:extLst>
-              <a:ext uri="{28A0092B-C50C-407E-A947-70E740481C1C}">
-                <a14:useLocalDpi xmlns:a14="http://schemas.microsoft.com/office/drawing/2010/main" val="0"/>
-              </a:ext>
-            </a:extLst>
-          </a:blip>
-          <a:stretch>
-            <a:fillRect/>
-          </a:stretch>
-        </p:blipFill>
-        <p:spPr>
-          <a:xfrm>
-            <a:off x="152400" y="100012"/>
-            <a:ext cx="11887200" cy="6657975"/>
-          </a:xfrm>
-          <a:prstGeom prst="rect">
-            <a:avLst/>
-          </a:prstGeom>
-        </p:spPr>
-      </p:pic>
-    </p:spTree>
-    <p:extLst>
-      <p:ext uri="{BB962C8B-B14F-4D97-AF65-F5344CB8AC3E}">
-        <p14:creationId xmlns:p14="http://schemas.microsoft.com/office/powerpoint/2010/main" val="3981479367"/>
-      </p:ext>
-    </p:extLst>
-  </p:cSld>
-  <p:clrMapOvr>
-    <a:masterClrMapping/>
-  </p:clrMapOvr>
-  <p:transition spd="slow">
-    <p:push dir="u"/>
-  </p:transition>
-  <p:timing>
-    <p:tnLst>
-      <p:par>
-        <p:cTn id="1" dur="indefinite" restart="never" nodeType="tmRoot">
-          <p:childTnLst>
-            <p:seq concurrent="1" nextAc="seek">
-              <p:cTn id="2" dur="indefinite" nodeType="mainSeq">
-                <p:childTnLst>
-                  <p:par>
-                    <p:cTn id="3" fill="hold">
-                      <p:stCondLst>
-                        <p:cond delay="indefinite"/>
-                        <p:cond evt="onBegin" delay="0">
-                          <p:tn val="2"/>
-                        </p:cond>
-                      </p:stCondLst>
-                      <p:childTnLst>
-                        <p:par>
-                          <p:cTn id="4" fill="hold">
-                            <p:stCondLst>
-                              <p:cond delay="0"/>
-                            </p:stCondLst>
-                            <p:childTnLst>
-                              <p:par>
-                                <p:cTn id="5" presetID="2" presetClass="entr" presetSubtype="8" fill="hold" grpId="0" nodeType="withEffect">
-                                  <p:stCondLst>
-                                    <p:cond delay="0"/>
-                                  </p:stCondLst>
-                                  <p:childTnLst>
-                                    <p:set>
-                                      <p:cBhvr>
-                                        <p:cTn id="6" dur="1" fill="hold">
-                                          <p:stCondLst>
-                                            <p:cond delay="0"/>
-                                          </p:stCondLst>
-                                        </p:cTn>
-                                        <p:tgtEl>
-                                          <p:spTgt spid="5"/>
-                                        </p:tgtEl>
-                                        <p:attrNameLst>
-                                          <p:attrName>style.visibility</p:attrName>
-                                        </p:attrNameLst>
-                                      </p:cBhvr>
-                                      <p:to>
-                                        <p:strVal val="visible"/>
-                                      </p:to>
-                                    </p:set>
-                                    <p:anim calcmode="lin" valueType="num">
-                                      <p:cBhvr additive="base">
-                                        <p:cTn id="7" dur="800" fill="hold"/>
-                                        <p:tgtEl>
-                                          <p:spTgt spid="5"/>
-                                        </p:tgtEl>
-                                        <p:attrNameLst>
-                                          <p:attrName>ppt_x</p:attrName>
-                                        </p:attrNameLst>
-                                      </p:cBhvr>
-                                      <p:tavLst>
-                                        <p:tav tm="0">
-                                          <p:val>
-                                            <p:strVal val="0-#ppt_w/2"/>
-                                          </p:val>
-                                        </p:tav>
-                                        <p:tav tm="100000">
-                                          <p:val>
-                                            <p:strVal val="#ppt_x"/>
-                                          </p:val>
-                                        </p:tav>
-                                      </p:tavLst>
-                                    </p:anim>
-                                    <p:anim calcmode="lin" valueType="num">
-                                      <p:cBhvr additive="base">
-                                        <p:cTn id="8" dur="800" fill="hold"/>
-                                        <p:tgtEl>
-                                          <p:spTgt spid="5"/>
-                                        </p:tgtEl>
-                                        <p:attrNameLst>
-                                          <p:attrName>ppt_y</p:attrName>
-                                        </p:attrNameLst>
-                                      </p:cBhvr>
-                                      <p:tavLst>
-                                        <p:tav tm="0">
-                                          <p:val>
-                                            <p:strVal val="#ppt_y"/>
-                                          </p:val>
-                                        </p:tav>
-                                        <p:tav tm="100000">
-                                          <p:val>
-                                            <p:strVal val="#ppt_y"/>
-                                          </p:val>
-                                        </p:tav>
-                                      </p:tavLst>
-                                    </p:anim>
-                                  </p:childTnLst>
-                                </p:cTn>
-                              </p:par>
-                            </p:childTnLst>
-                          </p:cTn>
-                        </p:par>
-                      </p:childTnLst>
-                    </p:cTn>
-                  </p:par>
-                </p:childTnLst>
-              </p:cTn>
-              <p:prevCondLst>
-                <p:cond evt="onPrev" delay="0">
-                  <p:tgtEl>
-                    <p:sldTgt/>
-                  </p:tgtEl>
-                </p:cond>
-              </p:prevCondLst>
-              <p:nextCondLst>
-                <p:cond evt="onNext" delay="0">
-                  <p:tgtEl>
-                    <p:sldTgt/>
-                  </p:tgtEl>
-                </p:cond>
-              </p:nextCondLst>
-            </p:seq>
-          </p:childTnLst>
-        </p:cTn>
-      </p:par>
-    </p:tnLst>
-    <p:bldLst>
-      <p:bldP spid="5" grpId="0"/>
-    </p:bldLst>
-  </p:timing>
-</p:sld>
-</file>
-
-<file path=ppt/slides/slide34.xml><?xml version="1.0" encoding="utf-8"?>
 <p:sld xmlns:a="http://schemas.openxmlformats.org/drawingml/2006/main" xmlns:r="http://schemas.openxmlformats.org/officeDocument/2006/relationships" xmlns:p="http://schemas.openxmlformats.org/presentationml/2006/main">
   <p:cSld>
     <p:spTree>
@@ -19404,7 +19657,7 @@
                   <a:schemeClr val="bg1"/>
                 </a:solidFill>
               </a:rPr>
-              <a:t>Website</a:t>
+              <a:t>Dashboard</a:t>
             </a:r>
           </a:p>
         </p:txBody>
@@ -19563,10 +19816,10 @@
       </p:sp>
       <p:pic>
         <p:nvPicPr>
-          <p:cNvPr id="6" name="Picture 5">
+          <p:cNvPr id="4" name="Picture 3">
             <a:extLst>
               <a:ext uri="{FF2B5EF4-FFF2-40B4-BE49-F238E27FC236}">
-                <a16:creationId xmlns:a16="http://schemas.microsoft.com/office/drawing/2014/main" id="{CA91995F-A950-C5E6-445A-16647F73C649}"/>
+                <a16:creationId xmlns:a16="http://schemas.microsoft.com/office/drawing/2014/main" id="{11D5F353-75DE-EBED-46EC-0B9D6ABB0F16}"/>
               </a:ext>
             </a:extLst>
           </p:cNvPr>
@@ -19589,8 +19842,8 @@
         </p:blipFill>
         <p:spPr>
           <a:xfrm>
-            <a:off x="392112" y="1591810"/>
-            <a:ext cx="9985602" cy="4985739"/>
+            <a:off x="1534721" y="61686"/>
+            <a:ext cx="9538835" cy="7158259"/>
           </a:xfrm>
           <a:prstGeom prst="rect">
             <a:avLst/>
@@ -19600,7 +19853,7 @@
     </p:spTree>
     <p:extLst>
       <p:ext uri="{BB962C8B-B14F-4D97-AF65-F5344CB8AC3E}">
-        <p14:creationId xmlns:p14="http://schemas.microsoft.com/office/powerpoint/2010/main" val="3492225487"/>
+        <p14:creationId xmlns:p14="http://schemas.microsoft.com/office/powerpoint/2010/main" val="3319953397"/>
       </p:ext>
     </p:extLst>
   </p:cSld>
@@ -19814,7 +20067,7 @@
 </p:sld>
 </file>
 
-<file path=ppt/slides/slide35.xml><?xml version="1.0" encoding="utf-8"?>
+<file path=ppt/slides/slide34.xml><?xml version="1.0" encoding="utf-8"?>
 <p:sld xmlns:a="http://schemas.openxmlformats.org/drawingml/2006/main" xmlns:r="http://schemas.openxmlformats.org/officeDocument/2006/relationships" xmlns:p="http://schemas.openxmlformats.org/presentationml/2006/main">
   <p:cSld>
     <p:spTree>
@@ -19831,58 +20084,6 @@
           <a:chExt cx="0" cy="0"/>
         </a:xfrm>
       </p:grpSpPr>
-      <p:sp>
-        <p:nvSpPr>
-          <p:cNvPr id="3" name="Rectangle 2">
-            <a:extLst>
-              <a:ext uri="{FF2B5EF4-FFF2-40B4-BE49-F238E27FC236}">
-                <a16:creationId xmlns:a16="http://schemas.microsoft.com/office/drawing/2014/main" id="{19CC5414-48E7-69BB-606B-7E7A98287C0C}"/>
-              </a:ext>
-            </a:extLst>
-          </p:cNvPr>
-          <p:cNvSpPr/>
-          <p:nvPr/>
-        </p:nvSpPr>
-        <p:spPr>
-          <a:xfrm>
-            <a:off x="0" y="280451"/>
-            <a:ext cx="4775200" cy="1175657"/>
-          </a:xfrm>
-          <a:prstGeom prst="rect">
-            <a:avLst/>
-          </a:prstGeom>
-          <a:solidFill>
-            <a:srgbClr val="A0B7E0"/>
-          </a:solidFill>
-          <a:ln>
-            <a:noFill/>
-          </a:ln>
-        </p:spPr>
-        <p:style>
-          <a:lnRef idx="2">
-            <a:schemeClr val="accent1">
-              <a:shade val="15000"/>
-            </a:schemeClr>
-          </a:lnRef>
-          <a:fillRef idx="1">
-            <a:schemeClr val="accent1"/>
-          </a:fillRef>
-          <a:effectRef idx="0">
-            <a:schemeClr val="accent1"/>
-          </a:effectRef>
-          <a:fontRef idx="minor">
-            <a:schemeClr val="lt1"/>
-          </a:fontRef>
-        </p:style>
-        <p:txBody>
-          <a:bodyPr rtlCol="0" anchor="ctr"/>
-          <a:lstStyle/>
-          <a:p>
-            <a:pPr algn="ctr"/>
-            <a:endParaRPr lang="en-US"/>
-          </a:p>
-        </p:txBody>
-      </p:sp>
       <p:sp>
         <p:nvSpPr>
           <p:cNvPr id="5" name="TextBox 4">
@@ -19917,167 +20118,45 @@
                   <a:schemeClr val="bg1"/>
                 </a:solidFill>
               </a:rPr>
-              <a:t>Website</a:t>
+              <a:t>Dashboard</a:t>
             </a:r>
           </a:p>
         </p:txBody>
       </p:sp>
-      <p:sp>
-        <p:nvSpPr>
-          <p:cNvPr id="10" name="Google Shape;369;p26">
+      <p:pic>
+        <p:nvPicPr>
+          <p:cNvPr id="3" name="Picture 2">
             <a:extLst>
               <a:ext uri="{FF2B5EF4-FFF2-40B4-BE49-F238E27FC236}">
-                <a16:creationId xmlns:a16="http://schemas.microsoft.com/office/drawing/2014/main" id="{2DECC99E-2DE3-5658-E0D5-EE6CB62020ED}"/>
+                <a16:creationId xmlns:a16="http://schemas.microsoft.com/office/drawing/2014/main" id="{446CBF1B-8024-B23B-5BEE-92F503FB8610}"/>
               </a:ext>
             </a:extLst>
           </p:cNvPr>
-          <p:cNvSpPr/>
+          <p:cNvPicPr>
+            <a:picLocks noChangeAspect="1"/>
+          </p:cNvPicPr>
           <p:nvPr/>
-        </p:nvSpPr>
+        </p:nvPicPr>
+        <p:blipFill>
+          <a:blip r:embed="rId2"/>
+          <a:stretch>
+            <a:fillRect/>
+          </a:stretch>
+        </p:blipFill>
         <p:spPr>
           <a:xfrm>
-            <a:off x="10904023" y="0"/>
-            <a:ext cx="1287977" cy="685011"/>
+            <a:off x="971493" y="0"/>
+            <a:ext cx="10249013" cy="6752605"/>
           </a:xfrm>
-          <a:custGeom>
+          <a:prstGeom prst="rect">
             <a:avLst/>
-            <a:gdLst/>
-            <a:ahLst/>
-            <a:cxnLst/>
-            <a:rect l="l" t="t" r="r" b="b"/>
-            <a:pathLst>
-              <a:path w="30174" h="16049" extrusionOk="0">
-                <a:moveTo>
-                  <a:pt x="1" y="1"/>
-                </a:moveTo>
-                <a:cubicBezTo>
-                  <a:pt x="7986" y="12278"/>
-                  <a:pt x="19203" y="16049"/>
-                  <a:pt x="28402" y="16049"/>
-                </a:cubicBezTo>
-                <a:cubicBezTo>
-                  <a:pt x="29002" y="16049"/>
-                  <a:pt x="29593" y="16033"/>
-                  <a:pt x="30174" y="16002"/>
-                </a:cubicBezTo>
-                <a:lnTo>
-                  <a:pt x="30174" y="2248"/>
-                </a:lnTo>
-                <a:cubicBezTo>
-                  <a:pt x="30174" y="1007"/>
-                  <a:pt x="29168" y="1"/>
-                  <a:pt x="27927" y="1"/>
-                </a:cubicBezTo>
-                <a:close/>
-              </a:path>
-            </a:pathLst>
-          </a:custGeom>
-          <a:solidFill>
-            <a:schemeClr val="lt2"/>
-          </a:solidFill>
-          <a:ln>
-            <a:noFill/>
-          </a:ln>
+          </a:prstGeom>
         </p:spPr>
-        <p:txBody>
-          <a:bodyPr spcFirstLastPara="1" wrap="square" lIns="91425" tIns="91425" rIns="91425" bIns="91425" anchor="ctr" anchorCtr="0">
-            <a:noAutofit/>
-          </a:bodyPr>
-          <a:lstStyle/>
-          <a:p>
-            <a:pPr marL="0" lvl="0" indent="0" algn="l" rtl="0">
-              <a:spcBef>
-                <a:spcPts val="0"/>
-              </a:spcBef>
-              <a:spcAft>
-                <a:spcPts val="0"/>
-              </a:spcAft>
-              <a:buNone/>
-            </a:pPr>
-            <a:endParaRPr/>
-          </a:p>
-        </p:txBody>
-      </p:sp>
-      <p:sp>
-        <p:nvSpPr>
-          <p:cNvPr id="11" name="Google Shape;368;p26">
-            <a:extLst>
-              <a:ext uri="{FF2B5EF4-FFF2-40B4-BE49-F238E27FC236}">
-                <a16:creationId xmlns:a16="http://schemas.microsoft.com/office/drawing/2014/main" id="{6C0FDBB5-4042-FC60-4C3E-70C70F59B501}"/>
-              </a:ext>
-            </a:extLst>
-          </p:cNvPr>
-          <p:cNvSpPr/>
-          <p:nvPr/>
-        </p:nvSpPr>
-        <p:spPr>
-          <a:xfrm rot="10800000">
-            <a:off x="0" y="6172989"/>
-            <a:ext cx="1287977" cy="685011"/>
-          </a:xfrm>
-          <a:custGeom>
-            <a:avLst/>
-            <a:gdLst/>
-            <a:ahLst/>
-            <a:cxnLst/>
-            <a:rect l="l" t="t" r="r" b="b"/>
-            <a:pathLst>
-              <a:path w="30174" h="16049" extrusionOk="0">
-                <a:moveTo>
-                  <a:pt x="1" y="1"/>
-                </a:moveTo>
-                <a:cubicBezTo>
-                  <a:pt x="7986" y="12278"/>
-                  <a:pt x="19203" y="16049"/>
-                  <a:pt x="28402" y="16049"/>
-                </a:cubicBezTo>
-                <a:cubicBezTo>
-                  <a:pt x="29002" y="16049"/>
-                  <a:pt x="29593" y="16033"/>
-                  <a:pt x="30174" y="16002"/>
-                </a:cubicBezTo>
-                <a:lnTo>
-                  <a:pt x="30174" y="2248"/>
-                </a:lnTo>
-                <a:cubicBezTo>
-                  <a:pt x="30174" y="1007"/>
-                  <a:pt x="29168" y="1"/>
-                  <a:pt x="27927" y="1"/>
-                </a:cubicBezTo>
-                <a:close/>
-              </a:path>
-            </a:pathLst>
-          </a:custGeom>
-          <a:solidFill>
-            <a:schemeClr val="lt2"/>
-          </a:solidFill>
-          <a:ln>
-            <a:noFill/>
-          </a:ln>
-        </p:spPr>
-        <p:txBody>
-          <a:bodyPr spcFirstLastPara="1" wrap="square" lIns="91425" tIns="91425" rIns="91425" bIns="91425" anchor="ctr" anchorCtr="0">
-            <a:noAutofit/>
-          </a:bodyPr>
-          <a:lstStyle/>
-          <a:p>
-            <a:pPr marL="0" lvl="0" indent="0" algn="l" rtl="0">
-              <a:spcBef>
-                <a:spcPts val="0"/>
-              </a:spcBef>
-              <a:spcAft>
-                <a:spcPts val="0"/>
-              </a:spcAft>
-              <a:buNone/>
-            </a:pPr>
-            <a:endParaRPr dirty="0"/>
-          </a:p>
-        </p:txBody>
-      </p:sp>
+      </p:pic>
     </p:spTree>
     <p:extLst>
       <p:ext uri="{BB962C8B-B14F-4D97-AF65-F5344CB8AC3E}">
-        <p14:creationId xmlns:p14="http://schemas.microsoft.com/office/powerpoint/2010/main" val="4271522112"/>
+        <p14:creationId xmlns:p14="http://schemas.microsoft.com/office/powerpoint/2010/main" val="1605177079"/>
       </p:ext>
     </p:extLst>
   </p:cSld>
@@ -20124,7 +20203,7 @@
                                           </p:stCondLst>
                                         </p:cTn>
                                         <p:tgtEl>
-                                          <p:spTgt spid="3"/>
+                                          <p:spTgt spid="5"/>
                                         </p:tgtEl>
                                         <p:attrNameLst>
                                           <p:attrName>style.visibility</p:attrName>
@@ -20137,79 +20216,6 @@
                                     <p:anim calcmode="lin" valueType="num">
                                       <p:cBhvr additive="base">
                                         <p:cTn id="7" dur="800" fill="hold"/>
-                                        <p:tgtEl>
-                                          <p:spTgt spid="3"/>
-                                        </p:tgtEl>
-                                        <p:attrNameLst>
-                                          <p:attrName>ppt_x</p:attrName>
-                                        </p:attrNameLst>
-                                      </p:cBhvr>
-                                      <p:tavLst>
-                                        <p:tav tm="0">
-                                          <p:val>
-                                            <p:strVal val="0-#ppt_w/2"/>
-                                          </p:val>
-                                        </p:tav>
-                                        <p:tav tm="100000">
-                                          <p:val>
-                                            <p:strVal val="#ppt_x"/>
-                                          </p:val>
-                                        </p:tav>
-                                      </p:tavLst>
-                                    </p:anim>
-                                    <p:anim calcmode="lin" valueType="num">
-                                      <p:cBhvr additive="base">
-                                        <p:cTn id="8" dur="800" fill="hold"/>
-                                        <p:tgtEl>
-                                          <p:spTgt spid="3"/>
-                                        </p:tgtEl>
-                                        <p:attrNameLst>
-                                          <p:attrName>ppt_y</p:attrName>
-                                        </p:attrNameLst>
-                                      </p:cBhvr>
-                                      <p:tavLst>
-                                        <p:tav tm="0">
-                                          <p:val>
-                                            <p:strVal val="#ppt_y"/>
-                                          </p:val>
-                                        </p:tav>
-                                        <p:tav tm="100000">
-                                          <p:val>
-                                            <p:strVal val="#ppt_y"/>
-                                          </p:val>
-                                        </p:tav>
-                                      </p:tavLst>
-                                    </p:anim>
-                                  </p:childTnLst>
-                                </p:cTn>
-                              </p:par>
-                              <p:par>
-                                <p:cTn id="9" presetID="2" presetClass="entr" presetSubtype="8" fill="hold" grpId="0" nodeType="withEffect">
-                                  <p:stCondLst>
-                                    <p:cond delay="0"/>
-                                  </p:stCondLst>
-                                  <p:childTnLst>
-                                    <p:set>
-                                      <p:cBhvr>
-                                        <p:cTn id="10" dur="1" fill="hold">
-                                          <p:stCondLst>
-                                            <p:cond delay="0"/>
-                                          </p:stCondLst>
-                                        </p:cTn>
-                                        <p:tgtEl>
-                                          <p:spTgt spid="5"/>
-                                        </p:tgtEl>
-                                        <p:attrNameLst>
-                                          <p:attrName>style.visibility</p:attrName>
-                                        </p:attrNameLst>
-                                      </p:cBhvr>
-                                      <p:to>
-                                        <p:strVal val="visible"/>
-                                      </p:to>
-                                    </p:set>
-                                    <p:anim calcmode="lin" valueType="num">
-                                      <p:cBhvr additive="base">
-                                        <p:cTn id="11" dur="800" fill="hold"/>
                                         <p:tgtEl>
                                           <p:spTgt spid="5"/>
                                         </p:tgtEl>
@@ -20232,7 +20238,7 @@
                                     </p:anim>
                                     <p:anim calcmode="lin" valueType="num">
                                       <p:cBhvr additive="base">
-                                        <p:cTn id="12" dur="800" fill="hold"/>
+                                        <p:cTn id="8" dur="800" fill="hold"/>
                                         <p:tgtEl>
                                           <p:spTgt spid="5"/>
                                         </p:tgtEl>
@@ -20284,1445 +20290,13 @@
       </p:par>
     </p:tnLst>
     <p:bldLst>
-      <p:bldP spid="3" grpId="0" animBg="1"/>
       <p:bldP spid="5" grpId="0"/>
     </p:bldLst>
   </p:timing>
 </p:sld>
 </file>
 
-<file path=ppt/slides/slide36.xml><?xml version="1.0" encoding="utf-8"?>
-<p:sld xmlns:a="http://schemas.openxmlformats.org/drawingml/2006/main" xmlns:r="http://schemas.openxmlformats.org/officeDocument/2006/relationships" xmlns:p="http://schemas.openxmlformats.org/presentationml/2006/main">
-  <p:cSld>
-    <p:spTree>
-      <p:nvGrpSpPr>
-        <p:cNvPr id="1" name=""/>
-        <p:cNvGrpSpPr/>
-        <p:nvPr/>
-      </p:nvGrpSpPr>
-      <p:grpSpPr>
-        <a:xfrm>
-          <a:off x="0" y="0"/>
-          <a:ext cx="0" cy="0"/>
-          <a:chOff x="0" y="0"/>
-          <a:chExt cx="0" cy="0"/>
-        </a:xfrm>
-      </p:grpSpPr>
-      <p:sp>
-        <p:nvSpPr>
-          <p:cNvPr id="3" name="Rectangle 2">
-            <a:extLst>
-              <a:ext uri="{FF2B5EF4-FFF2-40B4-BE49-F238E27FC236}">
-                <a16:creationId xmlns:a16="http://schemas.microsoft.com/office/drawing/2014/main" id="{19CC5414-48E7-69BB-606B-7E7A98287C0C}"/>
-              </a:ext>
-            </a:extLst>
-          </p:cNvPr>
-          <p:cNvSpPr/>
-          <p:nvPr/>
-        </p:nvSpPr>
-        <p:spPr>
-          <a:xfrm>
-            <a:off x="0" y="280451"/>
-            <a:ext cx="4775200" cy="1175657"/>
-          </a:xfrm>
-          <a:prstGeom prst="rect">
-            <a:avLst/>
-          </a:prstGeom>
-          <a:solidFill>
-            <a:srgbClr val="A0B7E0"/>
-          </a:solidFill>
-          <a:ln>
-            <a:noFill/>
-          </a:ln>
-        </p:spPr>
-        <p:style>
-          <a:lnRef idx="2">
-            <a:schemeClr val="accent1">
-              <a:shade val="15000"/>
-            </a:schemeClr>
-          </a:lnRef>
-          <a:fillRef idx="1">
-            <a:schemeClr val="accent1"/>
-          </a:fillRef>
-          <a:effectRef idx="0">
-            <a:schemeClr val="accent1"/>
-          </a:effectRef>
-          <a:fontRef idx="minor">
-            <a:schemeClr val="lt1"/>
-          </a:fontRef>
-        </p:style>
-        <p:txBody>
-          <a:bodyPr rtlCol="0" anchor="ctr"/>
-          <a:lstStyle/>
-          <a:p>
-            <a:pPr algn="ctr"/>
-            <a:endParaRPr lang="en-US"/>
-          </a:p>
-        </p:txBody>
-      </p:sp>
-      <p:sp>
-        <p:nvSpPr>
-          <p:cNvPr id="5" name="TextBox 4">
-            <a:extLst>
-              <a:ext uri="{FF2B5EF4-FFF2-40B4-BE49-F238E27FC236}">
-                <a16:creationId xmlns:a16="http://schemas.microsoft.com/office/drawing/2014/main" id="{A8CF9BDC-9BED-3224-30ED-092041184F9F}"/>
-              </a:ext>
-            </a:extLst>
-          </p:cNvPr>
-          <p:cNvSpPr txBox="1"/>
-          <p:nvPr/>
-        </p:nvSpPr>
-        <p:spPr>
-          <a:xfrm>
-            <a:off x="566901" y="452780"/>
-            <a:ext cx="6370928" cy="830997"/>
-          </a:xfrm>
-          <a:prstGeom prst="rect">
-            <a:avLst/>
-          </a:prstGeom>
-          <a:noFill/>
-        </p:spPr>
-        <p:txBody>
-          <a:bodyPr wrap="square" rtlCol="0">
-            <a:spAutoFit/>
-          </a:bodyPr>
-          <a:lstStyle/>
-          <a:p>
-            <a:r>
-              <a:rPr lang="en-US" sz="4800" b="1" dirty="0">
-                <a:solidFill>
-                  <a:schemeClr val="bg1"/>
-                </a:solidFill>
-              </a:rPr>
-              <a:t>Website</a:t>
-            </a:r>
-          </a:p>
-        </p:txBody>
-      </p:sp>
-      <p:sp>
-        <p:nvSpPr>
-          <p:cNvPr id="10" name="Google Shape;369;p26">
-            <a:extLst>
-              <a:ext uri="{FF2B5EF4-FFF2-40B4-BE49-F238E27FC236}">
-                <a16:creationId xmlns:a16="http://schemas.microsoft.com/office/drawing/2014/main" id="{2DECC99E-2DE3-5658-E0D5-EE6CB62020ED}"/>
-              </a:ext>
-            </a:extLst>
-          </p:cNvPr>
-          <p:cNvSpPr/>
-          <p:nvPr/>
-        </p:nvSpPr>
-        <p:spPr>
-          <a:xfrm>
-            <a:off x="10904023" y="0"/>
-            <a:ext cx="1287977" cy="685011"/>
-          </a:xfrm>
-          <a:custGeom>
-            <a:avLst/>
-            <a:gdLst/>
-            <a:ahLst/>
-            <a:cxnLst/>
-            <a:rect l="l" t="t" r="r" b="b"/>
-            <a:pathLst>
-              <a:path w="30174" h="16049" extrusionOk="0">
-                <a:moveTo>
-                  <a:pt x="1" y="1"/>
-                </a:moveTo>
-                <a:cubicBezTo>
-                  <a:pt x="7986" y="12278"/>
-                  <a:pt x="19203" y="16049"/>
-                  <a:pt x="28402" y="16049"/>
-                </a:cubicBezTo>
-                <a:cubicBezTo>
-                  <a:pt x="29002" y="16049"/>
-                  <a:pt x="29593" y="16033"/>
-                  <a:pt x="30174" y="16002"/>
-                </a:cubicBezTo>
-                <a:lnTo>
-                  <a:pt x="30174" y="2248"/>
-                </a:lnTo>
-                <a:cubicBezTo>
-                  <a:pt x="30174" y="1007"/>
-                  <a:pt x="29168" y="1"/>
-                  <a:pt x="27927" y="1"/>
-                </a:cubicBezTo>
-                <a:close/>
-              </a:path>
-            </a:pathLst>
-          </a:custGeom>
-          <a:solidFill>
-            <a:schemeClr val="lt2"/>
-          </a:solidFill>
-          <a:ln>
-            <a:noFill/>
-          </a:ln>
-        </p:spPr>
-        <p:txBody>
-          <a:bodyPr spcFirstLastPara="1" wrap="square" lIns="91425" tIns="91425" rIns="91425" bIns="91425" anchor="ctr" anchorCtr="0">
-            <a:noAutofit/>
-          </a:bodyPr>
-          <a:lstStyle/>
-          <a:p>
-            <a:pPr marL="0" lvl="0" indent="0" algn="l" rtl="0">
-              <a:spcBef>
-                <a:spcPts val="0"/>
-              </a:spcBef>
-              <a:spcAft>
-                <a:spcPts val="0"/>
-              </a:spcAft>
-              <a:buNone/>
-            </a:pPr>
-            <a:endParaRPr/>
-          </a:p>
-        </p:txBody>
-      </p:sp>
-      <p:sp>
-        <p:nvSpPr>
-          <p:cNvPr id="11" name="Google Shape;368;p26">
-            <a:extLst>
-              <a:ext uri="{FF2B5EF4-FFF2-40B4-BE49-F238E27FC236}">
-                <a16:creationId xmlns:a16="http://schemas.microsoft.com/office/drawing/2014/main" id="{6C0FDBB5-4042-FC60-4C3E-70C70F59B501}"/>
-              </a:ext>
-            </a:extLst>
-          </p:cNvPr>
-          <p:cNvSpPr/>
-          <p:nvPr/>
-        </p:nvSpPr>
-        <p:spPr>
-          <a:xfrm rot="10800000">
-            <a:off x="0" y="6172989"/>
-            <a:ext cx="1287977" cy="685011"/>
-          </a:xfrm>
-          <a:custGeom>
-            <a:avLst/>
-            <a:gdLst/>
-            <a:ahLst/>
-            <a:cxnLst/>
-            <a:rect l="l" t="t" r="r" b="b"/>
-            <a:pathLst>
-              <a:path w="30174" h="16049" extrusionOk="0">
-                <a:moveTo>
-                  <a:pt x="1" y="1"/>
-                </a:moveTo>
-                <a:cubicBezTo>
-                  <a:pt x="7986" y="12278"/>
-                  <a:pt x="19203" y="16049"/>
-                  <a:pt x="28402" y="16049"/>
-                </a:cubicBezTo>
-                <a:cubicBezTo>
-                  <a:pt x="29002" y="16049"/>
-                  <a:pt x="29593" y="16033"/>
-                  <a:pt x="30174" y="16002"/>
-                </a:cubicBezTo>
-                <a:lnTo>
-                  <a:pt x="30174" y="2248"/>
-                </a:lnTo>
-                <a:cubicBezTo>
-                  <a:pt x="30174" y="1007"/>
-                  <a:pt x="29168" y="1"/>
-                  <a:pt x="27927" y="1"/>
-                </a:cubicBezTo>
-                <a:close/>
-              </a:path>
-            </a:pathLst>
-          </a:custGeom>
-          <a:solidFill>
-            <a:schemeClr val="lt2"/>
-          </a:solidFill>
-          <a:ln>
-            <a:noFill/>
-          </a:ln>
-        </p:spPr>
-        <p:txBody>
-          <a:bodyPr spcFirstLastPara="1" wrap="square" lIns="91425" tIns="91425" rIns="91425" bIns="91425" anchor="ctr" anchorCtr="0">
-            <a:noAutofit/>
-          </a:bodyPr>
-          <a:lstStyle/>
-          <a:p>
-            <a:pPr marL="0" lvl="0" indent="0" algn="l" rtl="0">
-              <a:spcBef>
-                <a:spcPts val="0"/>
-              </a:spcBef>
-              <a:spcAft>
-                <a:spcPts val="0"/>
-              </a:spcAft>
-              <a:buNone/>
-            </a:pPr>
-            <a:endParaRPr dirty="0"/>
-          </a:p>
-        </p:txBody>
-      </p:sp>
-    </p:spTree>
-    <p:extLst>
-      <p:ext uri="{BB962C8B-B14F-4D97-AF65-F5344CB8AC3E}">
-        <p14:creationId xmlns:p14="http://schemas.microsoft.com/office/powerpoint/2010/main" val="3630764349"/>
-      </p:ext>
-    </p:extLst>
-  </p:cSld>
-  <p:clrMapOvr>
-    <a:masterClrMapping/>
-  </p:clrMapOvr>
-  <p:transition spd="slow">
-    <p:push dir="u"/>
-  </p:transition>
-  <p:timing>
-    <p:tnLst>
-      <p:par>
-        <p:cTn id="1" dur="indefinite" restart="never" nodeType="tmRoot">
-          <p:childTnLst>
-            <p:seq concurrent="1" nextAc="seek">
-              <p:cTn id="2" dur="indefinite" nodeType="mainSeq">
-                <p:childTnLst>
-                  <p:par>
-                    <p:cTn id="3" fill="hold">
-                      <p:stCondLst>
-                        <p:cond delay="indefinite"/>
-                        <p:cond evt="onBegin" delay="0">
-                          <p:tn val="2"/>
-                        </p:cond>
-                      </p:stCondLst>
-                      <p:childTnLst>
-                        <p:par>
-                          <p:cTn id="4" fill="hold">
-                            <p:stCondLst>
-                              <p:cond delay="0"/>
-                            </p:stCondLst>
-                            <p:childTnLst>
-                              <p:par>
-                                <p:cTn id="5" presetID="2" presetClass="entr" presetSubtype="8" fill="hold" grpId="0" nodeType="withEffect">
-                                  <p:stCondLst>
-                                    <p:cond delay="0"/>
-                                  </p:stCondLst>
-                                  <p:childTnLst>
-                                    <p:set>
-                                      <p:cBhvr>
-                                        <p:cTn id="6" dur="1" fill="hold">
-                                          <p:stCondLst>
-                                            <p:cond delay="0"/>
-                                          </p:stCondLst>
-                                        </p:cTn>
-                                        <p:tgtEl>
-                                          <p:spTgt spid="3"/>
-                                        </p:tgtEl>
-                                        <p:attrNameLst>
-                                          <p:attrName>style.visibility</p:attrName>
-                                        </p:attrNameLst>
-                                      </p:cBhvr>
-                                      <p:to>
-                                        <p:strVal val="visible"/>
-                                      </p:to>
-                                    </p:set>
-                                    <p:anim calcmode="lin" valueType="num">
-                                      <p:cBhvr additive="base">
-                                        <p:cTn id="7" dur="800" fill="hold"/>
-                                        <p:tgtEl>
-                                          <p:spTgt spid="3"/>
-                                        </p:tgtEl>
-                                        <p:attrNameLst>
-                                          <p:attrName>ppt_x</p:attrName>
-                                        </p:attrNameLst>
-                                      </p:cBhvr>
-                                      <p:tavLst>
-                                        <p:tav tm="0">
-                                          <p:val>
-                                            <p:strVal val="0-#ppt_w/2"/>
-                                          </p:val>
-                                        </p:tav>
-                                        <p:tav tm="100000">
-                                          <p:val>
-                                            <p:strVal val="#ppt_x"/>
-                                          </p:val>
-                                        </p:tav>
-                                      </p:tavLst>
-                                    </p:anim>
-                                    <p:anim calcmode="lin" valueType="num">
-                                      <p:cBhvr additive="base">
-                                        <p:cTn id="8" dur="800" fill="hold"/>
-                                        <p:tgtEl>
-                                          <p:spTgt spid="3"/>
-                                        </p:tgtEl>
-                                        <p:attrNameLst>
-                                          <p:attrName>ppt_y</p:attrName>
-                                        </p:attrNameLst>
-                                      </p:cBhvr>
-                                      <p:tavLst>
-                                        <p:tav tm="0">
-                                          <p:val>
-                                            <p:strVal val="#ppt_y"/>
-                                          </p:val>
-                                        </p:tav>
-                                        <p:tav tm="100000">
-                                          <p:val>
-                                            <p:strVal val="#ppt_y"/>
-                                          </p:val>
-                                        </p:tav>
-                                      </p:tavLst>
-                                    </p:anim>
-                                  </p:childTnLst>
-                                </p:cTn>
-                              </p:par>
-                              <p:par>
-                                <p:cTn id="9" presetID="2" presetClass="entr" presetSubtype="8" fill="hold" grpId="0" nodeType="withEffect">
-                                  <p:stCondLst>
-                                    <p:cond delay="0"/>
-                                  </p:stCondLst>
-                                  <p:childTnLst>
-                                    <p:set>
-                                      <p:cBhvr>
-                                        <p:cTn id="10" dur="1" fill="hold">
-                                          <p:stCondLst>
-                                            <p:cond delay="0"/>
-                                          </p:stCondLst>
-                                        </p:cTn>
-                                        <p:tgtEl>
-                                          <p:spTgt spid="5"/>
-                                        </p:tgtEl>
-                                        <p:attrNameLst>
-                                          <p:attrName>style.visibility</p:attrName>
-                                        </p:attrNameLst>
-                                      </p:cBhvr>
-                                      <p:to>
-                                        <p:strVal val="visible"/>
-                                      </p:to>
-                                    </p:set>
-                                    <p:anim calcmode="lin" valueType="num">
-                                      <p:cBhvr additive="base">
-                                        <p:cTn id="11" dur="800" fill="hold"/>
-                                        <p:tgtEl>
-                                          <p:spTgt spid="5"/>
-                                        </p:tgtEl>
-                                        <p:attrNameLst>
-                                          <p:attrName>ppt_x</p:attrName>
-                                        </p:attrNameLst>
-                                      </p:cBhvr>
-                                      <p:tavLst>
-                                        <p:tav tm="0">
-                                          <p:val>
-                                            <p:strVal val="0-#ppt_w/2"/>
-                                          </p:val>
-                                        </p:tav>
-                                        <p:tav tm="100000">
-                                          <p:val>
-                                            <p:strVal val="#ppt_x"/>
-                                          </p:val>
-                                        </p:tav>
-                                      </p:tavLst>
-                                    </p:anim>
-                                    <p:anim calcmode="lin" valueType="num">
-                                      <p:cBhvr additive="base">
-                                        <p:cTn id="12" dur="800" fill="hold"/>
-                                        <p:tgtEl>
-                                          <p:spTgt spid="5"/>
-                                        </p:tgtEl>
-                                        <p:attrNameLst>
-                                          <p:attrName>ppt_y</p:attrName>
-                                        </p:attrNameLst>
-                                      </p:cBhvr>
-                                      <p:tavLst>
-                                        <p:tav tm="0">
-                                          <p:val>
-                                            <p:strVal val="#ppt_y"/>
-                                          </p:val>
-                                        </p:tav>
-                                        <p:tav tm="100000">
-                                          <p:val>
-                                            <p:strVal val="#ppt_y"/>
-                                          </p:val>
-                                        </p:tav>
-                                      </p:tavLst>
-                                    </p:anim>
-                                  </p:childTnLst>
-                                </p:cTn>
-                              </p:par>
-                            </p:childTnLst>
-                          </p:cTn>
-                        </p:par>
-                      </p:childTnLst>
-                    </p:cTn>
-                  </p:par>
-                </p:childTnLst>
-              </p:cTn>
-              <p:prevCondLst>
-                <p:cond evt="onPrev" delay="0">
-                  <p:tgtEl>
-                    <p:sldTgt/>
-                  </p:tgtEl>
-                </p:cond>
-              </p:prevCondLst>
-              <p:nextCondLst>
-                <p:cond evt="onNext" delay="0">
-                  <p:tgtEl>
-                    <p:sldTgt/>
-                  </p:tgtEl>
-                </p:cond>
-              </p:nextCondLst>
-            </p:seq>
-          </p:childTnLst>
-        </p:cTn>
-      </p:par>
-    </p:tnLst>
-    <p:bldLst>
-      <p:bldP spid="3" grpId="0" animBg="1"/>
-      <p:bldP spid="5" grpId="0"/>
-    </p:bldLst>
-  </p:timing>
-</p:sld>
-</file>
-
-<file path=ppt/slides/slide37.xml><?xml version="1.0" encoding="utf-8"?>
-<p:sld xmlns:a="http://schemas.openxmlformats.org/drawingml/2006/main" xmlns:r="http://schemas.openxmlformats.org/officeDocument/2006/relationships" xmlns:p="http://schemas.openxmlformats.org/presentationml/2006/main">
-  <p:cSld>
-    <p:spTree>
-      <p:nvGrpSpPr>
-        <p:cNvPr id="1" name=""/>
-        <p:cNvGrpSpPr/>
-        <p:nvPr/>
-      </p:nvGrpSpPr>
-      <p:grpSpPr>
-        <a:xfrm>
-          <a:off x="0" y="0"/>
-          <a:ext cx="0" cy="0"/>
-          <a:chOff x="0" y="0"/>
-          <a:chExt cx="0" cy="0"/>
-        </a:xfrm>
-      </p:grpSpPr>
-      <p:sp>
-        <p:nvSpPr>
-          <p:cNvPr id="3" name="Rectangle 2">
-            <a:extLst>
-              <a:ext uri="{FF2B5EF4-FFF2-40B4-BE49-F238E27FC236}">
-                <a16:creationId xmlns:a16="http://schemas.microsoft.com/office/drawing/2014/main" id="{19CC5414-48E7-69BB-606B-7E7A98287C0C}"/>
-              </a:ext>
-            </a:extLst>
-          </p:cNvPr>
-          <p:cNvSpPr/>
-          <p:nvPr/>
-        </p:nvSpPr>
-        <p:spPr>
-          <a:xfrm>
-            <a:off x="0" y="280451"/>
-            <a:ext cx="4775200" cy="1175657"/>
-          </a:xfrm>
-          <a:prstGeom prst="rect">
-            <a:avLst/>
-          </a:prstGeom>
-          <a:solidFill>
-            <a:srgbClr val="A0B7E0"/>
-          </a:solidFill>
-          <a:ln>
-            <a:noFill/>
-          </a:ln>
-        </p:spPr>
-        <p:style>
-          <a:lnRef idx="2">
-            <a:schemeClr val="accent1">
-              <a:shade val="15000"/>
-            </a:schemeClr>
-          </a:lnRef>
-          <a:fillRef idx="1">
-            <a:schemeClr val="accent1"/>
-          </a:fillRef>
-          <a:effectRef idx="0">
-            <a:schemeClr val="accent1"/>
-          </a:effectRef>
-          <a:fontRef idx="minor">
-            <a:schemeClr val="lt1"/>
-          </a:fontRef>
-        </p:style>
-        <p:txBody>
-          <a:bodyPr rtlCol="0" anchor="ctr"/>
-          <a:lstStyle/>
-          <a:p>
-            <a:pPr algn="ctr"/>
-            <a:endParaRPr lang="en-US"/>
-          </a:p>
-        </p:txBody>
-      </p:sp>
-      <p:sp>
-        <p:nvSpPr>
-          <p:cNvPr id="5" name="TextBox 4">
-            <a:extLst>
-              <a:ext uri="{FF2B5EF4-FFF2-40B4-BE49-F238E27FC236}">
-                <a16:creationId xmlns:a16="http://schemas.microsoft.com/office/drawing/2014/main" id="{A8CF9BDC-9BED-3224-30ED-092041184F9F}"/>
-              </a:ext>
-            </a:extLst>
-          </p:cNvPr>
-          <p:cNvSpPr txBox="1"/>
-          <p:nvPr/>
-        </p:nvSpPr>
-        <p:spPr>
-          <a:xfrm>
-            <a:off x="566901" y="452780"/>
-            <a:ext cx="6370928" cy="830997"/>
-          </a:xfrm>
-          <a:prstGeom prst="rect">
-            <a:avLst/>
-          </a:prstGeom>
-          <a:noFill/>
-        </p:spPr>
-        <p:txBody>
-          <a:bodyPr wrap="square" rtlCol="0">
-            <a:spAutoFit/>
-          </a:bodyPr>
-          <a:lstStyle/>
-          <a:p>
-            <a:r>
-              <a:rPr lang="en-US" sz="4800" b="1" dirty="0">
-                <a:solidFill>
-                  <a:schemeClr val="bg1"/>
-                </a:solidFill>
-              </a:rPr>
-              <a:t>Website</a:t>
-            </a:r>
-          </a:p>
-        </p:txBody>
-      </p:sp>
-      <p:sp>
-        <p:nvSpPr>
-          <p:cNvPr id="10" name="Google Shape;369;p26">
-            <a:extLst>
-              <a:ext uri="{FF2B5EF4-FFF2-40B4-BE49-F238E27FC236}">
-                <a16:creationId xmlns:a16="http://schemas.microsoft.com/office/drawing/2014/main" id="{2DECC99E-2DE3-5658-E0D5-EE6CB62020ED}"/>
-              </a:ext>
-            </a:extLst>
-          </p:cNvPr>
-          <p:cNvSpPr/>
-          <p:nvPr/>
-        </p:nvSpPr>
-        <p:spPr>
-          <a:xfrm>
-            <a:off x="10904023" y="0"/>
-            <a:ext cx="1287977" cy="685011"/>
-          </a:xfrm>
-          <a:custGeom>
-            <a:avLst/>
-            <a:gdLst/>
-            <a:ahLst/>
-            <a:cxnLst/>
-            <a:rect l="l" t="t" r="r" b="b"/>
-            <a:pathLst>
-              <a:path w="30174" h="16049" extrusionOk="0">
-                <a:moveTo>
-                  <a:pt x="1" y="1"/>
-                </a:moveTo>
-                <a:cubicBezTo>
-                  <a:pt x="7986" y="12278"/>
-                  <a:pt x="19203" y="16049"/>
-                  <a:pt x="28402" y="16049"/>
-                </a:cubicBezTo>
-                <a:cubicBezTo>
-                  <a:pt x="29002" y="16049"/>
-                  <a:pt x="29593" y="16033"/>
-                  <a:pt x="30174" y="16002"/>
-                </a:cubicBezTo>
-                <a:lnTo>
-                  <a:pt x="30174" y="2248"/>
-                </a:lnTo>
-                <a:cubicBezTo>
-                  <a:pt x="30174" y="1007"/>
-                  <a:pt x="29168" y="1"/>
-                  <a:pt x="27927" y="1"/>
-                </a:cubicBezTo>
-                <a:close/>
-              </a:path>
-            </a:pathLst>
-          </a:custGeom>
-          <a:solidFill>
-            <a:schemeClr val="lt2"/>
-          </a:solidFill>
-          <a:ln>
-            <a:noFill/>
-          </a:ln>
-        </p:spPr>
-        <p:txBody>
-          <a:bodyPr spcFirstLastPara="1" wrap="square" lIns="91425" tIns="91425" rIns="91425" bIns="91425" anchor="ctr" anchorCtr="0">
-            <a:noAutofit/>
-          </a:bodyPr>
-          <a:lstStyle/>
-          <a:p>
-            <a:pPr marL="0" lvl="0" indent="0" algn="l" rtl="0">
-              <a:spcBef>
-                <a:spcPts val="0"/>
-              </a:spcBef>
-              <a:spcAft>
-                <a:spcPts val="0"/>
-              </a:spcAft>
-              <a:buNone/>
-            </a:pPr>
-            <a:endParaRPr/>
-          </a:p>
-        </p:txBody>
-      </p:sp>
-      <p:sp>
-        <p:nvSpPr>
-          <p:cNvPr id="11" name="Google Shape;368;p26">
-            <a:extLst>
-              <a:ext uri="{FF2B5EF4-FFF2-40B4-BE49-F238E27FC236}">
-                <a16:creationId xmlns:a16="http://schemas.microsoft.com/office/drawing/2014/main" id="{6C0FDBB5-4042-FC60-4C3E-70C70F59B501}"/>
-              </a:ext>
-            </a:extLst>
-          </p:cNvPr>
-          <p:cNvSpPr/>
-          <p:nvPr/>
-        </p:nvSpPr>
-        <p:spPr>
-          <a:xfrm rot="10800000">
-            <a:off x="0" y="6172989"/>
-            <a:ext cx="1287977" cy="685011"/>
-          </a:xfrm>
-          <a:custGeom>
-            <a:avLst/>
-            <a:gdLst/>
-            <a:ahLst/>
-            <a:cxnLst/>
-            <a:rect l="l" t="t" r="r" b="b"/>
-            <a:pathLst>
-              <a:path w="30174" h="16049" extrusionOk="0">
-                <a:moveTo>
-                  <a:pt x="1" y="1"/>
-                </a:moveTo>
-                <a:cubicBezTo>
-                  <a:pt x="7986" y="12278"/>
-                  <a:pt x="19203" y="16049"/>
-                  <a:pt x="28402" y="16049"/>
-                </a:cubicBezTo>
-                <a:cubicBezTo>
-                  <a:pt x="29002" y="16049"/>
-                  <a:pt x="29593" y="16033"/>
-                  <a:pt x="30174" y="16002"/>
-                </a:cubicBezTo>
-                <a:lnTo>
-                  <a:pt x="30174" y="2248"/>
-                </a:lnTo>
-                <a:cubicBezTo>
-                  <a:pt x="30174" y="1007"/>
-                  <a:pt x="29168" y="1"/>
-                  <a:pt x="27927" y="1"/>
-                </a:cubicBezTo>
-                <a:close/>
-              </a:path>
-            </a:pathLst>
-          </a:custGeom>
-          <a:solidFill>
-            <a:schemeClr val="lt2"/>
-          </a:solidFill>
-          <a:ln>
-            <a:noFill/>
-          </a:ln>
-        </p:spPr>
-        <p:txBody>
-          <a:bodyPr spcFirstLastPara="1" wrap="square" lIns="91425" tIns="91425" rIns="91425" bIns="91425" anchor="ctr" anchorCtr="0">
-            <a:noAutofit/>
-          </a:bodyPr>
-          <a:lstStyle/>
-          <a:p>
-            <a:pPr marL="0" lvl="0" indent="0" algn="l" rtl="0">
-              <a:spcBef>
-                <a:spcPts val="0"/>
-              </a:spcBef>
-              <a:spcAft>
-                <a:spcPts val="0"/>
-              </a:spcAft>
-              <a:buNone/>
-            </a:pPr>
-            <a:endParaRPr dirty="0"/>
-          </a:p>
-        </p:txBody>
-      </p:sp>
-    </p:spTree>
-    <p:extLst>
-      <p:ext uri="{BB962C8B-B14F-4D97-AF65-F5344CB8AC3E}">
-        <p14:creationId xmlns:p14="http://schemas.microsoft.com/office/powerpoint/2010/main" val="238880972"/>
-      </p:ext>
-    </p:extLst>
-  </p:cSld>
-  <p:clrMapOvr>
-    <a:masterClrMapping/>
-  </p:clrMapOvr>
-  <p:transition spd="slow">
-    <p:push dir="u"/>
-  </p:transition>
-  <p:timing>
-    <p:tnLst>
-      <p:par>
-        <p:cTn id="1" dur="indefinite" restart="never" nodeType="tmRoot">
-          <p:childTnLst>
-            <p:seq concurrent="1" nextAc="seek">
-              <p:cTn id="2" dur="indefinite" nodeType="mainSeq">
-                <p:childTnLst>
-                  <p:par>
-                    <p:cTn id="3" fill="hold">
-                      <p:stCondLst>
-                        <p:cond delay="indefinite"/>
-                        <p:cond evt="onBegin" delay="0">
-                          <p:tn val="2"/>
-                        </p:cond>
-                      </p:stCondLst>
-                      <p:childTnLst>
-                        <p:par>
-                          <p:cTn id="4" fill="hold">
-                            <p:stCondLst>
-                              <p:cond delay="0"/>
-                            </p:stCondLst>
-                            <p:childTnLst>
-                              <p:par>
-                                <p:cTn id="5" presetID="2" presetClass="entr" presetSubtype="8" fill="hold" grpId="0" nodeType="withEffect">
-                                  <p:stCondLst>
-                                    <p:cond delay="0"/>
-                                  </p:stCondLst>
-                                  <p:childTnLst>
-                                    <p:set>
-                                      <p:cBhvr>
-                                        <p:cTn id="6" dur="1" fill="hold">
-                                          <p:stCondLst>
-                                            <p:cond delay="0"/>
-                                          </p:stCondLst>
-                                        </p:cTn>
-                                        <p:tgtEl>
-                                          <p:spTgt spid="3"/>
-                                        </p:tgtEl>
-                                        <p:attrNameLst>
-                                          <p:attrName>style.visibility</p:attrName>
-                                        </p:attrNameLst>
-                                      </p:cBhvr>
-                                      <p:to>
-                                        <p:strVal val="visible"/>
-                                      </p:to>
-                                    </p:set>
-                                    <p:anim calcmode="lin" valueType="num">
-                                      <p:cBhvr additive="base">
-                                        <p:cTn id="7" dur="800" fill="hold"/>
-                                        <p:tgtEl>
-                                          <p:spTgt spid="3"/>
-                                        </p:tgtEl>
-                                        <p:attrNameLst>
-                                          <p:attrName>ppt_x</p:attrName>
-                                        </p:attrNameLst>
-                                      </p:cBhvr>
-                                      <p:tavLst>
-                                        <p:tav tm="0">
-                                          <p:val>
-                                            <p:strVal val="0-#ppt_w/2"/>
-                                          </p:val>
-                                        </p:tav>
-                                        <p:tav tm="100000">
-                                          <p:val>
-                                            <p:strVal val="#ppt_x"/>
-                                          </p:val>
-                                        </p:tav>
-                                      </p:tavLst>
-                                    </p:anim>
-                                    <p:anim calcmode="lin" valueType="num">
-                                      <p:cBhvr additive="base">
-                                        <p:cTn id="8" dur="800" fill="hold"/>
-                                        <p:tgtEl>
-                                          <p:spTgt spid="3"/>
-                                        </p:tgtEl>
-                                        <p:attrNameLst>
-                                          <p:attrName>ppt_y</p:attrName>
-                                        </p:attrNameLst>
-                                      </p:cBhvr>
-                                      <p:tavLst>
-                                        <p:tav tm="0">
-                                          <p:val>
-                                            <p:strVal val="#ppt_y"/>
-                                          </p:val>
-                                        </p:tav>
-                                        <p:tav tm="100000">
-                                          <p:val>
-                                            <p:strVal val="#ppt_y"/>
-                                          </p:val>
-                                        </p:tav>
-                                      </p:tavLst>
-                                    </p:anim>
-                                  </p:childTnLst>
-                                </p:cTn>
-                              </p:par>
-                              <p:par>
-                                <p:cTn id="9" presetID="2" presetClass="entr" presetSubtype="8" fill="hold" grpId="0" nodeType="withEffect">
-                                  <p:stCondLst>
-                                    <p:cond delay="0"/>
-                                  </p:stCondLst>
-                                  <p:childTnLst>
-                                    <p:set>
-                                      <p:cBhvr>
-                                        <p:cTn id="10" dur="1" fill="hold">
-                                          <p:stCondLst>
-                                            <p:cond delay="0"/>
-                                          </p:stCondLst>
-                                        </p:cTn>
-                                        <p:tgtEl>
-                                          <p:spTgt spid="5"/>
-                                        </p:tgtEl>
-                                        <p:attrNameLst>
-                                          <p:attrName>style.visibility</p:attrName>
-                                        </p:attrNameLst>
-                                      </p:cBhvr>
-                                      <p:to>
-                                        <p:strVal val="visible"/>
-                                      </p:to>
-                                    </p:set>
-                                    <p:anim calcmode="lin" valueType="num">
-                                      <p:cBhvr additive="base">
-                                        <p:cTn id="11" dur="800" fill="hold"/>
-                                        <p:tgtEl>
-                                          <p:spTgt spid="5"/>
-                                        </p:tgtEl>
-                                        <p:attrNameLst>
-                                          <p:attrName>ppt_x</p:attrName>
-                                        </p:attrNameLst>
-                                      </p:cBhvr>
-                                      <p:tavLst>
-                                        <p:tav tm="0">
-                                          <p:val>
-                                            <p:strVal val="0-#ppt_w/2"/>
-                                          </p:val>
-                                        </p:tav>
-                                        <p:tav tm="100000">
-                                          <p:val>
-                                            <p:strVal val="#ppt_x"/>
-                                          </p:val>
-                                        </p:tav>
-                                      </p:tavLst>
-                                    </p:anim>
-                                    <p:anim calcmode="lin" valueType="num">
-                                      <p:cBhvr additive="base">
-                                        <p:cTn id="12" dur="800" fill="hold"/>
-                                        <p:tgtEl>
-                                          <p:spTgt spid="5"/>
-                                        </p:tgtEl>
-                                        <p:attrNameLst>
-                                          <p:attrName>ppt_y</p:attrName>
-                                        </p:attrNameLst>
-                                      </p:cBhvr>
-                                      <p:tavLst>
-                                        <p:tav tm="0">
-                                          <p:val>
-                                            <p:strVal val="#ppt_y"/>
-                                          </p:val>
-                                        </p:tav>
-                                        <p:tav tm="100000">
-                                          <p:val>
-                                            <p:strVal val="#ppt_y"/>
-                                          </p:val>
-                                        </p:tav>
-                                      </p:tavLst>
-                                    </p:anim>
-                                  </p:childTnLst>
-                                </p:cTn>
-                              </p:par>
-                            </p:childTnLst>
-                          </p:cTn>
-                        </p:par>
-                      </p:childTnLst>
-                    </p:cTn>
-                  </p:par>
-                </p:childTnLst>
-              </p:cTn>
-              <p:prevCondLst>
-                <p:cond evt="onPrev" delay="0">
-                  <p:tgtEl>
-                    <p:sldTgt/>
-                  </p:tgtEl>
-                </p:cond>
-              </p:prevCondLst>
-              <p:nextCondLst>
-                <p:cond evt="onNext" delay="0">
-                  <p:tgtEl>
-                    <p:sldTgt/>
-                  </p:tgtEl>
-                </p:cond>
-              </p:nextCondLst>
-            </p:seq>
-          </p:childTnLst>
-        </p:cTn>
-      </p:par>
-    </p:tnLst>
-    <p:bldLst>
-      <p:bldP spid="3" grpId="0" animBg="1"/>
-      <p:bldP spid="5" grpId="0"/>
-    </p:bldLst>
-  </p:timing>
-</p:sld>
-</file>
-
-<file path=ppt/slides/slide38.xml><?xml version="1.0" encoding="utf-8"?>
-<p:sld xmlns:a="http://schemas.openxmlformats.org/drawingml/2006/main" xmlns:r="http://schemas.openxmlformats.org/officeDocument/2006/relationships" xmlns:p="http://schemas.openxmlformats.org/presentationml/2006/main">
-  <p:cSld>
-    <p:spTree>
-      <p:nvGrpSpPr>
-        <p:cNvPr id="1" name=""/>
-        <p:cNvGrpSpPr/>
-        <p:nvPr/>
-      </p:nvGrpSpPr>
-      <p:grpSpPr>
-        <a:xfrm>
-          <a:off x="0" y="0"/>
-          <a:ext cx="0" cy="0"/>
-          <a:chOff x="0" y="0"/>
-          <a:chExt cx="0" cy="0"/>
-        </a:xfrm>
-      </p:grpSpPr>
-      <p:sp>
-        <p:nvSpPr>
-          <p:cNvPr id="3" name="Rectangle 2">
-            <a:extLst>
-              <a:ext uri="{FF2B5EF4-FFF2-40B4-BE49-F238E27FC236}">
-                <a16:creationId xmlns:a16="http://schemas.microsoft.com/office/drawing/2014/main" id="{19CC5414-48E7-69BB-606B-7E7A98287C0C}"/>
-              </a:ext>
-            </a:extLst>
-          </p:cNvPr>
-          <p:cNvSpPr/>
-          <p:nvPr/>
-        </p:nvSpPr>
-        <p:spPr>
-          <a:xfrm>
-            <a:off x="0" y="280451"/>
-            <a:ext cx="4775200" cy="1175657"/>
-          </a:xfrm>
-          <a:prstGeom prst="rect">
-            <a:avLst/>
-          </a:prstGeom>
-          <a:solidFill>
-            <a:srgbClr val="A0B7E0"/>
-          </a:solidFill>
-          <a:ln>
-            <a:noFill/>
-          </a:ln>
-        </p:spPr>
-        <p:style>
-          <a:lnRef idx="2">
-            <a:schemeClr val="accent1">
-              <a:shade val="15000"/>
-            </a:schemeClr>
-          </a:lnRef>
-          <a:fillRef idx="1">
-            <a:schemeClr val="accent1"/>
-          </a:fillRef>
-          <a:effectRef idx="0">
-            <a:schemeClr val="accent1"/>
-          </a:effectRef>
-          <a:fontRef idx="minor">
-            <a:schemeClr val="lt1"/>
-          </a:fontRef>
-        </p:style>
-        <p:txBody>
-          <a:bodyPr rtlCol="0" anchor="ctr"/>
-          <a:lstStyle/>
-          <a:p>
-            <a:pPr algn="ctr"/>
-            <a:endParaRPr lang="en-US"/>
-          </a:p>
-        </p:txBody>
-      </p:sp>
-      <p:sp>
-        <p:nvSpPr>
-          <p:cNvPr id="5" name="TextBox 4">
-            <a:extLst>
-              <a:ext uri="{FF2B5EF4-FFF2-40B4-BE49-F238E27FC236}">
-                <a16:creationId xmlns:a16="http://schemas.microsoft.com/office/drawing/2014/main" id="{A8CF9BDC-9BED-3224-30ED-092041184F9F}"/>
-              </a:ext>
-            </a:extLst>
-          </p:cNvPr>
-          <p:cNvSpPr txBox="1"/>
-          <p:nvPr/>
-        </p:nvSpPr>
-        <p:spPr>
-          <a:xfrm>
-            <a:off x="566901" y="452780"/>
-            <a:ext cx="6370928" cy="830997"/>
-          </a:xfrm>
-          <a:prstGeom prst="rect">
-            <a:avLst/>
-          </a:prstGeom>
-          <a:noFill/>
-        </p:spPr>
-        <p:txBody>
-          <a:bodyPr wrap="square" rtlCol="0">
-            <a:spAutoFit/>
-          </a:bodyPr>
-          <a:lstStyle/>
-          <a:p>
-            <a:r>
-              <a:rPr lang="en-US" sz="4800" b="1" dirty="0">
-                <a:solidFill>
-                  <a:schemeClr val="bg1"/>
-                </a:solidFill>
-              </a:rPr>
-              <a:t>Website</a:t>
-            </a:r>
-          </a:p>
-        </p:txBody>
-      </p:sp>
-      <p:sp>
-        <p:nvSpPr>
-          <p:cNvPr id="10" name="Google Shape;369;p26">
-            <a:extLst>
-              <a:ext uri="{FF2B5EF4-FFF2-40B4-BE49-F238E27FC236}">
-                <a16:creationId xmlns:a16="http://schemas.microsoft.com/office/drawing/2014/main" id="{2DECC99E-2DE3-5658-E0D5-EE6CB62020ED}"/>
-              </a:ext>
-            </a:extLst>
-          </p:cNvPr>
-          <p:cNvSpPr/>
-          <p:nvPr/>
-        </p:nvSpPr>
-        <p:spPr>
-          <a:xfrm>
-            <a:off x="10904023" y="0"/>
-            <a:ext cx="1287977" cy="685011"/>
-          </a:xfrm>
-          <a:custGeom>
-            <a:avLst/>
-            <a:gdLst/>
-            <a:ahLst/>
-            <a:cxnLst/>
-            <a:rect l="l" t="t" r="r" b="b"/>
-            <a:pathLst>
-              <a:path w="30174" h="16049" extrusionOk="0">
-                <a:moveTo>
-                  <a:pt x="1" y="1"/>
-                </a:moveTo>
-                <a:cubicBezTo>
-                  <a:pt x="7986" y="12278"/>
-                  <a:pt x="19203" y="16049"/>
-                  <a:pt x="28402" y="16049"/>
-                </a:cubicBezTo>
-                <a:cubicBezTo>
-                  <a:pt x="29002" y="16049"/>
-                  <a:pt x="29593" y="16033"/>
-                  <a:pt x="30174" y="16002"/>
-                </a:cubicBezTo>
-                <a:lnTo>
-                  <a:pt x="30174" y="2248"/>
-                </a:lnTo>
-                <a:cubicBezTo>
-                  <a:pt x="30174" y="1007"/>
-                  <a:pt x="29168" y="1"/>
-                  <a:pt x="27927" y="1"/>
-                </a:cubicBezTo>
-                <a:close/>
-              </a:path>
-            </a:pathLst>
-          </a:custGeom>
-          <a:solidFill>
-            <a:schemeClr val="lt2"/>
-          </a:solidFill>
-          <a:ln>
-            <a:noFill/>
-          </a:ln>
-        </p:spPr>
-        <p:txBody>
-          <a:bodyPr spcFirstLastPara="1" wrap="square" lIns="91425" tIns="91425" rIns="91425" bIns="91425" anchor="ctr" anchorCtr="0">
-            <a:noAutofit/>
-          </a:bodyPr>
-          <a:lstStyle/>
-          <a:p>
-            <a:pPr marL="0" lvl="0" indent="0" algn="l" rtl="0">
-              <a:spcBef>
-                <a:spcPts val="0"/>
-              </a:spcBef>
-              <a:spcAft>
-                <a:spcPts val="0"/>
-              </a:spcAft>
-              <a:buNone/>
-            </a:pPr>
-            <a:endParaRPr/>
-          </a:p>
-        </p:txBody>
-      </p:sp>
-      <p:sp>
-        <p:nvSpPr>
-          <p:cNvPr id="11" name="Google Shape;368;p26">
-            <a:extLst>
-              <a:ext uri="{FF2B5EF4-FFF2-40B4-BE49-F238E27FC236}">
-                <a16:creationId xmlns:a16="http://schemas.microsoft.com/office/drawing/2014/main" id="{6C0FDBB5-4042-FC60-4C3E-70C70F59B501}"/>
-              </a:ext>
-            </a:extLst>
-          </p:cNvPr>
-          <p:cNvSpPr/>
-          <p:nvPr/>
-        </p:nvSpPr>
-        <p:spPr>
-          <a:xfrm rot="10800000">
-            <a:off x="0" y="6172989"/>
-            <a:ext cx="1287977" cy="685011"/>
-          </a:xfrm>
-          <a:custGeom>
-            <a:avLst/>
-            <a:gdLst/>
-            <a:ahLst/>
-            <a:cxnLst/>
-            <a:rect l="l" t="t" r="r" b="b"/>
-            <a:pathLst>
-              <a:path w="30174" h="16049" extrusionOk="0">
-                <a:moveTo>
-                  <a:pt x="1" y="1"/>
-                </a:moveTo>
-                <a:cubicBezTo>
-                  <a:pt x="7986" y="12278"/>
-                  <a:pt x="19203" y="16049"/>
-                  <a:pt x="28402" y="16049"/>
-                </a:cubicBezTo>
-                <a:cubicBezTo>
-                  <a:pt x="29002" y="16049"/>
-                  <a:pt x="29593" y="16033"/>
-                  <a:pt x="30174" y="16002"/>
-                </a:cubicBezTo>
-                <a:lnTo>
-                  <a:pt x="30174" y="2248"/>
-                </a:lnTo>
-                <a:cubicBezTo>
-                  <a:pt x="30174" y="1007"/>
-                  <a:pt x="29168" y="1"/>
-                  <a:pt x="27927" y="1"/>
-                </a:cubicBezTo>
-                <a:close/>
-              </a:path>
-            </a:pathLst>
-          </a:custGeom>
-          <a:solidFill>
-            <a:schemeClr val="lt2"/>
-          </a:solidFill>
-          <a:ln>
-            <a:noFill/>
-          </a:ln>
-        </p:spPr>
-        <p:txBody>
-          <a:bodyPr spcFirstLastPara="1" wrap="square" lIns="91425" tIns="91425" rIns="91425" bIns="91425" anchor="ctr" anchorCtr="0">
-            <a:noAutofit/>
-          </a:bodyPr>
-          <a:lstStyle/>
-          <a:p>
-            <a:pPr marL="0" lvl="0" indent="0" algn="l" rtl="0">
-              <a:spcBef>
-                <a:spcPts val="0"/>
-              </a:spcBef>
-              <a:spcAft>
-                <a:spcPts val="0"/>
-              </a:spcAft>
-              <a:buNone/>
-            </a:pPr>
-            <a:endParaRPr dirty="0"/>
-          </a:p>
-        </p:txBody>
-      </p:sp>
-    </p:spTree>
-    <p:extLst>
-      <p:ext uri="{BB962C8B-B14F-4D97-AF65-F5344CB8AC3E}">
-        <p14:creationId xmlns:p14="http://schemas.microsoft.com/office/powerpoint/2010/main" val="1985013407"/>
-      </p:ext>
-    </p:extLst>
-  </p:cSld>
-  <p:clrMapOvr>
-    <a:masterClrMapping/>
-  </p:clrMapOvr>
-  <p:transition spd="slow">
-    <p:push dir="u"/>
-  </p:transition>
-  <p:timing>
-    <p:tnLst>
-      <p:par>
-        <p:cTn id="1" dur="indefinite" restart="never" nodeType="tmRoot">
-          <p:childTnLst>
-            <p:seq concurrent="1" nextAc="seek">
-              <p:cTn id="2" dur="indefinite" nodeType="mainSeq">
-                <p:childTnLst>
-                  <p:par>
-                    <p:cTn id="3" fill="hold">
-                      <p:stCondLst>
-                        <p:cond delay="indefinite"/>
-                        <p:cond evt="onBegin" delay="0">
-                          <p:tn val="2"/>
-                        </p:cond>
-                      </p:stCondLst>
-                      <p:childTnLst>
-                        <p:par>
-                          <p:cTn id="4" fill="hold">
-                            <p:stCondLst>
-                              <p:cond delay="0"/>
-                            </p:stCondLst>
-                            <p:childTnLst>
-                              <p:par>
-                                <p:cTn id="5" presetID="2" presetClass="entr" presetSubtype="8" fill="hold" grpId="0" nodeType="withEffect">
-                                  <p:stCondLst>
-                                    <p:cond delay="0"/>
-                                  </p:stCondLst>
-                                  <p:childTnLst>
-                                    <p:set>
-                                      <p:cBhvr>
-                                        <p:cTn id="6" dur="1" fill="hold">
-                                          <p:stCondLst>
-                                            <p:cond delay="0"/>
-                                          </p:stCondLst>
-                                        </p:cTn>
-                                        <p:tgtEl>
-                                          <p:spTgt spid="3"/>
-                                        </p:tgtEl>
-                                        <p:attrNameLst>
-                                          <p:attrName>style.visibility</p:attrName>
-                                        </p:attrNameLst>
-                                      </p:cBhvr>
-                                      <p:to>
-                                        <p:strVal val="visible"/>
-                                      </p:to>
-                                    </p:set>
-                                    <p:anim calcmode="lin" valueType="num">
-                                      <p:cBhvr additive="base">
-                                        <p:cTn id="7" dur="800" fill="hold"/>
-                                        <p:tgtEl>
-                                          <p:spTgt spid="3"/>
-                                        </p:tgtEl>
-                                        <p:attrNameLst>
-                                          <p:attrName>ppt_x</p:attrName>
-                                        </p:attrNameLst>
-                                      </p:cBhvr>
-                                      <p:tavLst>
-                                        <p:tav tm="0">
-                                          <p:val>
-                                            <p:strVal val="0-#ppt_w/2"/>
-                                          </p:val>
-                                        </p:tav>
-                                        <p:tav tm="100000">
-                                          <p:val>
-                                            <p:strVal val="#ppt_x"/>
-                                          </p:val>
-                                        </p:tav>
-                                      </p:tavLst>
-                                    </p:anim>
-                                    <p:anim calcmode="lin" valueType="num">
-                                      <p:cBhvr additive="base">
-                                        <p:cTn id="8" dur="800" fill="hold"/>
-                                        <p:tgtEl>
-                                          <p:spTgt spid="3"/>
-                                        </p:tgtEl>
-                                        <p:attrNameLst>
-                                          <p:attrName>ppt_y</p:attrName>
-                                        </p:attrNameLst>
-                                      </p:cBhvr>
-                                      <p:tavLst>
-                                        <p:tav tm="0">
-                                          <p:val>
-                                            <p:strVal val="#ppt_y"/>
-                                          </p:val>
-                                        </p:tav>
-                                        <p:tav tm="100000">
-                                          <p:val>
-                                            <p:strVal val="#ppt_y"/>
-                                          </p:val>
-                                        </p:tav>
-                                      </p:tavLst>
-                                    </p:anim>
-                                  </p:childTnLst>
-                                </p:cTn>
-                              </p:par>
-                              <p:par>
-                                <p:cTn id="9" presetID="2" presetClass="entr" presetSubtype="8" fill="hold" grpId="0" nodeType="withEffect">
-                                  <p:stCondLst>
-                                    <p:cond delay="0"/>
-                                  </p:stCondLst>
-                                  <p:childTnLst>
-                                    <p:set>
-                                      <p:cBhvr>
-                                        <p:cTn id="10" dur="1" fill="hold">
-                                          <p:stCondLst>
-                                            <p:cond delay="0"/>
-                                          </p:stCondLst>
-                                        </p:cTn>
-                                        <p:tgtEl>
-                                          <p:spTgt spid="5"/>
-                                        </p:tgtEl>
-                                        <p:attrNameLst>
-                                          <p:attrName>style.visibility</p:attrName>
-                                        </p:attrNameLst>
-                                      </p:cBhvr>
-                                      <p:to>
-                                        <p:strVal val="visible"/>
-                                      </p:to>
-                                    </p:set>
-                                    <p:anim calcmode="lin" valueType="num">
-                                      <p:cBhvr additive="base">
-                                        <p:cTn id="11" dur="800" fill="hold"/>
-                                        <p:tgtEl>
-                                          <p:spTgt spid="5"/>
-                                        </p:tgtEl>
-                                        <p:attrNameLst>
-                                          <p:attrName>ppt_x</p:attrName>
-                                        </p:attrNameLst>
-                                      </p:cBhvr>
-                                      <p:tavLst>
-                                        <p:tav tm="0">
-                                          <p:val>
-                                            <p:strVal val="0-#ppt_w/2"/>
-                                          </p:val>
-                                        </p:tav>
-                                        <p:tav tm="100000">
-                                          <p:val>
-                                            <p:strVal val="#ppt_x"/>
-                                          </p:val>
-                                        </p:tav>
-                                      </p:tavLst>
-                                    </p:anim>
-                                    <p:anim calcmode="lin" valueType="num">
-                                      <p:cBhvr additive="base">
-                                        <p:cTn id="12" dur="800" fill="hold"/>
-                                        <p:tgtEl>
-                                          <p:spTgt spid="5"/>
-                                        </p:tgtEl>
-                                        <p:attrNameLst>
-                                          <p:attrName>ppt_y</p:attrName>
-                                        </p:attrNameLst>
-                                      </p:cBhvr>
-                                      <p:tavLst>
-                                        <p:tav tm="0">
-                                          <p:val>
-                                            <p:strVal val="#ppt_y"/>
-                                          </p:val>
-                                        </p:tav>
-                                        <p:tav tm="100000">
-                                          <p:val>
-                                            <p:strVal val="#ppt_y"/>
-                                          </p:val>
-                                        </p:tav>
-                                      </p:tavLst>
-                                    </p:anim>
-                                  </p:childTnLst>
-                                </p:cTn>
-                              </p:par>
-                            </p:childTnLst>
-                          </p:cTn>
-                        </p:par>
-                      </p:childTnLst>
-                    </p:cTn>
-                  </p:par>
-                </p:childTnLst>
-              </p:cTn>
-              <p:prevCondLst>
-                <p:cond evt="onPrev" delay="0">
-                  <p:tgtEl>
-                    <p:sldTgt/>
-                  </p:tgtEl>
-                </p:cond>
-              </p:prevCondLst>
-              <p:nextCondLst>
-                <p:cond evt="onNext" delay="0">
-                  <p:tgtEl>
-                    <p:sldTgt/>
-                  </p:tgtEl>
-                </p:cond>
-              </p:nextCondLst>
-            </p:seq>
-          </p:childTnLst>
-        </p:cTn>
-      </p:par>
-    </p:tnLst>
-    <p:bldLst>
-      <p:bldP spid="3" grpId="0" animBg="1"/>
-      <p:bldP spid="5" grpId="0"/>
-    </p:bldLst>
-  </p:timing>
-</p:sld>
-</file>
-
-<file path=ppt/slides/slide39.xml><?xml version="1.0" encoding="utf-8"?>
+<file path=ppt/slides/slide35.xml><?xml version="1.0" encoding="utf-8"?>
 <p:sld xmlns:a="http://schemas.openxmlformats.org/drawingml/2006/main" xmlns:r="http://schemas.openxmlformats.org/officeDocument/2006/relationships" xmlns:p="http://schemas.openxmlformats.org/presentationml/2006/main">
   <p:cSld>
     <p:bg>
@@ -23976,7 +22550,7 @@
         <p:spPr>
           <a:xfrm>
             <a:off x="431981" y="1825362"/>
-            <a:ext cx="6047687" cy="3416320"/>
+            <a:ext cx="6047687" cy="3046988"/>
           </a:xfrm>
           <a:prstGeom prst="rect">
             <a:avLst/>
@@ -24035,7 +22609,7 @@
             </a:pPr>
             <a:r>
               <a:rPr lang="en-US" sz="2400" dirty="0"/>
-              <a:t>Exam Answers &amp; Correction</a:t>
+              <a:t>Exam Answers </a:t>
             </a:r>
           </a:p>
           <a:p>
@@ -24045,10 +22619,12 @@
             </a:pPr>
             <a:r>
               <a:rPr lang="en-US" sz="2400" dirty="0"/>
-              <a:t>Exam Result</a:t>
+              <a:t>Exam Correction </a:t>
             </a:r>
-          </a:p>
-          <a:p>
+            <a:r>
+              <a:rPr lang="en-US" sz="2400"/>
+              <a:t>&amp; Grades</a:t>
+            </a:r>
             <a:endParaRPr lang="en-US" sz="2400" dirty="0"/>
           </a:p>
           <a:p>
